--- a/Presentation/Air Traffic Incidents2000-2022.pptx
+++ b/Presentation/Air Traffic Incidents2000-2022.pptx
@@ -4,22 +4,21 @@
   <p:sldMasterIdLst>
     <p:sldMasterId id="2147483696" r:id="rId1"/>
   </p:sldMasterIdLst>
+  <p:notesMasterIdLst>
+    <p:notesMasterId r:id="rId13"/>
+  </p:notesMasterIdLst>
   <p:sldIdLst>
     <p:sldId id="256" r:id="rId2"/>
     <p:sldId id="257" r:id="rId3"/>
-    <p:sldId id="272" r:id="rId4"/>
-    <p:sldId id="263" r:id="rId5"/>
-    <p:sldId id="264" r:id="rId6"/>
-    <p:sldId id="265" r:id="rId7"/>
-    <p:sldId id="271" r:id="rId8"/>
-    <p:sldId id="261" r:id="rId9"/>
-    <p:sldId id="258" r:id="rId10"/>
-    <p:sldId id="262" r:id="rId11"/>
-    <p:sldId id="267" r:id="rId12"/>
-    <p:sldId id="270" r:id="rId13"/>
-    <p:sldId id="266" r:id="rId14"/>
-    <p:sldId id="268" r:id="rId15"/>
-    <p:sldId id="269" r:id="rId16"/>
+    <p:sldId id="264" r:id="rId4"/>
+    <p:sldId id="265" r:id="rId5"/>
+    <p:sldId id="271" r:id="rId6"/>
+    <p:sldId id="258" r:id="rId7"/>
+    <p:sldId id="267" r:id="rId8"/>
+    <p:sldId id="270" r:id="rId9"/>
+    <p:sldId id="266" r:id="rId10"/>
+    <p:sldId id="268" r:id="rId11"/>
+    <p:sldId id="269" r:id="rId12"/>
   </p:sldIdLst>
   <p:sldSz cx="12192000" cy="6858000"/>
   <p:notesSz cx="6858000" cy="9144000"/>
@@ -909,788 +908,6 @@
 </file>
 
 <file path=ppt/diagrams/colors2.xml><?xml version="1.0" encoding="utf-8"?>
-<dgm:colorsDef xmlns:dgm="http://schemas.openxmlformats.org/drawingml/2006/diagram" xmlns:a="http://schemas.openxmlformats.org/drawingml/2006/main" uniqueId="urn:microsoft.com/office/officeart/2005/8/colors/colorful2">
-  <dgm:title val=""/>
-  <dgm:desc val=""/>
-  <dgm:catLst>
-    <dgm:cat type="colorful" pri="10200"/>
-  </dgm:catLst>
-  <dgm:styleLbl name="node0">
-    <dgm:fillClrLst meth="repeat">
-      <a:schemeClr val="accent1"/>
-    </dgm:fillClrLst>
-    <dgm:linClrLst meth="repeat">
-      <a:schemeClr val="lt1"/>
-    </dgm:linClrLst>
-    <dgm:effectClrLst/>
-    <dgm:txLinClrLst/>
-    <dgm:txFillClrLst/>
-    <dgm:txEffectClrLst/>
-  </dgm:styleLbl>
-  <dgm:styleLbl name="node1">
-    <dgm:fillClrLst>
-      <a:schemeClr val="accent2"/>
-      <a:schemeClr val="accent3"/>
-    </dgm:fillClrLst>
-    <dgm:linClrLst meth="repeat">
-      <a:schemeClr val="lt1"/>
-    </dgm:linClrLst>
-    <dgm:effectClrLst/>
-    <dgm:txLinClrLst/>
-    <dgm:txFillClrLst/>
-    <dgm:txEffectClrLst/>
-  </dgm:styleLbl>
-  <dgm:styleLbl name="alignNode1">
-    <dgm:fillClrLst>
-      <a:schemeClr val="accent2"/>
-      <a:schemeClr val="accent3"/>
-    </dgm:fillClrLst>
-    <dgm:linClrLst>
-      <a:schemeClr val="accent2"/>
-      <a:schemeClr val="accent3"/>
-    </dgm:linClrLst>
-    <dgm:effectClrLst/>
-    <dgm:txLinClrLst/>
-    <dgm:txFillClrLst/>
-    <dgm:txEffectClrLst/>
-  </dgm:styleLbl>
-  <dgm:styleLbl name="lnNode1">
-    <dgm:fillClrLst>
-      <a:schemeClr val="accent2"/>
-      <a:schemeClr val="accent3"/>
-    </dgm:fillClrLst>
-    <dgm:linClrLst meth="repeat">
-      <a:schemeClr val="lt1"/>
-    </dgm:linClrLst>
-    <dgm:effectClrLst/>
-    <dgm:txLinClrLst/>
-    <dgm:txFillClrLst/>
-    <dgm:txEffectClrLst/>
-  </dgm:styleLbl>
-  <dgm:styleLbl name="vennNode1">
-    <dgm:fillClrLst>
-      <a:schemeClr val="accent2">
-        <a:alpha val="50000"/>
-      </a:schemeClr>
-      <a:schemeClr val="accent3">
-        <a:alpha val="50000"/>
-      </a:schemeClr>
-    </dgm:fillClrLst>
-    <dgm:linClrLst meth="repeat">
-      <a:schemeClr val="lt1"/>
-    </dgm:linClrLst>
-    <dgm:effectClrLst/>
-    <dgm:txLinClrLst/>
-    <dgm:txFillClrLst/>
-    <dgm:txEffectClrLst/>
-  </dgm:styleLbl>
-  <dgm:styleLbl name="node2">
-    <dgm:fillClrLst>
-      <a:schemeClr val="accent3"/>
-    </dgm:fillClrLst>
-    <dgm:linClrLst meth="repeat">
-      <a:schemeClr val="lt1"/>
-    </dgm:linClrLst>
-    <dgm:effectClrLst/>
-    <dgm:txLinClrLst/>
-    <dgm:txFillClrLst/>
-    <dgm:txEffectClrLst/>
-  </dgm:styleLbl>
-  <dgm:styleLbl name="node3">
-    <dgm:fillClrLst>
-      <a:schemeClr val="accent4"/>
-    </dgm:fillClrLst>
-    <dgm:linClrLst meth="repeat">
-      <a:schemeClr val="lt1"/>
-    </dgm:linClrLst>
-    <dgm:effectClrLst/>
-    <dgm:txLinClrLst/>
-    <dgm:txFillClrLst/>
-    <dgm:txEffectClrLst/>
-  </dgm:styleLbl>
-  <dgm:styleLbl name="node4">
-    <dgm:fillClrLst>
-      <a:schemeClr val="accent5"/>
-    </dgm:fillClrLst>
-    <dgm:linClrLst meth="repeat">
-      <a:schemeClr val="lt1"/>
-    </dgm:linClrLst>
-    <dgm:effectClrLst/>
-    <dgm:txLinClrLst/>
-    <dgm:txFillClrLst/>
-    <dgm:txEffectClrLst/>
-  </dgm:styleLbl>
-  <dgm:styleLbl name="fgImgPlace1">
-    <dgm:fillClrLst>
-      <a:schemeClr val="accent2">
-        <a:tint val="50000"/>
-      </a:schemeClr>
-      <a:schemeClr val="accent3">
-        <a:tint val="50000"/>
-      </a:schemeClr>
-    </dgm:fillClrLst>
-    <dgm:linClrLst meth="repeat">
-      <a:schemeClr val="lt1"/>
-    </dgm:linClrLst>
-    <dgm:effectClrLst/>
-    <dgm:txLinClrLst/>
-    <dgm:txFillClrLst meth="repeat">
-      <a:schemeClr val="lt1"/>
-    </dgm:txFillClrLst>
-    <dgm:txEffectClrLst/>
-  </dgm:styleLbl>
-  <dgm:styleLbl name="alignImgPlace1">
-    <dgm:fillClrLst>
-      <a:schemeClr val="accent2">
-        <a:tint val="50000"/>
-      </a:schemeClr>
-      <a:schemeClr val="accent3">
-        <a:tint val="20000"/>
-      </a:schemeClr>
-    </dgm:fillClrLst>
-    <dgm:linClrLst meth="repeat">
-      <a:schemeClr val="lt1"/>
-    </dgm:linClrLst>
-    <dgm:effectClrLst/>
-    <dgm:txLinClrLst/>
-    <dgm:txFillClrLst meth="repeat">
-      <a:schemeClr val="lt1"/>
-    </dgm:txFillClrLst>
-    <dgm:txEffectClrLst/>
-  </dgm:styleLbl>
-  <dgm:styleLbl name="bgImgPlace1">
-    <dgm:fillClrLst>
-      <a:schemeClr val="accent2">
-        <a:tint val="50000"/>
-      </a:schemeClr>
-      <a:schemeClr val="accent3">
-        <a:tint val="20000"/>
-      </a:schemeClr>
-    </dgm:fillClrLst>
-    <dgm:linClrLst meth="repeat">
-      <a:schemeClr val="lt1"/>
-    </dgm:linClrLst>
-    <dgm:effectClrLst/>
-    <dgm:txLinClrLst/>
-    <dgm:txFillClrLst meth="repeat">
-      <a:schemeClr val="lt1"/>
-    </dgm:txFillClrLst>
-    <dgm:txEffectClrLst/>
-  </dgm:styleLbl>
-  <dgm:styleLbl name="sibTrans2D1">
-    <dgm:fillClrLst>
-      <a:schemeClr val="accent2"/>
-      <a:schemeClr val="accent3"/>
-    </dgm:fillClrLst>
-    <dgm:linClrLst meth="repeat">
-      <a:schemeClr val="lt1"/>
-    </dgm:linClrLst>
-    <dgm:effectClrLst/>
-    <dgm:txLinClrLst/>
-    <dgm:txFillClrLst/>
-    <dgm:txEffectClrLst/>
-  </dgm:styleLbl>
-  <dgm:styleLbl name="fgSibTrans2D1">
-    <dgm:fillClrLst>
-      <a:schemeClr val="accent2"/>
-      <a:schemeClr val="accent3"/>
-    </dgm:fillClrLst>
-    <dgm:linClrLst meth="repeat">
-      <a:schemeClr val="lt1"/>
-    </dgm:linClrLst>
-    <dgm:effectClrLst/>
-    <dgm:txLinClrLst/>
-    <dgm:txFillClrLst meth="repeat">
-      <a:schemeClr val="lt1"/>
-    </dgm:txFillClrLst>
-    <dgm:txEffectClrLst/>
-  </dgm:styleLbl>
-  <dgm:styleLbl name="bgSibTrans2D1">
-    <dgm:fillClrLst>
-      <a:schemeClr val="accent2"/>
-      <a:schemeClr val="accent3"/>
-    </dgm:fillClrLst>
-    <dgm:linClrLst meth="repeat">
-      <a:schemeClr val="lt1"/>
-    </dgm:linClrLst>
-    <dgm:effectClrLst/>
-    <dgm:txLinClrLst/>
-    <dgm:txFillClrLst meth="repeat">
-      <a:schemeClr val="lt1"/>
-    </dgm:txFillClrLst>
-    <dgm:txEffectClrLst/>
-  </dgm:styleLbl>
-  <dgm:styleLbl name="sibTrans1D1">
-    <dgm:fillClrLst/>
-    <dgm:linClrLst>
-      <a:schemeClr val="accent2"/>
-      <a:schemeClr val="accent3"/>
-    </dgm:linClrLst>
-    <dgm:effectClrLst/>
-    <dgm:txLinClrLst/>
-    <dgm:txFillClrLst meth="repeat">
-      <a:schemeClr val="tx1"/>
-    </dgm:txFillClrLst>
-    <dgm:txEffectClrLst/>
-  </dgm:styleLbl>
-  <dgm:styleLbl name="callout">
-    <dgm:fillClrLst meth="repeat">
-      <a:schemeClr val="accent2"/>
-    </dgm:fillClrLst>
-    <dgm:linClrLst meth="repeat">
-      <a:schemeClr val="accent2">
-        <a:tint val="50000"/>
-      </a:schemeClr>
-    </dgm:linClrLst>
-    <dgm:effectClrLst/>
-    <dgm:txLinClrLst/>
-    <dgm:txFillClrLst meth="repeat">
-      <a:schemeClr val="tx1"/>
-    </dgm:txFillClrLst>
-    <dgm:txEffectClrLst/>
-  </dgm:styleLbl>
-  <dgm:styleLbl name="asst0">
-    <dgm:fillClrLst meth="repeat">
-      <a:schemeClr val="accent2"/>
-    </dgm:fillClrLst>
-    <dgm:linClrLst meth="repeat">
-      <a:schemeClr val="lt1">
-        <a:shade val="80000"/>
-      </a:schemeClr>
-    </dgm:linClrLst>
-    <dgm:effectClrLst/>
-    <dgm:txLinClrLst/>
-    <dgm:txFillClrLst/>
-    <dgm:txEffectClrLst/>
-  </dgm:styleLbl>
-  <dgm:styleLbl name="asst1">
-    <dgm:fillClrLst meth="repeat">
-      <a:schemeClr val="accent3"/>
-    </dgm:fillClrLst>
-    <dgm:linClrLst meth="repeat">
-      <a:schemeClr val="lt1">
-        <a:shade val="80000"/>
-      </a:schemeClr>
-    </dgm:linClrLst>
-    <dgm:effectClrLst/>
-    <dgm:txLinClrLst/>
-    <dgm:txFillClrLst/>
-    <dgm:txEffectClrLst/>
-  </dgm:styleLbl>
-  <dgm:styleLbl name="asst2">
-    <dgm:fillClrLst>
-      <a:schemeClr val="accent4"/>
-    </dgm:fillClrLst>
-    <dgm:linClrLst meth="repeat">
-      <a:schemeClr val="lt1"/>
-    </dgm:linClrLst>
-    <dgm:effectClrLst/>
-    <dgm:txLinClrLst/>
-    <dgm:txFillClrLst/>
-    <dgm:txEffectClrLst/>
-  </dgm:styleLbl>
-  <dgm:styleLbl name="asst3">
-    <dgm:fillClrLst>
-      <a:schemeClr val="accent5"/>
-    </dgm:fillClrLst>
-    <dgm:linClrLst meth="repeat">
-      <a:schemeClr val="lt1"/>
-    </dgm:linClrLst>
-    <dgm:effectClrLst/>
-    <dgm:txLinClrLst/>
-    <dgm:txFillClrLst/>
-    <dgm:txEffectClrLst/>
-  </dgm:styleLbl>
-  <dgm:styleLbl name="asst4">
-    <dgm:fillClrLst>
-      <a:schemeClr val="accent6"/>
-    </dgm:fillClrLst>
-    <dgm:linClrLst meth="repeat">
-      <a:schemeClr val="lt1"/>
-    </dgm:linClrLst>
-    <dgm:effectClrLst/>
-    <dgm:txLinClrLst/>
-    <dgm:txFillClrLst/>
-    <dgm:txEffectClrLst/>
-  </dgm:styleLbl>
-  <dgm:styleLbl name="parChTrans2D1">
-    <dgm:fillClrLst meth="repeat">
-      <a:schemeClr val="accent2"/>
-    </dgm:fillClrLst>
-    <dgm:linClrLst meth="repeat">
-      <a:schemeClr val="lt1"/>
-    </dgm:linClrLst>
-    <dgm:effectClrLst/>
-    <dgm:txLinClrLst/>
-    <dgm:txFillClrLst meth="repeat">
-      <a:schemeClr val="lt1"/>
-    </dgm:txFillClrLst>
-    <dgm:txEffectClrLst/>
-  </dgm:styleLbl>
-  <dgm:styleLbl name="parChTrans2D2">
-    <dgm:fillClrLst meth="repeat">
-      <a:schemeClr val="accent3"/>
-    </dgm:fillClrLst>
-    <dgm:linClrLst meth="repeat">
-      <a:schemeClr val="lt1"/>
-    </dgm:linClrLst>
-    <dgm:effectClrLst/>
-    <dgm:txLinClrLst/>
-    <dgm:txFillClrLst/>
-    <dgm:txEffectClrLst/>
-  </dgm:styleLbl>
-  <dgm:styleLbl name="parChTrans2D3">
-    <dgm:fillClrLst meth="repeat">
-      <a:schemeClr val="accent4"/>
-    </dgm:fillClrLst>
-    <dgm:linClrLst meth="repeat">
-      <a:schemeClr val="lt1"/>
-    </dgm:linClrLst>
-    <dgm:effectClrLst/>
-    <dgm:txLinClrLst/>
-    <dgm:txFillClrLst/>
-    <dgm:txEffectClrLst/>
-  </dgm:styleLbl>
-  <dgm:styleLbl name="parChTrans2D4">
-    <dgm:fillClrLst meth="repeat">
-      <a:schemeClr val="accent5"/>
-    </dgm:fillClrLst>
-    <dgm:linClrLst meth="repeat">
-      <a:schemeClr val="lt1"/>
-    </dgm:linClrLst>
-    <dgm:effectClrLst/>
-    <dgm:txLinClrLst/>
-    <dgm:txFillClrLst meth="repeat">
-      <a:schemeClr val="lt1"/>
-    </dgm:txFillClrLst>
-    <dgm:txEffectClrLst/>
-  </dgm:styleLbl>
-  <dgm:styleLbl name="parChTrans1D1">
-    <dgm:fillClrLst meth="repeat">
-      <a:schemeClr val="accent2"/>
-    </dgm:fillClrLst>
-    <dgm:linClrLst meth="repeat">
-      <a:schemeClr val="accent2"/>
-    </dgm:linClrLst>
-    <dgm:effectClrLst/>
-    <dgm:txLinClrLst/>
-    <dgm:txFillClrLst meth="repeat">
-      <a:schemeClr val="tx1"/>
-    </dgm:txFillClrLst>
-    <dgm:txEffectClrLst/>
-  </dgm:styleLbl>
-  <dgm:styleLbl name="parChTrans1D2">
-    <dgm:fillClrLst meth="repeat">
-      <a:schemeClr val="accent2">
-        <a:tint val="90000"/>
-      </a:schemeClr>
-    </dgm:fillClrLst>
-    <dgm:linClrLst meth="repeat">
-      <a:schemeClr val="accent3"/>
-    </dgm:linClrLst>
-    <dgm:effectClrLst/>
-    <dgm:txLinClrLst/>
-    <dgm:txFillClrLst meth="repeat">
-      <a:schemeClr val="tx1"/>
-    </dgm:txFillClrLst>
-    <dgm:txEffectClrLst/>
-  </dgm:styleLbl>
-  <dgm:styleLbl name="parChTrans1D3">
-    <dgm:fillClrLst meth="repeat">
-      <a:schemeClr val="accent2">
-        <a:tint val="70000"/>
-      </a:schemeClr>
-    </dgm:fillClrLst>
-    <dgm:linClrLst meth="repeat">
-      <a:schemeClr val="accent4"/>
-    </dgm:linClrLst>
-    <dgm:effectClrLst/>
-    <dgm:txLinClrLst/>
-    <dgm:txFillClrLst meth="repeat">
-      <a:schemeClr val="tx1"/>
-    </dgm:txFillClrLst>
-    <dgm:txEffectClrLst/>
-  </dgm:styleLbl>
-  <dgm:styleLbl name="parChTrans1D4">
-    <dgm:fillClrLst meth="repeat">
-      <a:schemeClr val="accent2">
-        <a:tint val="50000"/>
-      </a:schemeClr>
-    </dgm:fillClrLst>
-    <dgm:linClrLst meth="repeat">
-      <a:schemeClr val="accent5"/>
-    </dgm:linClrLst>
-    <dgm:effectClrLst/>
-    <dgm:txLinClrLst/>
-    <dgm:txFillClrLst meth="repeat">
-      <a:schemeClr val="tx1"/>
-    </dgm:txFillClrLst>
-    <dgm:txEffectClrLst/>
-  </dgm:styleLbl>
-  <dgm:styleLbl name="fgAcc1">
-    <dgm:fillClrLst meth="repeat">
-      <a:schemeClr val="lt1">
-        <a:alpha val="90000"/>
-      </a:schemeClr>
-    </dgm:fillClrLst>
-    <dgm:linClrLst>
-      <a:schemeClr val="accent2"/>
-      <a:schemeClr val="accent3"/>
-    </dgm:linClrLst>
-    <dgm:effectClrLst/>
-    <dgm:txLinClrLst/>
-    <dgm:txFillClrLst meth="repeat">
-      <a:schemeClr val="dk1"/>
-    </dgm:txFillClrLst>
-    <dgm:txEffectClrLst/>
-  </dgm:styleLbl>
-  <dgm:styleLbl name="conFgAcc1">
-    <dgm:fillClrLst meth="repeat">
-      <a:schemeClr val="lt1">
-        <a:alpha val="90000"/>
-      </a:schemeClr>
-    </dgm:fillClrLst>
-    <dgm:linClrLst>
-      <a:schemeClr val="accent2"/>
-      <a:schemeClr val="accent3"/>
-    </dgm:linClrLst>
-    <dgm:effectClrLst/>
-    <dgm:txLinClrLst/>
-    <dgm:txFillClrLst meth="repeat">
-      <a:schemeClr val="dk1"/>
-    </dgm:txFillClrLst>
-    <dgm:txEffectClrLst/>
-  </dgm:styleLbl>
-  <dgm:styleLbl name="alignAcc1">
-    <dgm:fillClrLst meth="repeat">
-      <a:schemeClr val="lt1">
-        <a:alpha val="90000"/>
-      </a:schemeClr>
-    </dgm:fillClrLst>
-    <dgm:linClrLst>
-      <a:schemeClr val="accent2"/>
-      <a:schemeClr val="accent3"/>
-    </dgm:linClrLst>
-    <dgm:effectClrLst/>
-    <dgm:txLinClrLst/>
-    <dgm:txFillClrLst meth="repeat">
-      <a:schemeClr val="dk1"/>
-    </dgm:txFillClrLst>
-    <dgm:txEffectClrLst/>
-  </dgm:styleLbl>
-  <dgm:styleLbl name="trAlignAcc1">
-    <dgm:fillClrLst meth="repeat">
-      <a:schemeClr val="lt1">
-        <a:alpha val="40000"/>
-      </a:schemeClr>
-    </dgm:fillClrLst>
-    <dgm:linClrLst meth="repeat">
-      <a:schemeClr val="accent2"/>
-    </dgm:linClrLst>
-    <dgm:effectClrLst/>
-    <dgm:txLinClrLst/>
-    <dgm:txFillClrLst meth="repeat">
-      <a:schemeClr val="dk1"/>
-    </dgm:txFillClrLst>
-    <dgm:txEffectClrLst/>
-  </dgm:styleLbl>
-  <dgm:styleLbl name="bgAcc1">
-    <dgm:fillClrLst meth="repeat">
-      <a:schemeClr val="lt1">
-        <a:alpha val="90000"/>
-      </a:schemeClr>
-    </dgm:fillClrLst>
-    <dgm:linClrLst>
-      <a:schemeClr val="accent2"/>
-      <a:schemeClr val="accent3"/>
-    </dgm:linClrLst>
-    <dgm:effectClrLst/>
-    <dgm:txLinClrLst/>
-    <dgm:txFillClrLst meth="repeat">
-      <a:schemeClr val="dk1"/>
-    </dgm:txFillClrLst>
-    <dgm:txEffectClrLst/>
-  </dgm:styleLbl>
-  <dgm:styleLbl name="solidFgAcc1">
-    <dgm:fillClrLst meth="repeat">
-      <a:schemeClr val="lt1"/>
-    </dgm:fillClrLst>
-    <dgm:linClrLst>
-      <a:schemeClr val="accent2"/>
-      <a:schemeClr val="accent3"/>
-    </dgm:linClrLst>
-    <dgm:effectClrLst/>
-    <dgm:txLinClrLst/>
-    <dgm:txFillClrLst meth="repeat">
-      <a:schemeClr val="dk1"/>
-    </dgm:txFillClrLst>
-    <dgm:txEffectClrLst/>
-  </dgm:styleLbl>
-  <dgm:styleLbl name="solidAlignAcc1">
-    <dgm:fillClrLst meth="repeat">
-      <a:schemeClr val="lt1"/>
-    </dgm:fillClrLst>
-    <dgm:linClrLst>
-      <a:schemeClr val="accent2"/>
-      <a:schemeClr val="accent3"/>
-    </dgm:linClrLst>
-    <dgm:effectClrLst/>
-    <dgm:txLinClrLst/>
-    <dgm:txFillClrLst meth="repeat">
-      <a:schemeClr val="dk1"/>
-    </dgm:txFillClrLst>
-    <dgm:txEffectClrLst/>
-  </dgm:styleLbl>
-  <dgm:styleLbl name="solidBgAcc1">
-    <dgm:fillClrLst meth="repeat">
-      <a:schemeClr val="lt1"/>
-    </dgm:fillClrLst>
-    <dgm:linClrLst>
-      <a:schemeClr val="accent2"/>
-      <a:schemeClr val="accent3"/>
-    </dgm:linClrLst>
-    <dgm:effectClrLst/>
-    <dgm:txLinClrLst/>
-    <dgm:txFillClrLst meth="repeat">
-      <a:schemeClr val="dk1"/>
-    </dgm:txFillClrLst>
-    <dgm:txEffectClrLst/>
-  </dgm:styleLbl>
-  <dgm:styleLbl name="fgAccFollowNode1">
-    <dgm:fillClrLst>
-      <a:schemeClr val="accent2">
-        <a:tint val="40000"/>
-        <a:alpha val="90000"/>
-      </a:schemeClr>
-      <a:schemeClr val="accent3">
-        <a:tint val="40000"/>
-        <a:alpha val="90000"/>
-      </a:schemeClr>
-    </dgm:fillClrLst>
-    <dgm:linClrLst>
-      <a:schemeClr val="accent2">
-        <a:tint val="40000"/>
-        <a:alpha val="90000"/>
-      </a:schemeClr>
-      <a:schemeClr val="accent3">
-        <a:tint val="40000"/>
-        <a:alpha val="90000"/>
-      </a:schemeClr>
-    </dgm:linClrLst>
-    <dgm:effectClrLst/>
-    <dgm:txLinClrLst/>
-    <dgm:txFillClrLst meth="repeat">
-      <a:schemeClr val="dk1"/>
-    </dgm:txFillClrLst>
-    <dgm:txEffectClrLst/>
-  </dgm:styleLbl>
-  <dgm:styleLbl name="alignAccFollowNode1">
-    <dgm:fillClrLst>
-      <a:schemeClr val="accent2">
-        <a:tint val="40000"/>
-        <a:alpha val="90000"/>
-      </a:schemeClr>
-      <a:schemeClr val="accent3">
-        <a:tint val="40000"/>
-        <a:alpha val="90000"/>
-      </a:schemeClr>
-    </dgm:fillClrLst>
-    <dgm:linClrLst>
-      <a:schemeClr val="accent2">
-        <a:tint val="40000"/>
-        <a:alpha val="90000"/>
-      </a:schemeClr>
-      <a:schemeClr val="accent3">
-        <a:tint val="40000"/>
-        <a:alpha val="90000"/>
-      </a:schemeClr>
-    </dgm:linClrLst>
-    <dgm:effectClrLst/>
-    <dgm:txLinClrLst/>
-    <dgm:txFillClrLst meth="repeat">
-      <a:schemeClr val="dk1"/>
-    </dgm:txFillClrLst>
-    <dgm:txEffectClrLst/>
-  </dgm:styleLbl>
-  <dgm:styleLbl name="bgAccFollowNode1">
-    <dgm:fillClrLst>
-      <a:schemeClr val="accent2">
-        <a:tint val="40000"/>
-        <a:alpha val="90000"/>
-      </a:schemeClr>
-      <a:schemeClr val="accent3">
-        <a:tint val="40000"/>
-        <a:alpha val="90000"/>
-      </a:schemeClr>
-    </dgm:fillClrLst>
-    <dgm:linClrLst>
-      <a:schemeClr val="accent2">
-        <a:tint val="40000"/>
-        <a:alpha val="90000"/>
-      </a:schemeClr>
-      <a:schemeClr val="accent3">
-        <a:tint val="40000"/>
-        <a:alpha val="90000"/>
-      </a:schemeClr>
-    </dgm:linClrLst>
-    <dgm:effectClrLst/>
-    <dgm:txLinClrLst/>
-    <dgm:txFillClrLst meth="repeat">
-      <a:schemeClr val="dk1"/>
-    </dgm:txFillClrLst>
-    <dgm:txEffectClrLst/>
-  </dgm:styleLbl>
-  <dgm:styleLbl name="fgAcc0">
-    <dgm:fillClrLst meth="repeat">
-      <a:schemeClr val="lt1">
-        <a:alpha val="90000"/>
-      </a:schemeClr>
-    </dgm:fillClrLst>
-    <dgm:linClrLst>
-      <a:schemeClr val="accent1"/>
-    </dgm:linClrLst>
-    <dgm:effectClrLst/>
-    <dgm:txLinClrLst/>
-    <dgm:txFillClrLst meth="repeat">
-      <a:schemeClr val="dk1"/>
-    </dgm:txFillClrLst>
-    <dgm:txEffectClrLst/>
-  </dgm:styleLbl>
-  <dgm:styleLbl name="fgAcc2">
-    <dgm:fillClrLst meth="repeat">
-      <a:schemeClr val="lt1">
-        <a:alpha val="90000"/>
-      </a:schemeClr>
-    </dgm:fillClrLst>
-    <dgm:linClrLst>
-      <a:schemeClr val="accent3"/>
-    </dgm:linClrLst>
-    <dgm:effectClrLst/>
-    <dgm:txLinClrLst/>
-    <dgm:txFillClrLst meth="repeat">
-      <a:schemeClr val="dk1"/>
-    </dgm:txFillClrLst>
-    <dgm:txEffectClrLst/>
-  </dgm:styleLbl>
-  <dgm:styleLbl name="fgAcc3">
-    <dgm:fillClrLst meth="repeat">
-      <a:schemeClr val="lt1">
-        <a:alpha val="90000"/>
-      </a:schemeClr>
-    </dgm:fillClrLst>
-    <dgm:linClrLst>
-      <a:schemeClr val="accent4"/>
-    </dgm:linClrLst>
-    <dgm:effectClrLst/>
-    <dgm:txLinClrLst/>
-    <dgm:txFillClrLst meth="repeat">
-      <a:schemeClr val="dk1"/>
-    </dgm:txFillClrLst>
-    <dgm:txEffectClrLst/>
-  </dgm:styleLbl>
-  <dgm:styleLbl name="fgAcc4">
-    <dgm:fillClrLst meth="repeat">
-      <a:schemeClr val="lt1">
-        <a:alpha val="90000"/>
-      </a:schemeClr>
-    </dgm:fillClrLst>
-    <dgm:linClrLst>
-      <a:schemeClr val="accent5"/>
-    </dgm:linClrLst>
-    <dgm:effectClrLst/>
-    <dgm:txLinClrLst/>
-    <dgm:txFillClrLst meth="repeat">
-      <a:schemeClr val="dk1"/>
-    </dgm:txFillClrLst>
-    <dgm:txEffectClrLst/>
-  </dgm:styleLbl>
-  <dgm:styleLbl name="bgShp">
-    <dgm:fillClrLst meth="repeat">
-      <a:schemeClr val="accent2">
-        <a:tint val="40000"/>
-      </a:schemeClr>
-    </dgm:fillClrLst>
-    <dgm:linClrLst meth="repeat">
-      <a:schemeClr val="dk1"/>
-    </dgm:linClrLst>
-    <dgm:effectClrLst/>
-    <dgm:txLinClrLst/>
-    <dgm:txFillClrLst meth="repeat">
-      <a:schemeClr val="dk1"/>
-    </dgm:txFillClrLst>
-    <dgm:txEffectClrLst/>
-  </dgm:styleLbl>
-  <dgm:styleLbl name="dkBgShp">
-    <dgm:fillClrLst meth="repeat">
-      <a:schemeClr val="accent2">
-        <a:shade val="90000"/>
-      </a:schemeClr>
-    </dgm:fillClrLst>
-    <dgm:linClrLst meth="repeat">
-      <a:schemeClr val="dk1"/>
-    </dgm:linClrLst>
-    <dgm:effectClrLst/>
-    <dgm:txLinClrLst/>
-    <dgm:txFillClrLst meth="repeat">
-      <a:schemeClr val="lt1"/>
-    </dgm:txFillClrLst>
-    <dgm:txEffectClrLst/>
-  </dgm:styleLbl>
-  <dgm:styleLbl name="trBgShp">
-    <dgm:fillClrLst meth="repeat">
-      <a:schemeClr val="accent2">
-        <a:tint val="50000"/>
-        <a:alpha val="40000"/>
-      </a:schemeClr>
-    </dgm:fillClrLst>
-    <dgm:linClrLst meth="repeat">
-      <a:schemeClr val="accent2"/>
-    </dgm:linClrLst>
-    <dgm:effectClrLst/>
-    <dgm:txLinClrLst/>
-    <dgm:txFillClrLst meth="repeat">
-      <a:schemeClr val="lt1"/>
-    </dgm:txFillClrLst>
-    <dgm:txEffectClrLst/>
-  </dgm:styleLbl>
-  <dgm:styleLbl name="fgShp">
-    <dgm:fillClrLst meth="repeat">
-      <a:schemeClr val="accent2">
-        <a:tint val="40000"/>
-      </a:schemeClr>
-    </dgm:fillClrLst>
-    <dgm:linClrLst meth="repeat">
-      <a:schemeClr val="lt1"/>
-    </dgm:linClrLst>
-    <dgm:effectClrLst/>
-    <dgm:txLinClrLst/>
-    <dgm:txFillClrLst meth="repeat">
-      <a:schemeClr val="dk1"/>
-    </dgm:txFillClrLst>
-    <dgm:txEffectClrLst/>
-  </dgm:styleLbl>
-  <dgm:styleLbl name="revTx">
-    <dgm:fillClrLst meth="repeat">
-      <a:schemeClr val="lt1">
-        <a:alpha val="0"/>
-      </a:schemeClr>
-    </dgm:fillClrLst>
-    <dgm:linClrLst meth="repeat">
-      <a:schemeClr val="dk1">
-        <a:alpha val="0"/>
-      </a:schemeClr>
-    </dgm:linClrLst>
-    <dgm:effectClrLst/>
-    <dgm:txLinClrLst/>
-    <dgm:txFillClrLst meth="repeat">
-      <a:schemeClr val="tx1"/>
-    </dgm:txFillClrLst>
-    <dgm:txEffectClrLst/>
-  </dgm:styleLbl>
-</dgm:colorsDef>
-</file>
-
-<file path=ppt/diagrams/colors3.xml><?xml version="1.0" encoding="utf-8"?>
 <dgm:colorsDef xmlns:dgm="http://schemas.openxmlformats.org/drawingml/2006/diagram" xmlns:a="http://schemas.openxmlformats.org/drawingml/2006/main" uniqueId="urn:microsoft.com/office/officeart/2005/8/colors/colorful2">
   <dgm:title val=""/>
   <dgm:desc val=""/>
@@ -2731,7 +1948,7 @@
   <dgm:whole/>
   <dgm:extLst>
     <a:ext uri="http://schemas.microsoft.com/office/drawing/2008/diagram">
-      <dsp:dataModelExt xmlns:dsp="http://schemas.microsoft.com/office/drawing/2008/diagram" relId="rId6" minVer="http://schemas.openxmlformats.org/drawingml/2006/diagram"/>
+      <dsp:dataModelExt xmlns:dsp="http://schemas.microsoft.com/office/drawing/2008/diagram" relId="rId7" minVer="http://schemas.openxmlformats.org/drawingml/2006/diagram"/>
     </a:ext>
   </dgm:extLst>
 </dgm:dataModel>
@@ -2996,272 +2213,7 @@
   <dgm:whole/>
   <dgm:extLst>
     <a:ext uri="http://schemas.microsoft.com/office/drawing/2008/diagram">
-      <dsp:dataModelExt xmlns:dsp="http://schemas.microsoft.com/office/drawing/2008/diagram" relId="rId8" minVer="http://schemas.openxmlformats.org/drawingml/2006/diagram"/>
-    </a:ext>
-  </dgm:extLst>
-</dgm:dataModel>
-</file>
-
-<file path=ppt/diagrams/data3.xml><?xml version="1.0" encoding="utf-8"?>
-<dgm:dataModel xmlns:dgm="http://schemas.openxmlformats.org/drawingml/2006/diagram" xmlns:a="http://schemas.openxmlformats.org/drawingml/2006/main">
-  <dgm:ptLst>
-    <dgm:pt modelId="{EE6189FC-BCD4-4086-9BCB-C3C390FEEA90}" type="doc">
-      <dgm:prSet loTypeId="urn:microsoft.com/office/officeart/2005/8/layout/list1" loCatId="list" qsTypeId="urn:microsoft.com/office/officeart/2005/8/quickstyle/simple4" qsCatId="simple" csTypeId="urn:microsoft.com/office/officeart/2005/8/colors/colorful2" csCatId="colorful" phldr="1"/>
-      <dgm:spPr/>
-      <dgm:t>
-        <a:bodyPr/>
-        <a:lstStyle/>
-        <a:p>
-          <a:endParaRPr lang="en-US"/>
-        </a:p>
-      </dgm:t>
-    </dgm:pt>
-    <dgm:pt modelId="{0B4C3657-921D-470D-A26E-483D5A04A5FA}">
-      <dgm:prSet/>
-      <dgm:spPr/>
-      <dgm:t>
-        <a:bodyPr/>
-        <a:lstStyle/>
-        <a:p>
-          <a:r>
-            <a:rPr lang="en-US" strike="sngStrike"/>
-            <a:t>Null:</a:t>
-          </a:r>
-        </a:p>
-      </dgm:t>
-    </dgm:pt>
-    <dgm:pt modelId="{9657CDB6-DCF2-4E15-B687-456D783C21ED}" type="parTrans" cxnId="{0F690809-5CC6-4C39-BDFF-6AAFD7347F50}">
-      <dgm:prSet/>
-      <dgm:spPr/>
-      <dgm:t>
-        <a:bodyPr/>
-        <a:lstStyle/>
-        <a:p>
-          <a:endParaRPr lang="en-US"/>
-        </a:p>
-      </dgm:t>
-    </dgm:pt>
-    <dgm:pt modelId="{F11AE83D-7493-442E-A0CB-39A82B7C33BE}" type="sibTrans" cxnId="{0F690809-5CC6-4C39-BDFF-6AAFD7347F50}">
-      <dgm:prSet/>
-      <dgm:spPr/>
-      <dgm:t>
-        <a:bodyPr/>
-        <a:lstStyle/>
-        <a:p>
-          <a:endParaRPr lang="en-US"/>
-        </a:p>
-      </dgm:t>
-    </dgm:pt>
-    <dgm:pt modelId="{96750E27-829E-42D6-9CB3-0FAAF8EB2ABE}">
-      <dgm:prSet/>
-      <dgm:spPr/>
-      <dgm:t>
-        <a:bodyPr/>
-        <a:lstStyle/>
-        <a:p>
-          <a:r>
-            <a:rPr lang="en-US" strike="sngStrike" dirty="0"/>
-            <a:t>Incident causes have no influence on fatal occurrences</a:t>
-          </a:r>
-        </a:p>
-      </dgm:t>
-    </dgm:pt>
-    <dgm:pt modelId="{C4DA227C-13C2-4A50-AD92-26F7B36DFE98}" type="parTrans" cxnId="{206F15B7-2529-415A-A453-224933725A91}">
-      <dgm:prSet/>
-      <dgm:spPr/>
-      <dgm:t>
-        <a:bodyPr/>
-        <a:lstStyle/>
-        <a:p>
-          <a:endParaRPr lang="en-US"/>
-        </a:p>
-      </dgm:t>
-    </dgm:pt>
-    <dgm:pt modelId="{EE8D075D-4294-4A6B-96DB-0196FCEF9784}" type="sibTrans" cxnId="{206F15B7-2529-415A-A453-224933725A91}">
-      <dgm:prSet/>
-      <dgm:spPr/>
-      <dgm:t>
-        <a:bodyPr/>
-        <a:lstStyle/>
-        <a:p>
-          <a:endParaRPr lang="en-US"/>
-        </a:p>
-      </dgm:t>
-    </dgm:pt>
-    <dgm:pt modelId="{4BC5C7DC-ECAA-46DB-B932-E7AAABA8B7F9}">
-      <dgm:prSet/>
-      <dgm:spPr/>
-      <dgm:t>
-        <a:bodyPr/>
-        <a:lstStyle/>
-        <a:p>
-          <a:r>
-            <a:rPr lang="en-US"/>
-            <a:t>Alternate: </a:t>
-          </a:r>
-        </a:p>
-      </dgm:t>
-    </dgm:pt>
-    <dgm:pt modelId="{480117CE-600A-443A-BBF9-E19D7A191DEB}" type="parTrans" cxnId="{80D4057C-5227-4013-872E-0D923F80997B}">
-      <dgm:prSet/>
-      <dgm:spPr/>
-      <dgm:t>
-        <a:bodyPr/>
-        <a:lstStyle/>
-        <a:p>
-          <a:endParaRPr lang="en-US"/>
-        </a:p>
-      </dgm:t>
-    </dgm:pt>
-    <dgm:pt modelId="{8C1A70D2-2FCF-40FE-B8A6-458AED0A3356}" type="sibTrans" cxnId="{80D4057C-5227-4013-872E-0D923F80997B}">
-      <dgm:prSet/>
-      <dgm:spPr/>
-      <dgm:t>
-        <a:bodyPr/>
-        <a:lstStyle/>
-        <a:p>
-          <a:endParaRPr lang="en-US"/>
-        </a:p>
-      </dgm:t>
-    </dgm:pt>
-    <dgm:pt modelId="{16465AD5-6EEC-4B4C-B040-7D03C0C739CB}">
-      <dgm:prSet/>
-      <dgm:spPr/>
-      <dgm:t>
-        <a:bodyPr/>
-        <a:lstStyle/>
-        <a:p>
-          <a:r>
-            <a:rPr lang="en-US"/>
-            <a:t>Incident causes have a significant influence on fatal occurrences</a:t>
-          </a:r>
-        </a:p>
-      </dgm:t>
-    </dgm:pt>
-    <dgm:pt modelId="{706BC271-2E74-4E84-A6B6-C5E1FD4AED0B}" type="parTrans" cxnId="{40212B1F-47E6-4AAC-B65B-64B5DC64ACC2}">
-      <dgm:prSet/>
-      <dgm:spPr/>
-      <dgm:t>
-        <a:bodyPr/>
-        <a:lstStyle/>
-        <a:p>
-          <a:endParaRPr lang="en-US"/>
-        </a:p>
-      </dgm:t>
-    </dgm:pt>
-    <dgm:pt modelId="{E55F25E9-28FE-4E94-B99A-7C34146834CB}" type="sibTrans" cxnId="{40212B1F-47E6-4AAC-B65B-64B5DC64ACC2}">
-      <dgm:prSet/>
-      <dgm:spPr/>
-      <dgm:t>
-        <a:bodyPr/>
-        <a:lstStyle/>
-        <a:p>
-          <a:endParaRPr lang="en-US"/>
-        </a:p>
-      </dgm:t>
-    </dgm:pt>
-    <dgm:pt modelId="{C1F5BC4E-79F2-2B48-AC27-EB3EA780F9AD}" type="pres">
-      <dgm:prSet presAssocID="{EE6189FC-BCD4-4086-9BCB-C3C390FEEA90}" presName="linear" presStyleCnt="0">
-        <dgm:presLayoutVars>
-          <dgm:dir/>
-          <dgm:animLvl val="lvl"/>
-          <dgm:resizeHandles val="exact"/>
-        </dgm:presLayoutVars>
-      </dgm:prSet>
-      <dgm:spPr/>
-    </dgm:pt>
-    <dgm:pt modelId="{09BB62A1-5A35-7C49-83F7-0F7EBA84D77D}" type="pres">
-      <dgm:prSet presAssocID="{0B4C3657-921D-470D-A26E-483D5A04A5FA}" presName="parentLin" presStyleCnt="0"/>
-      <dgm:spPr/>
-    </dgm:pt>
-    <dgm:pt modelId="{120BC450-786F-5142-A4DD-A91BCDBBDEAF}" type="pres">
-      <dgm:prSet presAssocID="{0B4C3657-921D-470D-A26E-483D5A04A5FA}" presName="parentLeftMargin" presStyleLbl="node1" presStyleIdx="0" presStyleCnt="2"/>
-      <dgm:spPr/>
-    </dgm:pt>
-    <dgm:pt modelId="{911FFB1D-F5ED-0B44-BB40-5769459712BA}" type="pres">
-      <dgm:prSet presAssocID="{0B4C3657-921D-470D-A26E-483D5A04A5FA}" presName="parentText" presStyleLbl="node1" presStyleIdx="0" presStyleCnt="2" custScaleY="38428" custLinFactNeighborX="-66412" custLinFactNeighborY="-31561">
-        <dgm:presLayoutVars>
-          <dgm:chMax val="0"/>
-          <dgm:bulletEnabled val="1"/>
-        </dgm:presLayoutVars>
-      </dgm:prSet>
-      <dgm:spPr/>
-    </dgm:pt>
-    <dgm:pt modelId="{FD736A34-19AD-4D48-98FE-25E6E75FB045}" type="pres">
-      <dgm:prSet presAssocID="{0B4C3657-921D-470D-A26E-483D5A04A5FA}" presName="negativeSpace" presStyleCnt="0"/>
-      <dgm:spPr/>
-    </dgm:pt>
-    <dgm:pt modelId="{B39A042C-2BB2-3A4E-91BF-581A72880972}" type="pres">
-      <dgm:prSet presAssocID="{0B4C3657-921D-470D-A26E-483D5A04A5FA}" presName="childText" presStyleLbl="conFgAcc1" presStyleIdx="0" presStyleCnt="2" custScaleY="22688" custLinFactNeighborX="-237" custLinFactNeighborY="6227">
-        <dgm:presLayoutVars>
-          <dgm:bulletEnabled val="1"/>
-        </dgm:presLayoutVars>
-      </dgm:prSet>
-      <dgm:spPr/>
-    </dgm:pt>
-    <dgm:pt modelId="{1BFBB55A-A58F-4747-9016-31363BB96F19}" type="pres">
-      <dgm:prSet presAssocID="{F11AE83D-7493-442E-A0CB-39A82B7C33BE}" presName="spaceBetweenRectangles" presStyleCnt="0"/>
-      <dgm:spPr/>
-    </dgm:pt>
-    <dgm:pt modelId="{0C43D668-C697-0145-8344-B60886EC7296}" type="pres">
-      <dgm:prSet presAssocID="{4BC5C7DC-ECAA-46DB-B932-E7AAABA8B7F9}" presName="parentLin" presStyleCnt="0"/>
-      <dgm:spPr/>
-    </dgm:pt>
-    <dgm:pt modelId="{BADF6709-49C3-CE49-B37F-9B7C541EB11F}" type="pres">
-      <dgm:prSet presAssocID="{4BC5C7DC-ECAA-46DB-B932-E7AAABA8B7F9}" presName="parentLeftMargin" presStyleLbl="node1" presStyleIdx="0" presStyleCnt="2"/>
-      <dgm:spPr/>
-    </dgm:pt>
-    <dgm:pt modelId="{69336753-98EF-EE4E-91B1-C93C19141D3E}" type="pres">
-      <dgm:prSet presAssocID="{4BC5C7DC-ECAA-46DB-B932-E7AAABA8B7F9}" presName="parentText" presStyleLbl="node1" presStyleIdx="1" presStyleCnt="2" custScaleY="39247" custLinFactNeighborX="-66412" custLinFactNeighborY="-8080">
-        <dgm:presLayoutVars>
-          <dgm:chMax val="0"/>
-          <dgm:bulletEnabled val="1"/>
-        </dgm:presLayoutVars>
-      </dgm:prSet>
-      <dgm:spPr/>
-    </dgm:pt>
-    <dgm:pt modelId="{360BE378-D120-0940-B0C0-281365F90A95}" type="pres">
-      <dgm:prSet presAssocID="{4BC5C7DC-ECAA-46DB-B932-E7AAABA8B7F9}" presName="negativeSpace" presStyleCnt="0"/>
-      <dgm:spPr/>
-    </dgm:pt>
-    <dgm:pt modelId="{F26D01B9-A619-F745-979D-18C931430B19}" type="pres">
-      <dgm:prSet presAssocID="{4BC5C7DC-ECAA-46DB-B932-E7AAABA8B7F9}" presName="childText" presStyleLbl="conFgAcc1" presStyleIdx="1" presStyleCnt="2" custScaleY="18209" custLinFactNeighborY="37716">
-        <dgm:presLayoutVars>
-          <dgm:bulletEnabled val="1"/>
-        </dgm:presLayoutVars>
-      </dgm:prSet>
-      <dgm:spPr/>
-    </dgm:pt>
-  </dgm:ptLst>
-  <dgm:cxnLst>
-    <dgm:cxn modelId="{0F690809-5CC6-4C39-BDFF-6AAFD7347F50}" srcId="{EE6189FC-BCD4-4086-9BCB-C3C390FEEA90}" destId="{0B4C3657-921D-470D-A26E-483D5A04A5FA}" srcOrd="0" destOrd="0" parTransId="{9657CDB6-DCF2-4E15-B687-456D783C21ED}" sibTransId="{F11AE83D-7493-442E-A0CB-39A82B7C33BE}"/>
-    <dgm:cxn modelId="{40212B1F-47E6-4AAC-B65B-64B5DC64ACC2}" srcId="{4BC5C7DC-ECAA-46DB-B932-E7AAABA8B7F9}" destId="{16465AD5-6EEC-4B4C-B040-7D03C0C739CB}" srcOrd="0" destOrd="0" parTransId="{706BC271-2E74-4E84-A6B6-C5E1FD4AED0B}" sibTransId="{E55F25E9-28FE-4E94-B99A-7C34146834CB}"/>
-    <dgm:cxn modelId="{677E7E42-6589-3246-802F-29FE9A08032A}" type="presOf" srcId="{EE6189FC-BCD4-4086-9BCB-C3C390FEEA90}" destId="{C1F5BC4E-79F2-2B48-AC27-EB3EA780F9AD}" srcOrd="0" destOrd="0" presId="urn:microsoft.com/office/officeart/2005/8/layout/list1"/>
-    <dgm:cxn modelId="{F24D875B-15AC-D845-B972-42F328BAEC6F}" type="presOf" srcId="{0B4C3657-921D-470D-A26E-483D5A04A5FA}" destId="{120BC450-786F-5142-A4DD-A91BCDBBDEAF}" srcOrd="0" destOrd="0" presId="urn:microsoft.com/office/officeart/2005/8/layout/list1"/>
-    <dgm:cxn modelId="{D3E2B960-FE7C-9743-A18A-84EB837FBAA0}" type="presOf" srcId="{4BC5C7DC-ECAA-46DB-B932-E7AAABA8B7F9}" destId="{69336753-98EF-EE4E-91B1-C93C19141D3E}" srcOrd="1" destOrd="0" presId="urn:microsoft.com/office/officeart/2005/8/layout/list1"/>
-    <dgm:cxn modelId="{B50C7662-1F37-084D-B783-D3379297FB0C}" type="presOf" srcId="{96750E27-829E-42D6-9CB3-0FAAF8EB2ABE}" destId="{B39A042C-2BB2-3A4E-91BF-581A72880972}" srcOrd="0" destOrd="0" presId="urn:microsoft.com/office/officeart/2005/8/layout/list1"/>
-    <dgm:cxn modelId="{3E52D676-6674-EC43-B166-5C9F0AA1E8D9}" type="presOf" srcId="{0B4C3657-921D-470D-A26E-483D5A04A5FA}" destId="{911FFB1D-F5ED-0B44-BB40-5769459712BA}" srcOrd="1" destOrd="0" presId="urn:microsoft.com/office/officeart/2005/8/layout/list1"/>
-    <dgm:cxn modelId="{80D4057C-5227-4013-872E-0D923F80997B}" srcId="{EE6189FC-BCD4-4086-9BCB-C3C390FEEA90}" destId="{4BC5C7DC-ECAA-46DB-B932-E7AAABA8B7F9}" srcOrd="1" destOrd="0" parTransId="{480117CE-600A-443A-BBF9-E19D7A191DEB}" sibTransId="{8C1A70D2-2FCF-40FE-B8A6-458AED0A3356}"/>
-    <dgm:cxn modelId="{206F15B7-2529-415A-A453-224933725A91}" srcId="{0B4C3657-921D-470D-A26E-483D5A04A5FA}" destId="{96750E27-829E-42D6-9CB3-0FAAF8EB2ABE}" srcOrd="0" destOrd="0" parTransId="{C4DA227C-13C2-4A50-AD92-26F7B36DFE98}" sibTransId="{EE8D075D-4294-4A6B-96DB-0196FCEF9784}"/>
-    <dgm:cxn modelId="{81DF97D1-50BF-3341-9E30-BDA2E6B7216A}" type="presOf" srcId="{4BC5C7DC-ECAA-46DB-B932-E7AAABA8B7F9}" destId="{BADF6709-49C3-CE49-B37F-9B7C541EB11F}" srcOrd="0" destOrd="0" presId="urn:microsoft.com/office/officeart/2005/8/layout/list1"/>
-    <dgm:cxn modelId="{DB1CB5E0-B843-5548-BD5F-9B18B7BE3952}" type="presOf" srcId="{16465AD5-6EEC-4B4C-B040-7D03C0C739CB}" destId="{F26D01B9-A619-F745-979D-18C931430B19}" srcOrd="0" destOrd="0" presId="urn:microsoft.com/office/officeart/2005/8/layout/list1"/>
-    <dgm:cxn modelId="{66C1821C-4555-DC4E-B50B-71FE86A99248}" type="presParOf" srcId="{C1F5BC4E-79F2-2B48-AC27-EB3EA780F9AD}" destId="{09BB62A1-5A35-7C49-83F7-0F7EBA84D77D}" srcOrd="0" destOrd="0" presId="urn:microsoft.com/office/officeart/2005/8/layout/list1"/>
-    <dgm:cxn modelId="{136AF548-325E-DE48-BFC5-53749F90BCFE}" type="presParOf" srcId="{09BB62A1-5A35-7C49-83F7-0F7EBA84D77D}" destId="{120BC450-786F-5142-A4DD-A91BCDBBDEAF}" srcOrd="0" destOrd="0" presId="urn:microsoft.com/office/officeart/2005/8/layout/list1"/>
-    <dgm:cxn modelId="{9646A51C-DC37-FC44-8C16-E213E5BD1E08}" type="presParOf" srcId="{09BB62A1-5A35-7C49-83F7-0F7EBA84D77D}" destId="{911FFB1D-F5ED-0B44-BB40-5769459712BA}" srcOrd="1" destOrd="0" presId="urn:microsoft.com/office/officeart/2005/8/layout/list1"/>
-    <dgm:cxn modelId="{D1360801-9EF3-7C4B-9C8A-865D5E6C3ED4}" type="presParOf" srcId="{C1F5BC4E-79F2-2B48-AC27-EB3EA780F9AD}" destId="{FD736A34-19AD-4D48-98FE-25E6E75FB045}" srcOrd="1" destOrd="0" presId="urn:microsoft.com/office/officeart/2005/8/layout/list1"/>
-    <dgm:cxn modelId="{34B4526D-96EA-8D46-896A-4EE92FF3B28A}" type="presParOf" srcId="{C1F5BC4E-79F2-2B48-AC27-EB3EA780F9AD}" destId="{B39A042C-2BB2-3A4E-91BF-581A72880972}" srcOrd="2" destOrd="0" presId="urn:microsoft.com/office/officeart/2005/8/layout/list1"/>
-    <dgm:cxn modelId="{9C80C739-1F71-5A48-B824-2A11486E8095}" type="presParOf" srcId="{C1F5BC4E-79F2-2B48-AC27-EB3EA780F9AD}" destId="{1BFBB55A-A58F-4747-9016-31363BB96F19}" srcOrd="3" destOrd="0" presId="urn:microsoft.com/office/officeart/2005/8/layout/list1"/>
-    <dgm:cxn modelId="{A307ED83-C449-DF40-AF20-D647D0639D82}" type="presParOf" srcId="{C1F5BC4E-79F2-2B48-AC27-EB3EA780F9AD}" destId="{0C43D668-C697-0145-8344-B60886EC7296}" srcOrd="4" destOrd="0" presId="urn:microsoft.com/office/officeart/2005/8/layout/list1"/>
-    <dgm:cxn modelId="{44FA37CD-629B-6E43-9EEE-C05320ADBD8E}" type="presParOf" srcId="{0C43D668-C697-0145-8344-B60886EC7296}" destId="{BADF6709-49C3-CE49-B37F-9B7C541EB11F}" srcOrd="0" destOrd="0" presId="urn:microsoft.com/office/officeart/2005/8/layout/list1"/>
-    <dgm:cxn modelId="{B6C2A1A0-2DA2-1944-89F1-3D791257289D}" type="presParOf" srcId="{0C43D668-C697-0145-8344-B60886EC7296}" destId="{69336753-98EF-EE4E-91B1-C93C19141D3E}" srcOrd="1" destOrd="0" presId="urn:microsoft.com/office/officeart/2005/8/layout/list1"/>
-    <dgm:cxn modelId="{ED5D6FD0-6EAA-7241-B23E-6E00554A38B4}" type="presParOf" srcId="{C1F5BC4E-79F2-2B48-AC27-EB3EA780F9AD}" destId="{360BE378-D120-0940-B0C0-281365F90A95}" srcOrd="5" destOrd="0" presId="urn:microsoft.com/office/officeart/2005/8/layout/list1"/>
-    <dgm:cxn modelId="{DB871ACD-EBEE-8141-AE0B-0147E62B9215}" type="presParOf" srcId="{C1F5BC4E-79F2-2B48-AC27-EB3EA780F9AD}" destId="{F26D01B9-A619-F745-979D-18C931430B19}" srcOrd="6" destOrd="0" presId="urn:microsoft.com/office/officeart/2005/8/layout/list1"/>
-  </dgm:cxnLst>
-  <dgm:bg/>
-  <dgm:whole/>
-  <dgm:extLst>
-    <a:ext uri="http://schemas.microsoft.com/office/drawing/2008/diagram">
-      <dsp:dataModelExt xmlns:dsp="http://schemas.microsoft.com/office/drawing/2008/diagram" relId="rId6" minVer="http://schemas.openxmlformats.org/drawingml/2006/diagram"/>
+      <dsp:dataModelExt xmlns:dsp="http://schemas.microsoft.com/office/drawing/2008/diagram" relId="rId7" minVer="http://schemas.openxmlformats.org/drawingml/2006/diagram"/>
     </a:ext>
   </dgm:extLst>
 </dgm:dataModel>
@@ -3630,368 +2582,6 @@
 </file>
 
 <file path=ppt/diagrams/drawing2.xml><?xml version="1.0" encoding="utf-8"?>
-<dsp:drawing xmlns:dgm="http://schemas.openxmlformats.org/drawingml/2006/diagram" xmlns:dsp="http://schemas.microsoft.com/office/drawing/2008/diagram" xmlns:a="http://schemas.openxmlformats.org/drawingml/2006/main">
-  <dsp:spTree>
-    <dsp:nvGrpSpPr>
-      <dsp:cNvPr id="0" name=""/>
-      <dsp:cNvGrpSpPr/>
-    </dsp:nvGrpSpPr>
-    <dsp:grpSpPr/>
-    <dsp:sp modelId="{B39A042C-2BB2-3A4E-91BF-581A72880972}">
-      <dsp:nvSpPr>
-        <dsp:cNvPr id="0" name=""/>
-        <dsp:cNvSpPr/>
-      </dsp:nvSpPr>
-      <dsp:spPr>
-        <a:xfrm>
-          <a:off x="0" y="593713"/>
-          <a:ext cx="3352326" cy="857606"/>
-        </a:xfrm>
-        <a:prstGeom prst="rect">
-          <a:avLst/>
-        </a:prstGeom>
-        <a:solidFill>
-          <a:schemeClr val="lt1">
-            <a:alpha val="90000"/>
-            <a:hueOff val="0"/>
-            <a:satOff val="0"/>
-            <a:lumOff val="0"/>
-            <a:alphaOff val="0"/>
-          </a:schemeClr>
-        </a:solidFill>
-        <a:ln w="6350" cap="flat" cmpd="sng" algn="ctr">
-          <a:solidFill>
-            <a:schemeClr val="accent2">
-              <a:hueOff val="0"/>
-              <a:satOff val="0"/>
-              <a:lumOff val="0"/>
-              <a:alphaOff val="0"/>
-            </a:schemeClr>
-          </a:solidFill>
-          <a:prstDash val="solid"/>
-        </a:ln>
-        <a:effectLst/>
-      </dsp:spPr>
-      <dsp:style>
-        <a:lnRef idx="1">
-          <a:scrgbClr r="0" g="0" b="0"/>
-        </a:lnRef>
-        <a:fillRef idx="1">
-          <a:scrgbClr r="0" g="0" b="0"/>
-        </a:fillRef>
-        <a:effectRef idx="0">
-          <a:scrgbClr r="0" g="0" b="0"/>
-        </a:effectRef>
-        <a:fontRef idx="minor"/>
-      </dsp:style>
-      <dsp:txBody>
-        <a:bodyPr spcFirstLastPara="0" vert="horz" wrap="square" lIns="260178" tIns="291592" rIns="260178" bIns="99568" numCol="1" spcCol="1270" anchor="t" anchorCtr="0">
-          <a:noAutofit/>
-        </a:bodyPr>
-        <a:lstStyle/>
-        <a:p>
-          <a:pPr marL="114300" lvl="1" indent="-114300" algn="l" defTabSz="622300">
-            <a:lnSpc>
-              <a:spcPct val="90000"/>
-            </a:lnSpc>
-            <a:spcBef>
-              <a:spcPct val="0"/>
-            </a:spcBef>
-            <a:spcAft>
-              <a:spcPct val="15000"/>
-            </a:spcAft>
-            <a:buChar char="•"/>
-          </a:pPr>
-          <a:r>
-            <a:rPr lang="en-US" sz="1400" strike="sngStrike" kern="1200" dirty="0"/>
-            <a:t>Incident causes have no influence on fatal occurrences</a:t>
-          </a:r>
-        </a:p>
-      </dsp:txBody>
-      <dsp:txXfrm>
-        <a:off x="0" y="593713"/>
-        <a:ext cx="3352326" cy="857606"/>
-      </dsp:txXfrm>
-    </dsp:sp>
-    <dsp:sp modelId="{911FFB1D-F5ED-0B44-BB40-5769459712BA}">
-      <dsp:nvSpPr>
-        <dsp:cNvPr id="0" name=""/>
-        <dsp:cNvSpPr/>
-      </dsp:nvSpPr>
-      <dsp:spPr>
-        <a:xfrm>
-          <a:off x="56298" y="344232"/>
-          <a:ext cx="2346628" cy="453757"/>
-        </a:xfrm>
-        <a:prstGeom prst="roundRect">
-          <a:avLst/>
-        </a:prstGeom>
-        <a:gradFill rotWithShape="0">
-          <a:gsLst>
-            <a:gs pos="0">
-              <a:schemeClr val="accent2">
-                <a:hueOff val="0"/>
-                <a:satOff val="0"/>
-                <a:lumOff val="0"/>
-                <a:alphaOff val="0"/>
-                <a:tint val="97000"/>
-                <a:satMod val="100000"/>
-                <a:lumMod val="102000"/>
-              </a:schemeClr>
-            </a:gs>
-            <a:gs pos="50000">
-              <a:schemeClr val="accent2">
-                <a:hueOff val="0"/>
-                <a:satOff val="0"/>
-                <a:lumOff val="0"/>
-                <a:alphaOff val="0"/>
-                <a:shade val="100000"/>
-                <a:satMod val="103000"/>
-                <a:lumMod val="100000"/>
-              </a:schemeClr>
-            </a:gs>
-            <a:gs pos="100000">
-              <a:schemeClr val="accent2">
-                <a:hueOff val="0"/>
-                <a:satOff val="0"/>
-                <a:lumOff val="0"/>
-                <a:alphaOff val="0"/>
-                <a:shade val="93000"/>
-                <a:satMod val="110000"/>
-                <a:lumMod val="99000"/>
-              </a:schemeClr>
-            </a:gs>
-          </a:gsLst>
-          <a:lin ang="5400000" scaled="0"/>
-        </a:gradFill>
-        <a:ln>
-          <a:noFill/>
-        </a:ln>
-        <a:effectLst/>
-      </dsp:spPr>
-      <dsp:style>
-        <a:lnRef idx="0">
-          <a:scrgbClr r="0" g="0" b="0"/>
-        </a:lnRef>
-        <a:fillRef idx="3">
-          <a:scrgbClr r="0" g="0" b="0"/>
-        </a:fillRef>
-        <a:effectRef idx="2">
-          <a:scrgbClr r="0" g="0" b="0"/>
-        </a:effectRef>
-        <a:fontRef idx="minor">
-          <a:schemeClr val="lt1"/>
-        </a:fontRef>
-      </dsp:style>
-      <dsp:txBody>
-        <a:bodyPr spcFirstLastPara="0" vert="horz" wrap="square" lIns="88697" tIns="0" rIns="88697" bIns="0" numCol="1" spcCol="1270" anchor="ctr" anchorCtr="0">
-          <a:noAutofit/>
-        </a:bodyPr>
-        <a:lstStyle/>
-        <a:p>
-          <a:pPr marL="0" lvl="0" indent="0" algn="l" defTabSz="622300">
-            <a:lnSpc>
-              <a:spcPct val="90000"/>
-            </a:lnSpc>
-            <a:spcBef>
-              <a:spcPct val="0"/>
-            </a:spcBef>
-            <a:spcAft>
-              <a:spcPct val="35000"/>
-            </a:spcAft>
-            <a:buNone/>
-          </a:pPr>
-          <a:r>
-            <a:rPr lang="en-US" sz="1400" strike="sngStrike" kern="1200"/>
-            <a:t>Null:</a:t>
-          </a:r>
-        </a:p>
-      </dsp:txBody>
-      <dsp:txXfrm>
-        <a:off x="78449" y="366383"/>
-        <a:ext cx="2302326" cy="409455"/>
-      </dsp:txXfrm>
-    </dsp:sp>
-    <dsp:sp modelId="{F26D01B9-A619-F745-979D-18C931430B19}">
-      <dsp:nvSpPr>
-        <dsp:cNvPr id="0" name=""/>
-        <dsp:cNvSpPr/>
-      </dsp:nvSpPr>
-      <dsp:spPr>
-        <a:xfrm>
-          <a:off x="0" y="1749573"/>
-          <a:ext cx="3352326" cy="803016"/>
-        </a:xfrm>
-        <a:prstGeom prst="rect">
-          <a:avLst/>
-        </a:prstGeom>
-        <a:solidFill>
-          <a:schemeClr val="lt1">
-            <a:alpha val="90000"/>
-            <a:hueOff val="0"/>
-            <a:satOff val="0"/>
-            <a:lumOff val="0"/>
-            <a:alphaOff val="0"/>
-          </a:schemeClr>
-        </a:solidFill>
-        <a:ln w="6350" cap="flat" cmpd="sng" algn="ctr">
-          <a:solidFill>
-            <a:schemeClr val="accent2">
-              <a:hueOff val="-10351890"/>
-              <a:satOff val="45859"/>
-              <a:lumOff val="-16864"/>
-              <a:alphaOff val="0"/>
-            </a:schemeClr>
-          </a:solidFill>
-          <a:prstDash val="solid"/>
-        </a:ln>
-        <a:effectLst/>
-      </dsp:spPr>
-      <dsp:style>
-        <a:lnRef idx="1">
-          <a:scrgbClr r="0" g="0" b="0"/>
-        </a:lnRef>
-        <a:fillRef idx="1">
-          <a:scrgbClr r="0" g="0" b="0"/>
-        </a:fillRef>
-        <a:effectRef idx="0">
-          <a:scrgbClr r="0" g="0" b="0"/>
-        </a:effectRef>
-        <a:fontRef idx="minor"/>
-      </dsp:style>
-      <dsp:txBody>
-        <a:bodyPr spcFirstLastPara="0" vert="horz" wrap="square" lIns="260178" tIns="291592" rIns="260178" bIns="99568" numCol="1" spcCol="1270" anchor="t" anchorCtr="0">
-          <a:noAutofit/>
-        </a:bodyPr>
-        <a:lstStyle/>
-        <a:p>
-          <a:pPr marL="114300" lvl="1" indent="-114300" algn="l" defTabSz="622300">
-            <a:lnSpc>
-              <a:spcPct val="90000"/>
-            </a:lnSpc>
-            <a:spcBef>
-              <a:spcPct val="0"/>
-            </a:spcBef>
-            <a:spcAft>
-              <a:spcPct val="15000"/>
-            </a:spcAft>
-            <a:buChar char="•"/>
-          </a:pPr>
-          <a:r>
-            <a:rPr lang="en-US" sz="1400" kern="1200"/>
-            <a:t>Incident causes have a significant influence on fatal occurrences</a:t>
-          </a:r>
-        </a:p>
-      </dsp:txBody>
-      <dsp:txXfrm>
-        <a:off x="0" y="1749573"/>
-        <a:ext cx="3352326" cy="803016"/>
-      </dsp:txXfrm>
-    </dsp:sp>
-    <dsp:sp modelId="{69336753-98EF-EE4E-91B1-C93C19141D3E}">
-      <dsp:nvSpPr>
-        <dsp:cNvPr id="0" name=""/>
-        <dsp:cNvSpPr/>
-      </dsp:nvSpPr>
-      <dsp:spPr>
-        <a:xfrm>
-          <a:off x="56298" y="1558460"/>
-          <a:ext cx="2346628" cy="463428"/>
-        </a:xfrm>
-        <a:prstGeom prst="roundRect">
-          <a:avLst/>
-        </a:prstGeom>
-        <a:gradFill rotWithShape="0">
-          <a:gsLst>
-            <a:gs pos="0">
-              <a:schemeClr val="accent2">
-                <a:hueOff val="-10351890"/>
-                <a:satOff val="45859"/>
-                <a:lumOff val="-16864"/>
-                <a:alphaOff val="0"/>
-                <a:tint val="97000"/>
-                <a:satMod val="100000"/>
-                <a:lumMod val="102000"/>
-              </a:schemeClr>
-            </a:gs>
-            <a:gs pos="50000">
-              <a:schemeClr val="accent2">
-                <a:hueOff val="-10351890"/>
-                <a:satOff val="45859"/>
-                <a:lumOff val="-16864"/>
-                <a:alphaOff val="0"/>
-                <a:shade val="100000"/>
-                <a:satMod val="103000"/>
-                <a:lumMod val="100000"/>
-              </a:schemeClr>
-            </a:gs>
-            <a:gs pos="100000">
-              <a:schemeClr val="accent2">
-                <a:hueOff val="-10351890"/>
-                <a:satOff val="45859"/>
-                <a:lumOff val="-16864"/>
-                <a:alphaOff val="0"/>
-                <a:shade val="93000"/>
-                <a:satMod val="110000"/>
-                <a:lumMod val="99000"/>
-              </a:schemeClr>
-            </a:gs>
-          </a:gsLst>
-          <a:lin ang="5400000" scaled="0"/>
-        </a:gradFill>
-        <a:ln>
-          <a:noFill/>
-        </a:ln>
-        <a:effectLst/>
-      </dsp:spPr>
-      <dsp:style>
-        <a:lnRef idx="0">
-          <a:scrgbClr r="0" g="0" b="0"/>
-        </a:lnRef>
-        <a:fillRef idx="3">
-          <a:scrgbClr r="0" g="0" b="0"/>
-        </a:fillRef>
-        <a:effectRef idx="2">
-          <a:scrgbClr r="0" g="0" b="0"/>
-        </a:effectRef>
-        <a:fontRef idx="minor">
-          <a:schemeClr val="lt1"/>
-        </a:fontRef>
-      </dsp:style>
-      <dsp:txBody>
-        <a:bodyPr spcFirstLastPara="0" vert="horz" wrap="square" lIns="88697" tIns="0" rIns="88697" bIns="0" numCol="1" spcCol="1270" anchor="ctr" anchorCtr="0">
-          <a:noAutofit/>
-        </a:bodyPr>
-        <a:lstStyle/>
-        <a:p>
-          <a:pPr marL="0" lvl="0" indent="0" algn="l" defTabSz="622300">
-            <a:lnSpc>
-              <a:spcPct val="90000"/>
-            </a:lnSpc>
-            <a:spcBef>
-              <a:spcPct val="0"/>
-            </a:spcBef>
-            <a:spcAft>
-              <a:spcPct val="35000"/>
-            </a:spcAft>
-            <a:buNone/>
-          </a:pPr>
-          <a:r>
-            <a:rPr lang="en-US" sz="1400" kern="1200"/>
-            <a:t>Alternate: </a:t>
-          </a:r>
-        </a:p>
-      </dsp:txBody>
-      <dsp:txXfrm>
-        <a:off x="78921" y="1581083"/>
-        <a:ext cx="2301382" cy="418182"/>
-      </dsp:txXfrm>
-    </dsp:sp>
-  </dsp:spTree>
-</dsp:drawing>
-</file>
-
-<file path=ppt/diagrams/drawing3.xml><?xml version="1.0" encoding="utf-8"?>
 <dsp:drawing xmlns:dgm="http://schemas.openxmlformats.org/drawingml/2006/diagram" xmlns:dsp="http://schemas.microsoft.com/office/drawing/2008/diagram" xmlns:a="http://schemas.openxmlformats.org/drawingml/2006/main">
   <dsp:spTree>
     <dsp:nvGrpSpPr>
@@ -4803,231 +3393,6 @@
 </dgm:layoutDef>
 </file>
 
-<file path=ppt/diagrams/layout3.xml><?xml version="1.0" encoding="utf-8"?>
-<dgm:layoutDef xmlns:dgm="http://schemas.openxmlformats.org/drawingml/2006/diagram" xmlns:a="http://schemas.openxmlformats.org/drawingml/2006/main" uniqueId="urn:microsoft.com/office/officeart/2005/8/layout/list1">
-  <dgm:title val=""/>
-  <dgm:desc val=""/>
-  <dgm:catLst>
-    <dgm:cat type="list" pri="4000"/>
-  </dgm:catLst>
-  <dgm:sampData>
-    <dgm:dataModel>
-      <dgm:ptLst>
-        <dgm:pt modelId="0" type="doc"/>
-        <dgm:pt modelId="1">
-          <dgm:prSet phldr="1"/>
-        </dgm:pt>
-        <dgm:pt modelId="2">
-          <dgm:prSet phldr="1"/>
-        </dgm:pt>
-        <dgm:pt modelId="3">
-          <dgm:prSet phldr="1"/>
-        </dgm:pt>
-      </dgm:ptLst>
-      <dgm:cxnLst>
-        <dgm:cxn modelId="4" srcId="0" destId="1" srcOrd="0" destOrd="0"/>
-        <dgm:cxn modelId="5" srcId="0" destId="2" srcOrd="1" destOrd="0"/>
-        <dgm:cxn modelId="6" srcId="0" destId="3" srcOrd="2" destOrd="0"/>
-      </dgm:cxnLst>
-      <dgm:bg/>
-      <dgm:whole/>
-    </dgm:dataModel>
-  </dgm:sampData>
-  <dgm:styleData>
-    <dgm:dataModel>
-      <dgm:ptLst>
-        <dgm:pt modelId="0" type="doc"/>
-        <dgm:pt modelId="1"/>
-        <dgm:pt modelId="2"/>
-      </dgm:ptLst>
-      <dgm:cxnLst>
-        <dgm:cxn modelId="4" srcId="0" destId="1" srcOrd="0" destOrd="0"/>
-        <dgm:cxn modelId="5" srcId="0" destId="2" srcOrd="1" destOrd="0"/>
-      </dgm:cxnLst>
-      <dgm:bg/>
-      <dgm:whole/>
-    </dgm:dataModel>
-  </dgm:styleData>
-  <dgm:clrData>
-    <dgm:dataModel>
-      <dgm:ptLst>
-        <dgm:pt modelId="0" type="doc"/>
-        <dgm:pt modelId="1"/>
-        <dgm:pt modelId="2"/>
-        <dgm:pt modelId="3"/>
-        <dgm:pt modelId="4"/>
-      </dgm:ptLst>
-      <dgm:cxnLst>
-        <dgm:cxn modelId="5" srcId="0" destId="1" srcOrd="0" destOrd="0"/>
-        <dgm:cxn modelId="6" srcId="0" destId="2" srcOrd="1" destOrd="0"/>
-        <dgm:cxn modelId="7" srcId="0" destId="3" srcOrd="2" destOrd="0"/>
-        <dgm:cxn modelId="8" srcId="0" destId="4" srcOrd="3" destOrd="0"/>
-      </dgm:cxnLst>
-      <dgm:bg/>
-      <dgm:whole/>
-    </dgm:dataModel>
-  </dgm:clrData>
-  <dgm:layoutNode name="linear">
-    <dgm:varLst>
-      <dgm:dir/>
-      <dgm:animLvl val="lvl"/>
-      <dgm:resizeHandles val="exact"/>
-    </dgm:varLst>
-    <dgm:choose name="Name0">
-      <dgm:if name="Name1" func="var" arg="dir" op="equ" val="norm">
-        <dgm:alg type="lin">
-          <dgm:param type="linDir" val="fromT"/>
-          <dgm:param type="vertAlign" val="mid"/>
-          <dgm:param type="horzAlign" val="l"/>
-          <dgm:param type="nodeHorzAlign" val="l"/>
-        </dgm:alg>
-      </dgm:if>
-      <dgm:else name="Name2">
-        <dgm:alg type="lin">
-          <dgm:param type="linDir" val="fromT"/>
-          <dgm:param type="vertAlign" val="mid"/>
-          <dgm:param type="horzAlign" val="r"/>
-          <dgm:param type="nodeHorzAlign" val="r"/>
-        </dgm:alg>
-      </dgm:else>
-    </dgm:choose>
-    <dgm:shape xmlns:r="http://schemas.openxmlformats.org/officeDocument/2006/relationships" r:blip="">
-      <dgm:adjLst/>
-    </dgm:shape>
-    <dgm:presOf/>
-    <dgm:constrLst>
-      <dgm:constr type="w" for="ch" forName="parentLin" refType="w"/>
-      <dgm:constr type="h" for="ch" forName="parentLin" val="INF"/>
-      <dgm:constr type="w" for="des" forName="parentLeftMargin" refType="w" fact="0.05"/>
-      <dgm:constr type="w" for="des" forName="parentText" refType="w" fact="0.7"/>
-      <dgm:constr type="h" for="des" forName="parentText" refType="primFontSz" refFor="des" refForName="parentText" fact="0.82"/>
-      <dgm:constr type="h" for="ch" forName="negativeSpace" refType="primFontSz" refFor="des" refForName="parentText" fact="-0.41"/>
-      <dgm:constr type="h" for="ch" forName="negativeSpace" refType="h" refFor="des" refForName="parentText" op="lte" fact="-0.82"/>
-      <dgm:constr type="h" for="ch" forName="negativeSpace" refType="h" refFor="des" refForName="parentText" op="gte" fact="-0.82"/>
-      <dgm:constr type="w" for="ch" forName="childText" refType="w"/>
-      <dgm:constr type="h" for="ch" forName="childText" refType="primFontSz" refFor="des" refForName="parentText" fact="0.7"/>
-      <dgm:constr type="primFontSz" for="des" forName="parentText" val="65"/>
-      <dgm:constr type="primFontSz" for="ch" forName="childText" refType="primFontSz" refFor="des" refForName="parentText"/>
-      <dgm:constr type="tMarg" for="ch" forName="childText" refType="primFontSz" refFor="des" refForName="parentText" fact="1.64"/>
-      <dgm:constr type="tMarg" for="ch" forName="childText" refType="h" refFor="des" refForName="parentText" op="lte" fact="3.28"/>
-      <dgm:constr type="tMarg" for="ch" forName="childText" refType="h" refFor="des" refForName="parentText" op="gte" fact="3.28"/>
-      <dgm:constr type="lMarg" for="ch" forName="childText" refType="w" fact="0.22"/>
-      <dgm:constr type="rMarg" for="ch" forName="childText" refType="lMarg" refFor="ch" refForName="childText"/>
-      <dgm:constr type="lMarg" for="des" forName="parentText" refType="w" fact="0.075"/>
-      <dgm:constr type="rMarg" for="des" forName="parentText" refType="lMarg" refFor="des" refForName="parentText"/>
-      <dgm:constr type="h" for="ch" forName="spaceBetweenRectangles" refType="primFontSz" refFor="des" refForName="parentText" fact="0.15"/>
-    </dgm:constrLst>
-    <dgm:ruleLst>
-      <dgm:rule type="primFontSz" for="des" forName="parentText" val="5" fact="NaN" max="NaN"/>
-    </dgm:ruleLst>
-    <dgm:forEach name="Name3" axis="ch" ptType="node">
-      <dgm:layoutNode name="parentLin">
-        <dgm:choose name="Name4">
-          <dgm:if name="Name5" func="var" arg="dir" op="equ" val="norm">
-            <dgm:alg type="lin">
-              <dgm:param type="linDir" val="fromL"/>
-              <dgm:param type="horzAlign" val="l"/>
-              <dgm:param type="nodeHorzAlign" val="l"/>
-            </dgm:alg>
-          </dgm:if>
-          <dgm:else name="Name6">
-            <dgm:alg type="lin">
-              <dgm:param type="linDir" val="fromR"/>
-              <dgm:param type="horzAlign" val="r"/>
-              <dgm:param type="nodeHorzAlign" val="r"/>
-            </dgm:alg>
-          </dgm:else>
-        </dgm:choose>
-        <dgm:shape xmlns:r="http://schemas.openxmlformats.org/officeDocument/2006/relationships" r:blip="">
-          <dgm:adjLst/>
-        </dgm:shape>
-        <dgm:presOf/>
-        <dgm:constrLst/>
-        <dgm:ruleLst/>
-        <dgm:layoutNode name="parentLeftMargin">
-          <dgm:alg type="sp"/>
-          <dgm:shape xmlns:r="http://schemas.openxmlformats.org/officeDocument/2006/relationships" type="rect" r:blip="" hideGeom="1">
-            <dgm:adjLst/>
-          </dgm:shape>
-          <dgm:presOf axis="self"/>
-          <dgm:constrLst>
-            <dgm:constr type="h"/>
-          </dgm:constrLst>
-          <dgm:ruleLst/>
-        </dgm:layoutNode>
-        <dgm:layoutNode name="parentText" styleLbl="node1">
-          <dgm:varLst>
-            <dgm:chMax val="0"/>
-            <dgm:bulletEnabled val="1"/>
-          </dgm:varLst>
-          <dgm:choose name="Name7">
-            <dgm:if name="Name8" func="var" arg="dir" op="equ" val="norm">
-              <dgm:alg type="tx">
-                <dgm:param type="parTxLTRAlign" val="l"/>
-                <dgm:param type="parTxRTLAlign" val="l"/>
-              </dgm:alg>
-            </dgm:if>
-            <dgm:else name="Name9">
-              <dgm:alg type="tx">
-                <dgm:param type="parTxLTRAlign" val="r"/>
-                <dgm:param type="parTxRTLAlign" val="r"/>
-              </dgm:alg>
-            </dgm:else>
-          </dgm:choose>
-          <dgm:shape xmlns:r="http://schemas.openxmlformats.org/officeDocument/2006/relationships" type="roundRect" r:blip="">
-            <dgm:adjLst/>
-          </dgm:shape>
-          <dgm:presOf axis="self" ptType="node"/>
-          <dgm:constrLst>
-            <dgm:constr type="tMarg"/>
-            <dgm:constr type="bMarg"/>
-          </dgm:constrLst>
-          <dgm:ruleLst/>
-        </dgm:layoutNode>
-      </dgm:layoutNode>
-      <dgm:layoutNode name="negativeSpace">
-        <dgm:alg type="sp"/>
-        <dgm:shape xmlns:r="http://schemas.openxmlformats.org/officeDocument/2006/relationships" r:blip="">
-          <dgm:adjLst/>
-        </dgm:shape>
-        <dgm:presOf/>
-        <dgm:constrLst/>
-        <dgm:ruleLst/>
-      </dgm:layoutNode>
-      <dgm:layoutNode name="childText" styleLbl="conFgAcc1">
-        <dgm:varLst>
-          <dgm:bulletEnabled val="1"/>
-        </dgm:varLst>
-        <dgm:alg type="tx">
-          <dgm:param type="stBulletLvl" val="1"/>
-        </dgm:alg>
-        <dgm:shape xmlns:r="http://schemas.openxmlformats.org/officeDocument/2006/relationships" type="rect" r:blip="" zOrderOff="-2">
-          <dgm:adjLst/>
-        </dgm:shape>
-        <dgm:presOf axis="des" ptType="node"/>
-        <dgm:constrLst>
-          <dgm:constr type="secFontSz" refType="primFontSz"/>
-        </dgm:constrLst>
-        <dgm:ruleLst>
-          <dgm:rule type="h" val="INF" fact="NaN" max="NaN"/>
-        </dgm:ruleLst>
-      </dgm:layoutNode>
-      <dgm:forEach name="Name10" axis="followSib" ptType="sibTrans" cnt="1">
-        <dgm:layoutNode name="spaceBetweenRectangles">
-          <dgm:alg type="sp"/>
-          <dgm:shape xmlns:r="http://schemas.openxmlformats.org/officeDocument/2006/relationships" r:blip="">
-            <dgm:adjLst/>
-          </dgm:shape>
-          <dgm:presOf/>
-          <dgm:constrLst/>
-          <dgm:ruleLst/>
-        </dgm:layoutNode>
-      </dgm:forEach>
-    </dgm:forEach>
-  </dgm:layoutNode>
-</dgm:layoutDef>
-</file>
-
 <file path=ppt/diagrams/quickStyle1.xml><?xml version="1.0" encoding="utf-8"?>
 <dgm:styleDef xmlns:dgm="http://schemas.openxmlformats.org/drawingml/2006/diagram" xmlns:a="http://schemas.openxmlformats.org/drawingml/2006/main" uniqueId="urn:microsoft.com/office/officeart/2005/8/quickstyle/simple4">
   <dgm:title val=""/>
@@ -7096,1038 +5461,718 @@
 </dgm:styleDef>
 </file>
 
-<file path=ppt/diagrams/quickStyle3.xml><?xml version="1.0" encoding="utf-8"?>
-<dgm:styleDef xmlns:dgm="http://schemas.openxmlformats.org/drawingml/2006/diagram" xmlns:a="http://schemas.openxmlformats.org/drawingml/2006/main" uniqueId="urn:microsoft.com/office/officeart/2005/8/quickstyle/simple4">
-  <dgm:title val=""/>
-  <dgm:desc val=""/>
-  <dgm:catLst>
-    <dgm:cat type="simple" pri="10400"/>
-  </dgm:catLst>
-  <dgm:scene3d>
-    <a:camera prst="orthographicFront"/>
-    <a:lightRig rig="threePt" dir="t"/>
-  </dgm:scene3d>
-  <dgm:styleLbl name="node0">
-    <dgm:scene3d>
-      <a:camera prst="orthographicFront"/>
-      <a:lightRig rig="threePt" dir="t"/>
-    </dgm:scene3d>
-    <dgm:sp3d/>
-    <dgm:txPr/>
-    <dgm:style>
-      <a:lnRef idx="0">
-        <a:scrgbClr r="0" g="0" b="0"/>
-      </a:lnRef>
-      <a:fillRef idx="3">
-        <a:scrgbClr r="0" g="0" b="0"/>
-      </a:fillRef>
-      <a:effectRef idx="2">
-        <a:scrgbClr r="0" g="0" b="0"/>
-      </a:effectRef>
-      <a:fontRef idx="minor">
-        <a:schemeClr val="lt1"/>
-      </a:fontRef>
-    </dgm:style>
-  </dgm:styleLbl>
-  <dgm:styleLbl name="lnNode1">
-    <dgm:scene3d>
-      <a:camera prst="orthographicFront"/>
-      <a:lightRig rig="threePt" dir="t"/>
-    </dgm:scene3d>
-    <dgm:sp3d/>
-    <dgm:txPr/>
-    <dgm:style>
-      <a:lnRef idx="1">
-        <a:scrgbClr r="0" g="0" b="0"/>
-      </a:lnRef>
-      <a:fillRef idx="3">
-        <a:scrgbClr r="0" g="0" b="0"/>
-      </a:fillRef>
-      <a:effectRef idx="2">
-        <a:scrgbClr r="0" g="0" b="0"/>
-      </a:effectRef>
-      <a:fontRef idx="minor">
-        <a:schemeClr val="lt1"/>
-      </a:fontRef>
-    </dgm:style>
-  </dgm:styleLbl>
-  <dgm:styleLbl name="vennNode1">
-    <dgm:scene3d>
-      <a:camera prst="orthographicFront"/>
-      <a:lightRig rig="threePt" dir="t"/>
-    </dgm:scene3d>
-    <dgm:sp3d/>
-    <dgm:txPr/>
-    <dgm:style>
-      <a:lnRef idx="0">
-        <a:scrgbClr r="0" g="0" b="0"/>
-      </a:lnRef>
-      <a:fillRef idx="3">
-        <a:scrgbClr r="0" g="0" b="0"/>
-      </a:fillRef>
-      <a:effectRef idx="0">
-        <a:scrgbClr r="0" g="0" b="0"/>
-      </a:effectRef>
-      <a:fontRef idx="minor">
-        <a:schemeClr val="tx1"/>
-      </a:fontRef>
-    </dgm:style>
-  </dgm:styleLbl>
-  <dgm:styleLbl name="alignNode1">
-    <dgm:scene3d>
-      <a:camera prst="orthographicFront"/>
-      <a:lightRig rig="threePt" dir="t"/>
-    </dgm:scene3d>
-    <dgm:sp3d/>
-    <dgm:txPr/>
-    <dgm:style>
-      <a:lnRef idx="1">
-        <a:scrgbClr r="0" g="0" b="0"/>
-      </a:lnRef>
-      <a:fillRef idx="3">
-        <a:scrgbClr r="0" g="0" b="0"/>
-      </a:fillRef>
-      <a:effectRef idx="2">
-        <a:scrgbClr r="0" g="0" b="0"/>
-      </a:effectRef>
-      <a:fontRef idx="minor">
-        <a:schemeClr val="lt1"/>
-      </a:fontRef>
-    </dgm:style>
-  </dgm:styleLbl>
-  <dgm:styleLbl name="node1">
-    <dgm:scene3d>
-      <a:camera prst="orthographicFront"/>
-      <a:lightRig rig="threePt" dir="t"/>
-    </dgm:scene3d>
-    <dgm:sp3d/>
-    <dgm:txPr/>
-    <dgm:style>
-      <a:lnRef idx="0">
-        <a:scrgbClr r="0" g="0" b="0"/>
-      </a:lnRef>
-      <a:fillRef idx="3">
-        <a:scrgbClr r="0" g="0" b="0"/>
-      </a:fillRef>
-      <a:effectRef idx="2">
-        <a:scrgbClr r="0" g="0" b="0"/>
-      </a:effectRef>
-      <a:fontRef idx="minor">
-        <a:schemeClr val="lt1"/>
-      </a:fontRef>
-    </dgm:style>
-  </dgm:styleLbl>
-  <dgm:styleLbl name="node2">
-    <dgm:scene3d>
-      <a:camera prst="orthographicFront"/>
-      <a:lightRig rig="threePt" dir="t"/>
-    </dgm:scene3d>
-    <dgm:sp3d/>
-    <dgm:txPr/>
-    <dgm:style>
-      <a:lnRef idx="0">
-        <a:scrgbClr r="0" g="0" b="0"/>
-      </a:lnRef>
-      <a:fillRef idx="3">
-        <a:scrgbClr r="0" g="0" b="0"/>
-      </a:fillRef>
-      <a:effectRef idx="2">
-        <a:scrgbClr r="0" g="0" b="0"/>
-      </a:effectRef>
-      <a:fontRef idx="minor">
-        <a:schemeClr val="lt1"/>
-      </a:fontRef>
-    </dgm:style>
-  </dgm:styleLbl>
-  <dgm:styleLbl name="node3">
-    <dgm:scene3d>
-      <a:camera prst="orthographicFront"/>
-      <a:lightRig rig="threePt" dir="t"/>
-    </dgm:scene3d>
-    <dgm:sp3d/>
-    <dgm:txPr/>
-    <dgm:style>
-      <a:lnRef idx="0">
-        <a:scrgbClr r="0" g="0" b="0"/>
-      </a:lnRef>
-      <a:fillRef idx="3">
-        <a:scrgbClr r="0" g="0" b="0"/>
-      </a:fillRef>
-      <a:effectRef idx="2">
-        <a:scrgbClr r="0" g="0" b="0"/>
-      </a:effectRef>
-      <a:fontRef idx="minor">
-        <a:schemeClr val="lt1"/>
-      </a:fontRef>
-    </dgm:style>
-  </dgm:styleLbl>
-  <dgm:styleLbl name="node4">
-    <dgm:scene3d>
-      <a:camera prst="orthographicFront"/>
-      <a:lightRig rig="threePt" dir="t"/>
-    </dgm:scene3d>
-    <dgm:sp3d/>
-    <dgm:txPr/>
-    <dgm:style>
-      <a:lnRef idx="0">
-        <a:scrgbClr r="0" g="0" b="0"/>
-      </a:lnRef>
-      <a:fillRef idx="3">
-        <a:scrgbClr r="0" g="0" b="0"/>
-      </a:fillRef>
-      <a:effectRef idx="2">
-        <a:scrgbClr r="0" g="0" b="0"/>
-      </a:effectRef>
-      <a:fontRef idx="minor">
-        <a:schemeClr val="lt1"/>
-      </a:fontRef>
-    </dgm:style>
-  </dgm:styleLbl>
-  <dgm:styleLbl name="fgImgPlace1">
-    <dgm:scene3d>
-      <a:camera prst="orthographicFront"/>
-      <a:lightRig rig="threePt" dir="t"/>
-    </dgm:scene3d>
-    <dgm:sp3d/>
-    <dgm:txPr/>
-    <dgm:style>
-      <a:lnRef idx="0">
-        <a:scrgbClr r="0" g="0" b="0"/>
-      </a:lnRef>
-      <a:fillRef idx="1">
-        <a:scrgbClr r="0" g="0" b="0"/>
-      </a:fillRef>
-      <a:effectRef idx="2">
-        <a:scrgbClr r="0" g="0" b="0"/>
-      </a:effectRef>
-      <a:fontRef idx="minor"/>
-    </dgm:style>
-  </dgm:styleLbl>
-  <dgm:styleLbl name="alignImgPlace1">
-    <dgm:scene3d>
-      <a:camera prst="orthographicFront"/>
-      <a:lightRig rig="threePt" dir="t"/>
-    </dgm:scene3d>
-    <dgm:sp3d/>
-    <dgm:txPr/>
-    <dgm:style>
-      <a:lnRef idx="0">
-        <a:scrgbClr r="0" g="0" b="0"/>
-      </a:lnRef>
-      <a:fillRef idx="1">
-        <a:scrgbClr r="0" g="0" b="0"/>
-      </a:fillRef>
-      <a:effectRef idx="2">
-        <a:scrgbClr r="0" g="0" b="0"/>
-      </a:effectRef>
-      <a:fontRef idx="minor"/>
-    </dgm:style>
-  </dgm:styleLbl>
-  <dgm:styleLbl name="bgImgPlace1">
-    <dgm:scene3d>
-      <a:camera prst="orthographicFront"/>
-      <a:lightRig rig="threePt" dir="t"/>
-    </dgm:scene3d>
-    <dgm:sp3d/>
-    <dgm:txPr/>
-    <dgm:style>
-      <a:lnRef idx="0">
-        <a:scrgbClr r="0" g="0" b="0"/>
-      </a:lnRef>
-      <a:fillRef idx="1">
-        <a:scrgbClr r="0" g="0" b="0"/>
-      </a:fillRef>
-      <a:effectRef idx="2">
-        <a:scrgbClr r="0" g="0" b="0"/>
-      </a:effectRef>
-      <a:fontRef idx="minor"/>
-    </dgm:style>
-  </dgm:styleLbl>
-  <dgm:styleLbl name="sibTrans2D1">
-    <dgm:scene3d>
-      <a:camera prst="orthographicFront"/>
-      <a:lightRig rig="threePt" dir="t"/>
-    </dgm:scene3d>
-    <dgm:sp3d/>
-    <dgm:txPr/>
-    <dgm:style>
-      <a:lnRef idx="0">
-        <a:scrgbClr r="0" g="0" b="0"/>
-      </a:lnRef>
-      <a:fillRef idx="3">
-        <a:scrgbClr r="0" g="0" b="0"/>
-      </a:fillRef>
-      <a:effectRef idx="2">
-        <a:scrgbClr r="0" g="0" b="0"/>
-      </a:effectRef>
-      <a:fontRef idx="minor">
-        <a:schemeClr val="lt1"/>
-      </a:fontRef>
-    </dgm:style>
-  </dgm:styleLbl>
-  <dgm:styleLbl name="fgSibTrans2D1">
-    <dgm:scene3d>
-      <a:camera prst="orthographicFront"/>
-      <a:lightRig rig="threePt" dir="t"/>
-    </dgm:scene3d>
-    <dgm:sp3d/>
-    <dgm:txPr/>
-    <dgm:style>
-      <a:lnRef idx="0">
-        <a:scrgbClr r="0" g="0" b="0"/>
-      </a:lnRef>
-      <a:fillRef idx="3">
-        <a:scrgbClr r="0" g="0" b="0"/>
-      </a:fillRef>
-      <a:effectRef idx="2">
-        <a:scrgbClr r="0" g="0" b="0"/>
-      </a:effectRef>
-      <a:fontRef idx="minor">
-        <a:schemeClr val="lt1"/>
-      </a:fontRef>
-    </dgm:style>
-  </dgm:styleLbl>
-  <dgm:styleLbl name="bgSibTrans2D1">
-    <dgm:scene3d>
-      <a:camera prst="orthographicFront"/>
-      <a:lightRig rig="threePt" dir="t"/>
-    </dgm:scene3d>
-    <dgm:sp3d/>
-    <dgm:txPr/>
-    <dgm:style>
-      <a:lnRef idx="0">
-        <a:scrgbClr r="0" g="0" b="0"/>
-      </a:lnRef>
-      <a:fillRef idx="3">
-        <a:scrgbClr r="0" g="0" b="0"/>
-      </a:fillRef>
-      <a:effectRef idx="2">
-        <a:scrgbClr r="0" g="0" b="0"/>
-      </a:effectRef>
-      <a:fontRef idx="minor">
-        <a:schemeClr val="lt1"/>
-      </a:fontRef>
-    </dgm:style>
-  </dgm:styleLbl>
-  <dgm:styleLbl name="sibTrans1D1">
-    <dgm:scene3d>
-      <a:camera prst="orthographicFront"/>
-      <a:lightRig rig="threePt" dir="t"/>
-    </dgm:scene3d>
-    <dgm:sp3d/>
-    <dgm:txPr/>
-    <dgm:style>
-      <a:lnRef idx="1">
-        <a:scrgbClr r="0" g="0" b="0"/>
-      </a:lnRef>
-      <a:fillRef idx="0">
-        <a:scrgbClr r="0" g="0" b="0"/>
-      </a:fillRef>
-      <a:effectRef idx="0">
-        <a:scrgbClr r="0" g="0" b="0"/>
-      </a:effectRef>
-      <a:fontRef idx="minor"/>
-    </dgm:style>
-  </dgm:styleLbl>
-  <dgm:styleLbl name="callout">
-    <dgm:scene3d>
-      <a:camera prst="orthographicFront"/>
-      <a:lightRig rig="threePt" dir="t"/>
-    </dgm:scene3d>
-    <dgm:sp3d/>
-    <dgm:txPr/>
-    <dgm:style>
-      <a:lnRef idx="2">
-        <a:scrgbClr r="0" g="0" b="0"/>
-      </a:lnRef>
-      <a:fillRef idx="1">
-        <a:scrgbClr r="0" g="0" b="0"/>
-      </a:fillRef>
-      <a:effectRef idx="1">
-        <a:scrgbClr r="0" g="0" b="0"/>
-      </a:effectRef>
-      <a:fontRef idx="minor"/>
-    </dgm:style>
-  </dgm:styleLbl>
-  <dgm:styleLbl name="asst0">
-    <dgm:scene3d>
-      <a:camera prst="orthographicFront"/>
-      <a:lightRig rig="threePt" dir="t"/>
-    </dgm:scene3d>
-    <dgm:sp3d/>
-    <dgm:txPr/>
-    <dgm:style>
-      <a:lnRef idx="0">
-        <a:scrgbClr r="0" g="0" b="0"/>
-      </a:lnRef>
-      <a:fillRef idx="3">
-        <a:scrgbClr r="0" g="0" b="0"/>
-      </a:fillRef>
-      <a:effectRef idx="2">
-        <a:scrgbClr r="0" g="0" b="0"/>
-      </a:effectRef>
-      <a:fontRef idx="minor">
-        <a:schemeClr val="lt1"/>
-      </a:fontRef>
-    </dgm:style>
-  </dgm:styleLbl>
-  <dgm:styleLbl name="asst1">
-    <dgm:scene3d>
-      <a:camera prst="orthographicFront"/>
-      <a:lightRig rig="threePt" dir="t"/>
-    </dgm:scene3d>
-    <dgm:sp3d/>
-    <dgm:txPr/>
-    <dgm:style>
-      <a:lnRef idx="0">
-        <a:scrgbClr r="0" g="0" b="0"/>
-      </a:lnRef>
-      <a:fillRef idx="3">
-        <a:scrgbClr r="0" g="0" b="0"/>
-      </a:fillRef>
-      <a:effectRef idx="2">
-        <a:scrgbClr r="0" g="0" b="0"/>
-      </a:effectRef>
-      <a:fontRef idx="minor">
-        <a:schemeClr val="lt1"/>
-      </a:fontRef>
-    </dgm:style>
-  </dgm:styleLbl>
-  <dgm:styleLbl name="asst2">
-    <dgm:scene3d>
-      <a:camera prst="orthographicFront"/>
-      <a:lightRig rig="threePt" dir="t"/>
-    </dgm:scene3d>
-    <dgm:sp3d/>
-    <dgm:txPr/>
-    <dgm:style>
-      <a:lnRef idx="0">
-        <a:scrgbClr r="0" g="0" b="0"/>
-      </a:lnRef>
-      <a:fillRef idx="3">
-        <a:scrgbClr r="0" g="0" b="0"/>
-      </a:fillRef>
-      <a:effectRef idx="2">
-        <a:scrgbClr r="0" g="0" b="0"/>
-      </a:effectRef>
-      <a:fontRef idx="minor">
-        <a:schemeClr val="lt1"/>
-      </a:fontRef>
-    </dgm:style>
-  </dgm:styleLbl>
-  <dgm:styleLbl name="asst3">
-    <dgm:scene3d>
-      <a:camera prst="orthographicFront"/>
-      <a:lightRig rig="threePt" dir="t"/>
-    </dgm:scene3d>
-    <dgm:sp3d/>
-    <dgm:txPr/>
-    <dgm:style>
-      <a:lnRef idx="0">
-        <a:scrgbClr r="0" g="0" b="0"/>
-      </a:lnRef>
-      <a:fillRef idx="3">
-        <a:scrgbClr r="0" g="0" b="0"/>
-      </a:fillRef>
-      <a:effectRef idx="2">
-        <a:scrgbClr r="0" g="0" b="0"/>
-      </a:effectRef>
-      <a:fontRef idx="minor">
-        <a:schemeClr val="lt1"/>
-      </a:fontRef>
-    </dgm:style>
-  </dgm:styleLbl>
-  <dgm:styleLbl name="asst4">
-    <dgm:scene3d>
-      <a:camera prst="orthographicFront"/>
-      <a:lightRig rig="threePt" dir="t"/>
-    </dgm:scene3d>
-    <dgm:sp3d/>
-    <dgm:txPr/>
-    <dgm:style>
-      <a:lnRef idx="0">
-        <a:scrgbClr r="0" g="0" b="0"/>
-      </a:lnRef>
-      <a:fillRef idx="3">
-        <a:scrgbClr r="0" g="0" b="0"/>
-      </a:fillRef>
-      <a:effectRef idx="2">
-        <a:scrgbClr r="0" g="0" b="0"/>
-      </a:effectRef>
-      <a:fontRef idx="minor">
-        <a:schemeClr val="lt1"/>
-      </a:fontRef>
-    </dgm:style>
-  </dgm:styleLbl>
-  <dgm:styleLbl name="parChTrans2D1">
-    <dgm:scene3d>
-      <a:camera prst="orthographicFront"/>
-      <a:lightRig rig="threePt" dir="t"/>
-    </dgm:scene3d>
-    <dgm:sp3d/>
-    <dgm:txPr/>
-    <dgm:style>
-      <a:lnRef idx="0">
-        <a:scrgbClr r="0" g="0" b="0"/>
-      </a:lnRef>
-      <a:fillRef idx="3">
-        <a:scrgbClr r="0" g="0" b="0"/>
-      </a:fillRef>
-      <a:effectRef idx="2">
-        <a:scrgbClr r="0" g="0" b="0"/>
-      </a:effectRef>
-      <a:fontRef idx="minor">
-        <a:schemeClr val="lt1"/>
-      </a:fontRef>
-    </dgm:style>
-  </dgm:styleLbl>
-  <dgm:styleLbl name="parChTrans2D2">
-    <dgm:scene3d>
-      <a:camera prst="orthographicFront"/>
-      <a:lightRig rig="threePt" dir="t"/>
-    </dgm:scene3d>
-    <dgm:sp3d/>
-    <dgm:txPr/>
-    <dgm:style>
-      <a:lnRef idx="0">
-        <a:scrgbClr r="0" g="0" b="0"/>
-      </a:lnRef>
-      <a:fillRef idx="3">
-        <a:scrgbClr r="0" g="0" b="0"/>
-      </a:fillRef>
-      <a:effectRef idx="2">
-        <a:scrgbClr r="0" g="0" b="0"/>
-      </a:effectRef>
-      <a:fontRef idx="minor">
-        <a:schemeClr val="lt1"/>
-      </a:fontRef>
-    </dgm:style>
-  </dgm:styleLbl>
-  <dgm:styleLbl name="parChTrans2D3">
-    <dgm:scene3d>
-      <a:camera prst="orthographicFront"/>
-      <a:lightRig rig="threePt" dir="t"/>
-    </dgm:scene3d>
-    <dgm:sp3d/>
-    <dgm:txPr/>
-    <dgm:style>
-      <a:lnRef idx="1">
-        <a:scrgbClr r="0" g="0" b="0"/>
-      </a:lnRef>
-      <a:fillRef idx="3">
-        <a:scrgbClr r="0" g="0" b="0"/>
-      </a:fillRef>
-      <a:effectRef idx="2">
-        <a:scrgbClr r="0" g="0" b="0"/>
-      </a:effectRef>
-      <a:fontRef idx="minor">
-        <a:schemeClr val="lt1"/>
-      </a:fontRef>
-    </dgm:style>
-  </dgm:styleLbl>
-  <dgm:styleLbl name="parChTrans2D4">
-    <dgm:scene3d>
-      <a:camera prst="orthographicFront"/>
-      <a:lightRig rig="threePt" dir="t"/>
-    </dgm:scene3d>
-    <dgm:sp3d/>
-    <dgm:txPr/>
-    <dgm:style>
-      <a:lnRef idx="1">
-        <a:scrgbClr r="0" g="0" b="0"/>
-      </a:lnRef>
-      <a:fillRef idx="3">
-        <a:scrgbClr r="0" g="0" b="0"/>
-      </a:fillRef>
-      <a:effectRef idx="2">
-        <a:scrgbClr r="0" g="0" b="0"/>
-      </a:effectRef>
-      <a:fontRef idx="minor">
-        <a:schemeClr val="lt1"/>
-      </a:fontRef>
-    </dgm:style>
-  </dgm:styleLbl>
-  <dgm:styleLbl name="parChTrans1D1">
-    <dgm:scene3d>
-      <a:camera prst="orthographicFront"/>
-      <a:lightRig rig="threePt" dir="t"/>
-    </dgm:scene3d>
-    <dgm:sp3d/>
-    <dgm:txPr/>
-    <dgm:style>
-      <a:lnRef idx="1">
-        <a:scrgbClr r="0" g="0" b="0"/>
-      </a:lnRef>
-      <a:fillRef idx="0">
-        <a:scrgbClr r="0" g="0" b="0"/>
-      </a:fillRef>
-      <a:effectRef idx="0">
-        <a:scrgbClr r="0" g="0" b="0"/>
-      </a:effectRef>
-      <a:fontRef idx="minor"/>
-    </dgm:style>
-  </dgm:styleLbl>
-  <dgm:styleLbl name="parChTrans1D2">
-    <dgm:scene3d>
-      <a:camera prst="orthographicFront"/>
-      <a:lightRig rig="threePt" dir="t"/>
-    </dgm:scene3d>
-    <dgm:sp3d/>
-    <dgm:txPr/>
-    <dgm:style>
-      <a:lnRef idx="1">
-        <a:scrgbClr r="0" g="0" b="0"/>
-      </a:lnRef>
-      <a:fillRef idx="0">
-        <a:scrgbClr r="0" g="0" b="0"/>
-      </a:fillRef>
-      <a:effectRef idx="0">
-        <a:scrgbClr r="0" g="0" b="0"/>
-      </a:effectRef>
-      <a:fontRef idx="minor"/>
-    </dgm:style>
-  </dgm:styleLbl>
-  <dgm:styleLbl name="parChTrans1D3">
-    <dgm:scene3d>
-      <a:camera prst="orthographicFront"/>
-      <a:lightRig rig="threePt" dir="t"/>
-    </dgm:scene3d>
-    <dgm:sp3d/>
-    <dgm:txPr/>
-    <dgm:style>
-      <a:lnRef idx="1">
-        <a:scrgbClr r="0" g="0" b="0"/>
-      </a:lnRef>
-      <a:fillRef idx="0">
-        <a:scrgbClr r="0" g="0" b="0"/>
-      </a:fillRef>
-      <a:effectRef idx="0">
-        <a:scrgbClr r="0" g="0" b="0"/>
-      </a:effectRef>
-      <a:fontRef idx="minor"/>
-    </dgm:style>
-  </dgm:styleLbl>
-  <dgm:styleLbl name="parChTrans1D4">
-    <dgm:scene3d>
-      <a:camera prst="orthographicFront"/>
-      <a:lightRig rig="threePt" dir="t"/>
-    </dgm:scene3d>
-    <dgm:sp3d/>
-    <dgm:txPr/>
-    <dgm:style>
-      <a:lnRef idx="1">
-        <a:scrgbClr r="0" g="0" b="0"/>
-      </a:lnRef>
-      <a:fillRef idx="0">
-        <a:scrgbClr r="0" g="0" b="0"/>
-      </a:fillRef>
-      <a:effectRef idx="0">
-        <a:scrgbClr r="0" g="0" b="0"/>
-      </a:effectRef>
-      <a:fontRef idx="minor"/>
-    </dgm:style>
-  </dgm:styleLbl>
-  <dgm:styleLbl name="fgAcc1">
-    <dgm:scene3d>
-      <a:camera prst="orthographicFront"/>
-      <a:lightRig rig="threePt" dir="t"/>
-    </dgm:scene3d>
-    <dgm:sp3d/>
-    <dgm:txPr/>
-    <dgm:style>
-      <a:lnRef idx="1">
-        <a:scrgbClr r="0" g="0" b="0"/>
-      </a:lnRef>
-      <a:fillRef idx="1">
-        <a:scrgbClr r="0" g="0" b="0"/>
-      </a:fillRef>
-      <a:effectRef idx="0">
-        <a:scrgbClr r="0" g="0" b="0"/>
-      </a:effectRef>
-      <a:fontRef idx="minor"/>
-    </dgm:style>
-  </dgm:styleLbl>
-  <dgm:styleLbl name="conFgAcc1">
-    <dgm:scene3d>
-      <a:camera prst="orthographicFront"/>
-      <a:lightRig rig="threePt" dir="t"/>
-    </dgm:scene3d>
-    <dgm:sp3d/>
-    <dgm:txPr/>
-    <dgm:style>
-      <a:lnRef idx="1">
-        <a:scrgbClr r="0" g="0" b="0"/>
-      </a:lnRef>
-      <a:fillRef idx="1">
-        <a:scrgbClr r="0" g="0" b="0"/>
-      </a:fillRef>
-      <a:effectRef idx="0">
-        <a:scrgbClr r="0" g="0" b="0"/>
-      </a:effectRef>
-      <a:fontRef idx="minor"/>
-    </dgm:style>
-  </dgm:styleLbl>
-  <dgm:styleLbl name="alignAcc1">
-    <dgm:scene3d>
-      <a:camera prst="orthographicFront"/>
-      <a:lightRig rig="threePt" dir="t"/>
-    </dgm:scene3d>
-    <dgm:sp3d/>
-    <dgm:txPr/>
-    <dgm:style>
-      <a:lnRef idx="1">
-        <a:scrgbClr r="0" g="0" b="0"/>
-      </a:lnRef>
-      <a:fillRef idx="1">
-        <a:scrgbClr r="0" g="0" b="0"/>
-      </a:fillRef>
-      <a:effectRef idx="0">
-        <a:scrgbClr r="0" g="0" b="0"/>
-      </a:effectRef>
-      <a:fontRef idx="minor"/>
-    </dgm:style>
-  </dgm:styleLbl>
-  <dgm:styleLbl name="trAlignAcc1">
-    <dgm:scene3d>
-      <a:camera prst="orthographicFront"/>
-      <a:lightRig rig="threePt" dir="t"/>
-    </dgm:scene3d>
-    <dgm:sp3d/>
-    <dgm:txPr/>
-    <dgm:style>
-      <a:lnRef idx="1">
-        <a:scrgbClr r="0" g="0" b="0"/>
-      </a:lnRef>
-      <a:fillRef idx="1">
-        <a:scrgbClr r="0" g="0" b="0"/>
-      </a:fillRef>
-      <a:effectRef idx="0">
-        <a:scrgbClr r="0" g="0" b="0"/>
-      </a:effectRef>
-      <a:fontRef idx="minor"/>
-    </dgm:style>
-  </dgm:styleLbl>
-  <dgm:styleLbl name="bgAcc1">
-    <dgm:scene3d>
-      <a:camera prst="orthographicFront"/>
-      <a:lightRig rig="threePt" dir="t"/>
-    </dgm:scene3d>
-    <dgm:sp3d/>
-    <dgm:txPr/>
-    <dgm:style>
-      <a:lnRef idx="1">
-        <a:scrgbClr r="0" g="0" b="0"/>
-      </a:lnRef>
-      <a:fillRef idx="1">
-        <a:scrgbClr r="0" g="0" b="0"/>
-      </a:fillRef>
-      <a:effectRef idx="0">
-        <a:scrgbClr r="0" g="0" b="0"/>
-      </a:effectRef>
-      <a:fontRef idx="minor"/>
-    </dgm:style>
-  </dgm:styleLbl>
-  <dgm:styleLbl name="solidFgAcc1">
-    <dgm:scene3d>
-      <a:camera prst="orthographicFront"/>
-      <a:lightRig rig="threePt" dir="t"/>
-    </dgm:scene3d>
-    <dgm:sp3d/>
-    <dgm:txPr/>
-    <dgm:style>
-      <a:lnRef idx="1">
-        <a:scrgbClr r="0" g="0" b="0"/>
-      </a:lnRef>
-      <a:fillRef idx="1">
-        <a:scrgbClr r="0" g="0" b="0"/>
-      </a:fillRef>
-      <a:effectRef idx="0">
-        <a:scrgbClr r="0" g="0" b="0"/>
-      </a:effectRef>
-      <a:fontRef idx="minor"/>
-    </dgm:style>
-  </dgm:styleLbl>
-  <dgm:styleLbl name="solidAlignAcc1">
-    <dgm:scene3d>
-      <a:camera prst="orthographicFront"/>
-      <a:lightRig rig="threePt" dir="t"/>
-    </dgm:scene3d>
-    <dgm:sp3d/>
-    <dgm:txPr/>
-    <dgm:style>
-      <a:lnRef idx="1">
-        <a:scrgbClr r="0" g="0" b="0"/>
-      </a:lnRef>
-      <a:fillRef idx="1">
-        <a:scrgbClr r="0" g="0" b="0"/>
-      </a:fillRef>
-      <a:effectRef idx="0">
-        <a:scrgbClr r="0" g="0" b="0"/>
-      </a:effectRef>
-      <a:fontRef idx="minor"/>
-    </dgm:style>
-  </dgm:styleLbl>
-  <dgm:styleLbl name="solidBgAcc1">
-    <dgm:scene3d>
-      <a:camera prst="orthographicFront"/>
-      <a:lightRig rig="threePt" dir="t"/>
-    </dgm:scene3d>
-    <dgm:sp3d/>
-    <dgm:txPr/>
-    <dgm:style>
-      <a:lnRef idx="1">
-        <a:scrgbClr r="0" g="0" b="0"/>
-      </a:lnRef>
-      <a:fillRef idx="1">
-        <a:scrgbClr r="0" g="0" b="0"/>
-      </a:fillRef>
-      <a:effectRef idx="0">
-        <a:scrgbClr r="0" g="0" b="0"/>
-      </a:effectRef>
-      <a:fontRef idx="minor"/>
-    </dgm:style>
-  </dgm:styleLbl>
-  <dgm:styleLbl name="fgAccFollowNode1">
-    <dgm:scene3d>
-      <a:camera prst="orthographicFront"/>
-      <a:lightRig rig="threePt" dir="t"/>
-    </dgm:scene3d>
-    <dgm:sp3d/>
-    <dgm:txPr/>
-    <dgm:style>
-      <a:lnRef idx="1">
-        <a:scrgbClr r="0" g="0" b="0"/>
-      </a:lnRef>
-      <a:fillRef idx="1">
-        <a:scrgbClr r="0" g="0" b="0"/>
-      </a:fillRef>
-      <a:effectRef idx="0">
-        <a:scrgbClr r="0" g="0" b="0"/>
-      </a:effectRef>
-      <a:fontRef idx="minor"/>
-    </dgm:style>
-  </dgm:styleLbl>
-  <dgm:styleLbl name="alignAccFollowNode1">
-    <dgm:scene3d>
-      <a:camera prst="orthographicFront"/>
-      <a:lightRig rig="threePt" dir="t"/>
-    </dgm:scene3d>
-    <dgm:sp3d/>
-    <dgm:txPr/>
-    <dgm:style>
-      <a:lnRef idx="1">
-        <a:scrgbClr r="0" g="0" b="0"/>
-      </a:lnRef>
-      <a:fillRef idx="1">
-        <a:scrgbClr r="0" g="0" b="0"/>
-      </a:fillRef>
-      <a:effectRef idx="0">
-        <a:scrgbClr r="0" g="0" b="0"/>
-      </a:effectRef>
-      <a:fontRef idx="minor"/>
-    </dgm:style>
-  </dgm:styleLbl>
-  <dgm:styleLbl name="bgAccFollowNode1">
-    <dgm:scene3d>
-      <a:camera prst="orthographicFront"/>
-      <a:lightRig rig="threePt" dir="t"/>
-    </dgm:scene3d>
-    <dgm:sp3d/>
-    <dgm:txPr/>
-    <dgm:style>
-      <a:lnRef idx="1">
-        <a:scrgbClr r="0" g="0" b="0"/>
-      </a:lnRef>
-      <a:fillRef idx="1">
-        <a:scrgbClr r="0" g="0" b="0"/>
-      </a:fillRef>
-      <a:effectRef idx="0">
-        <a:scrgbClr r="0" g="0" b="0"/>
-      </a:effectRef>
-      <a:fontRef idx="minor"/>
-    </dgm:style>
-  </dgm:styleLbl>
-  <dgm:styleLbl name="fgAcc0">
-    <dgm:scene3d>
-      <a:camera prst="orthographicFront"/>
-      <a:lightRig rig="threePt" dir="t"/>
-    </dgm:scene3d>
-    <dgm:sp3d/>
-    <dgm:txPr/>
-    <dgm:style>
-      <a:lnRef idx="1">
-        <a:scrgbClr r="0" g="0" b="0"/>
-      </a:lnRef>
-      <a:fillRef idx="1">
-        <a:scrgbClr r="0" g="0" b="0"/>
-      </a:fillRef>
-      <a:effectRef idx="0">
-        <a:scrgbClr r="0" g="0" b="0"/>
-      </a:effectRef>
-      <a:fontRef idx="minor"/>
-    </dgm:style>
-  </dgm:styleLbl>
-  <dgm:styleLbl name="fgAcc2">
-    <dgm:scene3d>
-      <a:camera prst="orthographicFront"/>
-      <a:lightRig rig="threePt" dir="t"/>
-    </dgm:scene3d>
-    <dgm:sp3d/>
-    <dgm:txPr/>
-    <dgm:style>
-      <a:lnRef idx="1">
-        <a:scrgbClr r="0" g="0" b="0"/>
-      </a:lnRef>
-      <a:fillRef idx="1">
-        <a:scrgbClr r="0" g="0" b="0"/>
-      </a:fillRef>
-      <a:effectRef idx="0">
-        <a:scrgbClr r="0" g="0" b="0"/>
-      </a:effectRef>
-      <a:fontRef idx="minor"/>
-    </dgm:style>
-  </dgm:styleLbl>
-  <dgm:styleLbl name="fgAcc3">
-    <dgm:scene3d>
-      <a:camera prst="orthographicFront"/>
-      <a:lightRig rig="threePt" dir="t"/>
-    </dgm:scene3d>
-    <dgm:sp3d/>
-    <dgm:txPr/>
-    <dgm:style>
-      <a:lnRef idx="1">
-        <a:scrgbClr r="0" g="0" b="0"/>
-      </a:lnRef>
-      <a:fillRef idx="1">
-        <a:scrgbClr r="0" g="0" b="0"/>
-      </a:fillRef>
-      <a:effectRef idx="0">
-        <a:scrgbClr r="0" g="0" b="0"/>
-      </a:effectRef>
-      <a:fontRef idx="minor"/>
-    </dgm:style>
-  </dgm:styleLbl>
-  <dgm:styleLbl name="fgAcc4">
-    <dgm:scene3d>
-      <a:camera prst="orthographicFront"/>
-      <a:lightRig rig="threePt" dir="t"/>
-    </dgm:scene3d>
-    <dgm:sp3d/>
-    <dgm:txPr/>
-    <dgm:style>
-      <a:lnRef idx="1">
-        <a:scrgbClr r="0" g="0" b="0"/>
-      </a:lnRef>
-      <a:fillRef idx="1">
-        <a:scrgbClr r="0" g="0" b="0"/>
-      </a:fillRef>
-      <a:effectRef idx="0">
-        <a:scrgbClr r="0" g="0" b="0"/>
-      </a:effectRef>
-      <a:fontRef idx="minor"/>
-    </dgm:style>
-  </dgm:styleLbl>
-  <dgm:styleLbl name="bgShp">
-    <dgm:scene3d>
-      <a:camera prst="orthographicFront"/>
-      <a:lightRig rig="threePt" dir="t"/>
-    </dgm:scene3d>
-    <dgm:sp3d/>
-    <dgm:txPr/>
-    <dgm:style>
-      <a:lnRef idx="0">
-        <a:scrgbClr r="0" g="0" b="0"/>
-      </a:lnRef>
-      <a:fillRef idx="1">
-        <a:scrgbClr r="0" g="0" b="0"/>
-      </a:fillRef>
-      <a:effectRef idx="2">
-        <a:scrgbClr r="0" g="0" b="0"/>
-      </a:effectRef>
-      <a:fontRef idx="minor"/>
-    </dgm:style>
-  </dgm:styleLbl>
-  <dgm:styleLbl name="dkBgShp">
-    <dgm:scene3d>
-      <a:camera prst="orthographicFront"/>
-      <a:lightRig rig="threePt" dir="t"/>
-    </dgm:scene3d>
-    <dgm:sp3d/>
-    <dgm:txPr/>
-    <dgm:style>
-      <a:lnRef idx="0">
-        <a:scrgbClr r="0" g="0" b="0"/>
-      </a:lnRef>
-      <a:fillRef idx="1">
-        <a:scrgbClr r="0" g="0" b="0"/>
-      </a:fillRef>
-      <a:effectRef idx="2">
-        <a:scrgbClr r="0" g="0" b="0"/>
-      </a:effectRef>
-      <a:fontRef idx="minor"/>
-    </dgm:style>
-  </dgm:styleLbl>
-  <dgm:styleLbl name="trBgShp">
-    <dgm:scene3d>
-      <a:camera prst="orthographicFront"/>
-      <a:lightRig rig="threePt" dir="t"/>
-    </dgm:scene3d>
-    <dgm:sp3d/>
-    <dgm:txPr/>
-    <dgm:style>
-      <a:lnRef idx="0">
-        <a:scrgbClr r="0" g="0" b="0"/>
-      </a:lnRef>
-      <a:fillRef idx="1">
-        <a:scrgbClr r="0" g="0" b="0"/>
-      </a:fillRef>
-      <a:effectRef idx="0">
-        <a:scrgbClr r="0" g="0" b="0"/>
-      </a:effectRef>
-      <a:fontRef idx="minor"/>
-    </dgm:style>
-  </dgm:styleLbl>
-  <dgm:styleLbl name="fgShp">
-    <dgm:scene3d>
-      <a:camera prst="orthographicFront"/>
-      <a:lightRig rig="threePt" dir="t"/>
-    </dgm:scene3d>
-    <dgm:sp3d/>
-    <dgm:txPr/>
-    <dgm:style>
-      <a:lnRef idx="0">
-        <a:scrgbClr r="0" g="0" b="0"/>
-      </a:lnRef>
-      <a:fillRef idx="3">
-        <a:scrgbClr r="0" g="0" b="0"/>
-      </a:fillRef>
-      <a:effectRef idx="2">
-        <a:scrgbClr r="0" g="0" b="0"/>
-      </a:effectRef>
-      <a:fontRef idx="minor"/>
-    </dgm:style>
-  </dgm:styleLbl>
-  <dgm:styleLbl name="revTx">
-    <dgm:scene3d>
-      <a:camera prst="orthographicFront"/>
-      <a:lightRig rig="threePt" dir="t"/>
-    </dgm:scene3d>
-    <dgm:sp3d/>
-    <dgm:txPr/>
-    <dgm:style>
-      <a:lnRef idx="0">
-        <a:scrgbClr r="0" g="0" b="0"/>
-      </a:lnRef>
-      <a:fillRef idx="0">
-        <a:scrgbClr r="0" g="0" b="0"/>
-      </a:fillRef>
-      <a:effectRef idx="0">
-        <a:scrgbClr r="0" g="0" b="0"/>
-      </a:effectRef>
-      <a:fontRef idx="minor"/>
-    </dgm:style>
-  </dgm:styleLbl>
-</dgm:styleDef>
+<file path=ppt/notesMasters/notesMaster1.xml><?xml version="1.0" encoding="utf-8"?>
+<p:notesMaster xmlns:a="http://schemas.openxmlformats.org/drawingml/2006/main" xmlns:r="http://schemas.openxmlformats.org/officeDocument/2006/relationships" xmlns:p="http://schemas.openxmlformats.org/presentationml/2006/main">
+  <p:cSld>
+    <p:bg>
+      <p:bgRef idx="1001">
+        <a:schemeClr val="bg1"/>
+      </p:bgRef>
+    </p:bg>
+    <p:spTree>
+      <p:nvGrpSpPr>
+        <p:cNvPr id="1" name=""/>
+        <p:cNvGrpSpPr/>
+        <p:nvPr/>
+      </p:nvGrpSpPr>
+      <p:grpSpPr>
+        <a:xfrm>
+          <a:off x="0" y="0"/>
+          <a:ext cx="0" cy="0"/>
+          <a:chOff x="0" y="0"/>
+          <a:chExt cx="0" cy="0"/>
+        </a:xfrm>
+      </p:grpSpPr>
+      <p:sp>
+        <p:nvSpPr>
+          <p:cNvPr id="2" name="Header Placeholder 1"/>
+          <p:cNvSpPr>
+            <a:spLocks noGrp="1"/>
+          </p:cNvSpPr>
+          <p:nvPr>
+            <p:ph type="hdr" sz="quarter"/>
+          </p:nvPr>
+        </p:nvSpPr>
+        <p:spPr>
+          <a:xfrm>
+            <a:off x="0" y="0"/>
+            <a:ext cx="2971800" cy="458788"/>
+          </a:xfrm>
+          <a:prstGeom prst="rect">
+            <a:avLst/>
+          </a:prstGeom>
+        </p:spPr>
+        <p:txBody>
+          <a:bodyPr vert="horz" lIns="91440" tIns="45720" rIns="91440" bIns="45720" rtlCol="0"/>
+          <a:lstStyle>
+            <a:lvl1pPr algn="l">
+              <a:defRPr sz="1200"/>
+            </a:lvl1pPr>
+          </a:lstStyle>
+          <a:p>
+            <a:endParaRPr lang="en-US"/>
+          </a:p>
+        </p:txBody>
+      </p:sp>
+      <p:sp>
+        <p:nvSpPr>
+          <p:cNvPr id="3" name="Date Placeholder 2"/>
+          <p:cNvSpPr>
+            <a:spLocks noGrp="1"/>
+          </p:cNvSpPr>
+          <p:nvPr>
+            <p:ph type="dt" idx="1"/>
+          </p:nvPr>
+        </p:nvSpPr>
+        <p:spPr>
+          <a:xfrm>
+            <a:off x="3884613" y="0"/>
+            <a:ext cx="2971800" cy="458788"/>
+          </a:xfrm>
+          <a:prstGeom prst="rect">
+            <a:avLst/>
+          </a:prstGeom>
+        </p:spPr>
+        <p:txBody>
+          <a:bodyPr vert="horz" lIns="91440" tIns="45720" rIns="91440" bIns="45720" rtlCol="0"/>
+          <a:lstStyle>
+            <a:lvl1pPr algn="r">
+              <a:defRPr sz="1200"/>
+            </a:lvl1pPr>
+          </a:lstStyle>
+          <a:p>
+            <a:fld id="{39182E3E-2FFB-3F4B-B67A-68252351A1F5}" type="datetimeFigureOut">
+              <a:rPr lang="en-US" smtClean="0"/>
+              <a:t>8/11/23</a:t>
+            </a:fld>
+            <a:endParaRPr lang="en-US"/>
+          </a:p>
+        </p:txBody>
+      </p:sp>
+      <p:sp>
+        <p:nvSpPr>
+          <p:cNvPr id="4" name="Slide Image Placeholder 3"/>
+          <p:cNvSpPr>
+            <a:spLocks noGrp="1" noRot="1" noChangeAspect="1"/>
+          </p:cNvSpPr>
+          <p:nvPr>
+            <p:ph type="sldImg" idx="2"/>
+          </p:nvPr>
+        </p:nvSpPr>
+        <p:spPr>
+          <a:xfrm>
+            <a:off x="685800" y="1143000"/>
+            <a:ext cx="5486400" cy="3086100"/>
+          </a:xfrm>
+          <a:prstGeom prst="rect">
+            <a:avLst/>
+          </a:prstGeom>
+          <a:noFill/>
+          <a:ln w="12700">
+            <a:solidFill>
+              <a:prstClr val="black"/>
+            </a:solidFill>
+          </a:ln>
+        </p:spPr>
+        <p:txBody>
+          <a:bodyPr vert="horz" lIns="91440" tIns="45720" rIns="91440" bIns="45720" rtlCol="0" anchor="ctr"/>
+          <a:lstStyle/>
+          <a:p>
+            <a:endParaRPr lang="en-US"/>
+          </a:p>
+        </p:txBody>
+      </p:sp>
+      <p:sp>
+        <p:nvSpPr>
+          <p:cNvPr id="5" name="Notes Placeholder 4"/>
+          <p:cNvSpPr>
+            <a:spLocks noGrp="1"/>
+          </p:cNvSpPr>
+          <p:nvPr>
+            <p:ph type="body" sz="quarter" idx="3"/>
+          </p:nvPr>
+        </p:nvSpPr>
+        <p:spPr>
+          <a:xfrm>
+            <a:off x="685800" y="4400550"/>
+            <a:ext cx="5486400" cy="3600450"/>
+          </a:xfrm>
+          <a:prstGeom prst="rect">
+            <a:avLst/>
+          </a:prstGeom>
+        </p:spPr>
+        <p:txBody>
+          <a:bodyPr vert="horz" lIns="91440" tIns="45720" rIns="91440" bIns="45720" rtlCol="0"/>
+          <a:lstStyle/>
+          <a:p>
+            <a:pPr lvl="0"/>
+            <a:r>
+              <a:rPr lang="en-US"/>
+              <a:t>Click to edit Master text styles</a:t>
+            </a:r>
+          </a:p>
+          <a:p>
+            <a:pPr lvl="1"/>
+            <a:r>
+              <a:rPr lang="en-US"/>
+              <a:t>Second level</a:t>
+            </a:r>
+          </a:p>
+          <a:p>
+            <a:pPr lvl="2"/>
+            <a:r>
+              <a:rPr lang="en-US"/>
+              <a:t>Third level</a:t>
+            </a:r>
+          </a:p>
+          <a:p>
+            <a:pPr lvl="3"/>
+            <a:r>
+              <a:rPr lang="en-US"/>
+              <a:t>Fourth level</a:t>
+            </a:r>
+          </a:p>
+          <a:p>
+            <a:pPr lvl="4"/>
+            <a:r>
+              <a:rPr lang="en-US"/>
+              <a:t>Fifth level</a:t>
+            </a:r>
+          </a:p>
+        </p:txBody>
+      </p:sp>
+      <p:sp>
+        <p:nvSpPr>
+          <p:cNvPr id="6" name="Footer Placeholder 5"/>
+          <p:cNvSpPr>
+            <a:spLocks noGrp="1"/>
+          </p:cNvSpPr>
+          <p:nvPr>
+            <p:ph type="ftr" sz="quarter" idx="4"/>
+          </p:nvPr>
+        </p:nvSpPr>
+        <p:spPr>
+          <a:xfrm>
+            <a:off x="0" y="8685213"/>
+            <a:ext cx="2971800" cy="458787"/>
+          </a:xfrm>
+          <a:prstGeom prst="rect">
+            <a:avLst/>
+          </a:prstGeom>
+        </p:spPr>
+        <p:txBody>
+          <a:bodyPr vert="horz" lIns="91440" tIns="45720" rIns="91440" bIns="45720" rtlCol="0" anchor="b"/>
+          <a:lstStyle>
+            <a:lvl1pPr algn="l">
+              <a:defRPr sz="1200"/>
+            </a:lvl1pPr>
+          </a:lstStyle>
+          <a:p>
+            <a:endParaRPr lang="en-US"/>
+          </a:p>
+        </p:txBody>
+      </p:sp>
+      <p:sp>
+        <p:nvSpPr>
+          <p:cNvPr id="7" name="Slide Number Placeholder 6"/>
+          <p:cNvSpPr>
+            <a:spLocks noGrp="1"/>
+          </p:cNvSpPr>
+          <p:nvPr>
+            <p:ph type="sldNum" sz="quarter" idx="5"/>
+          </p:nvPr>
+        </p:nvSpPr>
+        <p:spPr>
+          <a:xfrm>
+            <a:off x="3884613" y="8685213"/>
+            <a:ext cx="2971800" cy="458787"/>
+          </a:xfrm>
+          <a:prstGeom prst="rect">
+            <a:avLst/>
+          </a:prstGeom>
+        </p:spPr>
+        <p:txBody>
+          <a:bodyPr vert="horz" lIns="91440" tIns="45720" rIns="91440" bIns="45720" rtlCol="0" anchor="b"/>
+          <a:lstStyle>
+            <a:lvl1pPr algn="r">
+              <a:defRPr sz="1200"/>
+            </a:lvl1pPr>
+          </a:lstStyle>
+          <a:p>
+            <a:fld id="{13D86D06-04BF-5F45-A427-05798D43B70D}" type="slidenum">
+              <a:rPr lang="en-US" smtClean="0"/>
+              <a:t>‹#›</a:t>
+            </a:fld>
+            <a:endParaRPr lang="en-US"/>
+          </a:p>
+        </p:txBody>
+      </p:sp>
+    </p:spTree>
+    <p:extLst>
+      <p:ext uri="{BB962C8B-B14F-4D97-AF65-F5344CB8AC3E}">
+        <p14:creationId xmlns:p14="http://schemas.microsoft.com/office/powerpoint/2010/main" val="1869274038"/>
+      </p:ext>
+    </p:extLst>
+  </p:cSld>
+  <p:clrMap bg1="lt1" tx1="dk1" bg2="lt2" tx2="dk2" accent1="accent1" accent2="accent2" accent3="accent3" accent4="accent4" accent5="accent5" accent6="accent6" hlink="hlink" folHlink="folHlink"/>
+  <p:notesStyle>
+    <a:lvl1pPr marL="0" algn="l" defTabSz="914400" rtl="0" eaLnBrk="1" latinLnBrk="0" hangingPunct="1">
+      <a:defRPr sz="1200" kern="1200">
+        <a:solidFill>
+          <a:schemeClr val="tx1"/>
+        </a:solidFill>
+        <a:latin typeface="+mn-lt"/>
+        <a:ea typeface="+mn-ea"/>
+        <a:cs typeface="+mn-cs"/>
+      </a:defRPr>
+    </a:lvl1pPr>
+    <a:lvl2pPr marL="457200" algn="l" defTabSz="914400" rtl="0" eaLnBrk="1" latinLnBrk="0" hangingPunct="1">
+      <a:defRPr sz="1200" kern="1200">
+        <a:solidFill>
+          <a:schemeClr val="tx1"/>
+        </a:solidFill>
+        <a:latin typeface="+mn-lt"/>
+        <a:ea typeface="+mn-ea"/>
+        <a:cs typeface="+mn-cs"/>
+      </a:defRPr>
+    </a:lvl2pPr>
+    <a:lvl3pPr marL="914400" algn="l" defTabSz="914400" rtl="0" eaLnBrk="1" latinLnBrk="0" hangingPunct="1">
+      <a:defRPr sz="1200" kern="1200">
+        <a:solidFill>
+          <a:schemeClr val="tx1"/>
+        </a:solidFill>
+        <a:latin typeface="+mn-lt"/>
+        <a:ea typeface="+mn-ea"/>
+        <a:cs typeface="+mn-cs"/>
+      </a:defRPr>
+    </a:lvl3pPr>
+    <a:lvl4pPr marL="1371600" algn="l" defTabSz="914400" rtl="0" eaLnBrk="1" latinLnBrk="0" hangingPunct="1">
+      <a:defRPr sz="1200" kern="1200">
+        <a:solidFill>
+          <a:schemeClr val="tx1"/>
+        </a:solidFill>
+        <a:latin typeface="+mn-lt"/>
+        <a:ea typeface="+mn-ea"/>
+        <a:cs typeface="+mn-cs"/>
+      </a:defRPr>
+    </a:lvl4pPr>
+    <a:lvl5pPr marL="1828800" algn="l" defTabSz="914400" rtl="0" eaLnBrk="1" latinLnBrk="0" hangingPunct="1">
+      <a:defRPr sz="1200" kern="1200">
+        <a:solidFill>
+          <a:schemeClr val="tx1"/>
+        </a:solidFill>
+        <a:latin typeface="+mn-lt"/>
+        <a:ea typeface="+mn-ea"/>
+        <a:cs typeface="+mn-cs"/>
+      </a:defRPr>
+    </a:lvl5pPr>
+    <a:lvl6pPr marL="2286000" algn="l" defTabSz="914400" rtl="0" eaLnBrk="1" latinLnBrk="0" hangingPunct="1">
+      <a:defRPr sz="1200" kern="1200">
+        <a:solidFill>
+          <a:schemeClr val="tx1"/>
+        </a:solidFill>
+        <a:latin typeface="+mn-lt"/>
+        <a:ea typeface="+mn-ea"/>
+        <a:cs typeface="+mn-cs"/>
+      </a:defRPr>
+    </a:lvl6pPr>
+    <a:lvl7pPr marL="2743200" algn="l" defTabSz="914400" rtl="0" eaLnBrk="1" latinLnBrk="0" hangingPunct="1">
+      <a:defRPr sz="1200" kern="1200">
+        <a:solidFill>
+          <a:schemeClr val="tx1"/>
+        </a:solidFill>
+        <a:latin typeface="+mn-lt"/>
+        <a:ea typeface="+mn-ea"/>
+        <a:cs typeface="+mn-cs"/>
+      </a:defRPr>
+    </a:lvl7pPr>
+    <a:lvl8pPr marL="3200400" algn="l" defTabSz="914400" rtl="0" eaLnBrk="1" latinLnBrk="0" hangingPunct="1">
+      <a:defRPr sz="1200" kern="1200">
+        <a:solidFill>
+          <a:schemeClr val="tx1"/>
+        </a:solidFill>
+        <a:latin typeface="+mn-lt"/>
+        <a:ea typeface="+mn-ea"/>
+        <a:cs typeface="+mn-cs"/>
+      </a:defRPr>
+    </a:lvl8pPr>
+    <a:lvl9pPr marL="3657600" algn="l" defTabSz="914400" rtl="0" eaLnBrk="1" latinLnBrk="0" hangingPunct="1">
+      <a:defRPr sz="1200" kern="1200">
+        <a:solidFill>
+          <a:schemeClr val="tx1"/>
+        </a:solidFill>
+        <a:latin typeface="+mn-lt"/>
+        <a:ea typeface="+mn-ea"/>
+        <a:cs typeface="+mn-cs"/>
+      </a:defRPr>
+    </a:lvl9pPr>
+  </p:notesStyle>
+</p:notesMaster>
+</file>
+
+<file path=ppt/notesSlides/notesSlide1.xml><?xml version="1.0" encoding="utf-8"?>
+<p:notes xmlns:a="http://schemas.openxmlformats.org/drawingml/2006/main" xmlns:r="http://schemas.openxmlformats.org/officeDocument/2006/relationships" xmlns:p="http://schemas.openxmlformats.org/presentationml/2006/main">
+  <p:cSld>
+    <p:spTree>
+      <p:nvGrpSpPr>
+        <p:cNvPr id="1" name=""/>
+        <p:cNvGrpSpPr/>
+        <p:nvPr/>
+      </p:nvGrpSpPr>
+      <p:grpSpPr>
+        <a:xfrm>
+          <a:off x="0" y="0"/>
+          <a:ext cx="0" cy="0"/>
+          <a:chOff x="0" y="0"/>
+          <a:chExt cx="0" cy="0"/>
+        </a:xfrm>
+      </p:grpSpPr>
+      <p:sp>
+        <p:nvSpPr>
+          <p:cNvPr id="2" name="Slide Image Placeholder 1"/>
+          <p:cNvSpPr>
+            <a:spLocks noGrp="1" noRot="1" noChangeAspect="1"/>
+          </p:cNvSpPr>
+          <p:nvPr>
+            <p:ph type="sldImg"/>
+          </p:nvPr>
+        </p:nvSpPr>
+        <p:spPr/>
+      </p:sp>
+      <p:sp>
+        <p:nvSpPr>
+          <p:cNvPr id="3" name="Notes Placeholder 2"/>
+          <p:cNvSpPr>
+            <a:spLocks noGrp="1"/>
+          </p:cNvSpPr>
+          <p:nvPr>
+            <p:ph type="body" idx="1"/>
+          </p:nvPr>
+        </p:nvSpPr>
+        <p:spPr/>
+        <p:txBody>
+          <a:bodyPr/>
+          <a:lstStyle/>
+          <a:p>
+            <a:r>
+              <a:rPr lang="en-US" dirty="0"/>
+              <a:t>Good afternoon, my name is Ben MacDonald and I will be presenting my analysis on Air Traffic Accidents from 2000 to 2022</a:t>
+            </a:r>
+          </a:p>
+        </p:txBody>
+      </p:sp>
+      <p:sp>
+        <p:nvSpPr>
+          <p:cNvPr id="4" name="Slide Number Placeholder 3"/>
+          <p:cNvSpPr>
+            <a:spLocks noGrp="1"/>
+          </p:cNvSpPr>
+          <p:nvPr>
+            <p:ph type="sldNum" sz="quarter" idx="5"/>
+          </p:nvPr>
+        </p:nvSpPr>
+        <p:spPr/>
+        <p:txBody>
+          <a:bodyPr/>
+          <a:lstStyle/>
+          <a:p>
+            <a:fld id="{13D86D06-04BF-5F45-A427-05798D43B70D}" type="slidenum">
+              <a:rPr lang="en-US" smtClean="0"/>
+              <a:t>1</a:t>
+            </a:fld>
+            <a:endParaRPr lang="en-US"/>
+          </a:p>
+        </p:txBody>
+      </p:sp>
+    </p:spTree>
+    <p:extLst>
+      <p:ext uri="{BB962C8B-B14F-4D97-AF65-F5344CB8AC3E}">
+        <p14:creationId xmlns:p14="http://schemas.microsoft.com/office/powerpoint/2010/main" val="450775485"/>
+      </p:ext>
+    </p:extLst>
+  </p:cSld>
+  <p:clrMapOvr>
+    <a:masterClrMapping/>
+  </p:clrMapOvr>
+</p:notes>
+</file>
+
+<file path=ppt/notesSlides/notesSlide2.xml><?xml version="1.0" encoding="utf-8"?>
+<p:notes xmlns:a="http://schemas.openxmlformats.org/drawingml/2006/main" xmlns:r="http://schemas.openxmlformats.org/officeDocument/2006/relationships" xmlns:p="http://schemas.openxmlformats.org/presentationml/2006/main">
+  <p:cSld>
+    <p:spTree>
+      <p:nvGrpSpPr>
+        <p:cNvPr id="1" name=""/>
+        <p:cNvGrpSpPr/>
+        <p:nvPr/>
+      </p:nvGrpSpPr>
+      <p:grpSpPr>
+        <a:xfrm>
+          <a:off x="0" y="0"/>
+          <a:ext cx="0" cy="0"/>
+          <a:chOff x="0" y="0"/>
+          <a:chExt cx="0" cy="0"/>
+        </a:xfrm>
+      </p:grpSpPr>
+      <p:sp>
+        <p:nvSpPr>
+          <p:cNvPr id="2" name="Slide Image Placeholder 1"/>
+          <p:cNvSpPr>
+            <a:spLocks noGrp="1" noRot="1" noChangeAspect="1"/>
+          </p:cNvSpPr>
+          <p:nvPr>
+            <p:ph type="sldImg"/>
+          </p:nvPr>
+        </p:nvSpPr>
+        <p:spPr/>
+      </p:sp>
+      <p:sp>
+        <p:nvSpPr>
+          <p:cNvPr id="3" name="Notes Placeholder 2"/>
+          <p:cNvSpPr>
+            <a:spLocks noGrp="1"/>
+          </p:cNvSpPr>
+          <p:nvPr>
+            <p:ph type="body" idx="1"/>
+          </p:nvPr>
+        </p:nvSpPr>
+        <p:spPr/>
+        <p:txBody>
+          <a:bodyPr/>
+          <a:lstStyle/>
+          <a:p>
+            <a:endParaRPr lang="en-US" dirty="0"/>
+          </a:p>
+        </p:txBody>
+      </p:sp>
+      <p:sp>
+        <p:nvSpPr>
+          <p:cNvPr id="4" name="Slide Number Placeholder 3"/>
+          <p:cNvSpPr>
+            <a:spLocks noGrp="1"/>
+          </p:cNvSpPr>
+          <p:nvPr>
+            <p:ph type="sldNum" sz="quarter" idx="5"/>
+          </p:nvPr>
+        </p:nvSpPr>
+        <p:spPr/>
+        <p:txBody>
+          <a:bodyPr/>
+          <a:lstStyle/>
+          <a:p>
+            <a:fld id="{13D86D06-04BF-5F45-A427-05798D43B70D}" type="slidenum">
+              <a:rPr lang="en-US" smtClean="0"/>
+              <a:t>2</a:t>
+            </a:fld>
+            <a:endParaRPr lang="en-US"/>
+          </a:p>
+        </p:txBody>
+      </p:sp>
+    </p:spTree>
+    <p:extLst>
+      <p:ext uri="{BB962C8B-B14F-4D97-AF65-F5344CB8AC3E}">
+        <p14:creationId xmlns:p14="http://schemas.microsoft.com/office/powerpoint/2010/main" val="1879845813"/>
+      </p:ext>
+    </p:extLst>
+  </p:cSld>
+  <p:clrMapOvr>
+    <a:masterClrMapping/>
+  </p:clrMapOvr>
+</p:notes>
+</file>
+
+<file path=ppt/notesSlides/notesSlide3.xml><?xml version="1.0" encoding="utf-8"?>
+<p:notes xmlns:a="http://schemas.openxmlformats.org/drawingml/2006/main" xmlns:r="http://schemas.openxmlformats.org/officeDocument/2006/relationships" xmlns:p="http://schemas.openxmlformats.org/presentationml/2006/main">
+  <p:cSld>
+    <p:spTree>
+      <p:nvGrpSpPr>
+        <p:cNvPr id="1" name=""/>
+        <p:cNvGrpSpPr/>
+        <p:nvPr/>
+      </p:nvGrpSpPr>
+      <p:grpSpPr>
+        <a:xfrm>
+          <a:off x="0" y="0"/>
+          <a:ext cx="0" cy="0"/>
+          <a:chOff x="0" y="0"/>
+          <a:chExt cx="0" cy="0"/>
+        </a:xfrm>
+      </p:grpSpPr>
+      <p:sp>
+        <p:nvSpPr>
+          <p:cNvPr id="2" name="Slide Image Placeholder 1"/>
+          <p:cNvSpPr>
+            <a:spLocks noGrp="1" noRot="1" noChangeAspect="1"/>
+          </p:cNvSpPr>
+          <p:nvPr>
+            <p:ph type="sldImg"/>
+          </p:nvPr>
+        </p:nvSpPr>
+        <p:spPr/>
+      </p:sp>
+      <p:sp>
+        <p:nvSpPr>
+          <p:cNvPr id="3" name="Notes Placeholder 2"/>
+          <p:cNvSpPr>
+            <a:spLocks noGrp="1"/>
+          </p:cNvSpPr>
+          <p:nvPr>
+            <p:ph type="body" idx="1"/>
+          </p:nvPr>
+        </p:nvSpPr>
+        <p:spPr/>
+        <p:txBody>
+          <a:bodyPr/>
+          <a:lstStyle/>
+          <a:p>
+            <a:r>
+              <a:rPr lang="en-US" dirty="0"/>
+              <a:t>I chose to use Individual incident causes as my feature variables and a binary value indicating whether the incident was fatal as my target variable for model training and hypothesis testing.</a:t>
+            </a:r>
+          </a:p>
+        </p:txBody>
+      </p:sp>
+      <p:sp>
+        <p:nvSpPr>
+          <p:cNvPr id="4" name="Slide Number Placeholder 3"/>
+          <p:cNvSpPr>
+            <a:spLocks noGrp="1"/>
+          </p:cNvSpPr>
+          <p:nvPr>
+            <p:ph type="sldNum" sz="quarter" idx="5"/>
+          </p:nvPr>
+        </p:nvSpPr>
+        <p:spPr/>
+        <p:txBody>
+          <a:bodyPr/>
+          <a:lstStyle/>
+          <a:p>
+            <a:fld id="{13D86D06-04BF-5F45-A427-05798D43B70D}" type="slidenum">
+              <a:rPr lang="en-US" smtClean="0"/>
+              <a:t>6</a:t>
+            </a:fld>
+            <a:endParaRPr lang="en-US"/>
+          </a:p>
+        </p:txBody>
+      </p:sp>
+    </p:spTree>
+    <p:extLst>
+      <p:ext uri="{BB962C8B-B14F-4D97-AF65-F5344CB8AC3E}">
+        <p14:creationId xmlns:p14="http://schemas.microsoft.com/office/powerpoint/2010/main" val="3895091130"/>
+      </p:ext>
+    </p:extLst>
+  </p:cSld>
+  <p:clrMapOvr>
+    <a:masterClrMapping/>
+  </p:clrMapOvr>
+</p:notes>
+</file>
+
+<file path=ppt/notesSlides/notesSlide4.xml><?xml version="1.0" encoding="utf-8"?>
+<p:notes xmlns:a="http://schemas.openxmlformats.org/drawingml/2006/main" xmlns:r="http://schemas.openxmlformats.org/officeDocument/2006/relationships" xmlns:p="http://schemas.openxmlformats.org/presentationml/2006/main">
+  <p:cSld>
+    <p:spTree>
+      <p:nvGrpSpPr>
+        <p:cNvPr id="1" name=""/>
+        <p:cNvGrpSpPr/>
+        <p:nvPr/>
+      </p:nvGrpSpPr>
+      <p:grpSpPr>
+        <a:xfrm>
+          <a:off x="0" y="0"/>
+          <a:ext cx="0" cy="0"/>
+          <a:chOff x="0" y="0"/>
+          <a:chExt cx="0" cy="0"/>
+        </a:xfrm>
+      </p:grpSpPr>
+      <p:sp>
+        <p:nvSpPr>
+          <p:cNvPr id="2" name="Slide Image Placeholder 1"/>
+          <p:cNvSpPr>
+            <a:spLocks noGrp="1" noRot="1" noChangeAspect="1"/>
+          </p:cNvSpPr>
+          <p:nvPr>
+            <p:ph type="sldImg"/>
+          </p:nvPr>
+        </p:nvSpPr>
+        <p:spPr/>
+      </p:sp>
+      <p:sp>
+        <p:nvSpPr>
+          <p:cNvPr id="3" name="Notes Placeholder 2"/>
+          <p:cNvSpPr>
+            <a:spLocks noGrp="1"/>
+          </p:cNvSpPr>
+          <p:nvPr>
+            <p:ph type="body" idx="1"/>
+          </p:nvPr>
+        </p:nvSpPr>
+        <p:spPr/>
+        <p:txBody>
+          <a:bodyPr/>
+          <a:lstStyle/>
+          <a:p>
+            <a:pPr marL="0" marR="0" lvl="0" indent="0" algn="l" defTabSz="914400" rtl="0" eaLnBrk="1" fontAlgn="auto" latinLnBrk="0" hangingPunct="1">
+              <a:lnSpc>
+                <a:spcPct val="100000"/>
+              </a:lnSpc>
+              <a:spcBef>
+                <a:spcPts val="0"/>
+              </a:spcBef>
+              <a:spcAft>
+                <a:spcPts val="0"/>
+              </a:spcAft>
+              <a:buClrTx/>
+              <a:buSzTx/>
+              <a:buFontTx/>
+              <a:buNone/>
+              <a:tabLst/>
+              <a:defRPr/>
+            </a:pPr>
+            <a:r>
+              <a:rPr lang="en-US" dirty="0"/>
+              <a:t>I used the Chi squared test to test my hypothesis and found that the p-value was significantly smaller than my 5% threshold. This led me to reject the null hypothesis and accept my alternate hypothesis.  I then trained a logistic regression model using my feature and target variables and found a strong predictive relationship between individual incident causes and fatal or non-fatal incidents.  On the graph to the right you can see the strongest coefficients from my model. On the top are the causes that had a positive coefficient and show a strong relationship with fatal incidents. And on the bottom of the graph you can see causes with the lowest coefficients which indicate a strong relationship with non-fatal incidents. </a:t>
+            </a:r>
+          </a:p>
+          <a:p>
+            <a:endParaRPr lang="en-US" dirty="0"/>
+          </a:p>
+        </p:txBody>
+      </p:sp>
+      <p:sp>
+        <p:nvSpPr>
+          <p:cNvPr id="4" name="Slide Number Placeholder 3"/>
+          <p:cNvSpPr>
+            <a:spLocks noGrp="1"/>
+          </p:cNvSpPr>
+          <p:nvPr>
+            <p:ph type="sldNum" sz="quarter" idx="5"/>
+          </p:nvPr>
+        </p:nvSpPr>
+        <p:spPr/>
+        <p:txBody>
+          <a:bodyPr/>
+          <a:lstStyle/>
+          <a:p>
+            <a:fld id="{13D86D06-04BF-5F45-A427-05798D43B70D}" type="slidenum">
+              <a:rPr lang="en-US" smtClean="0"/>
+              <a:t>7</a:t>
+            </a:fld>
+            <a:endParaRPr lang="en-US"/>
+          </a:p>
+        </p:txBody>
+      </p:sp>
+    </p:spTree>
+    <p:extLst>
+      <p:ext uri="{BB962C8B-B14F-4D97-AF65-F5344CB8AC3E}">
+        <p14:creationId xmlns:p14="http://schemas.microsoft.com/office/powerpoint/2010/main" val="65315096"/>
+      </p:ext>
+    </p:extLst>
+  </p:cSld>
+  <p:clrMapOvr>
+    <a:masterClrMapping/>
+  </p:clrMapOvr>
+</p:notes>
 </file>
 
 <file path=ppt/slideLayouts/slideLayout1.xml><?xml version="1.0" encoding="utf-8"?>
@@ -11284,7 +9329,7 @@
           <p:nvPr/>
         </p:nvPicPr>
         <p:blipFill rotWithShape="1">
-          <a:blip r:embed="rId2">
+          <a:blip r:embed="rId3">
             <a:alphaModFix amt="40000"/>
           </a:blip>
           <a:srcRect t="3158" b="11937"/>
@@ -11553,7 +9598,7 @@
 </file>
 
 <file path=ppt/slides/slide10.xml><?xml version="1.0" encoding="utf-8"?>
-<p:sld xmlns:a="http://schemas.openxmlformats.org/drawingml/2006/main" xmlns:r="http://schemas.openxmlformats.org/officeDocument/2006/relationships" xmlns:p="http://schemas.openxmlformats.org/presentationml/2006/main" show="0">
+<p:sld xmlns:a="http://schemas.openxmlformats.org/drawingml/2006/main" xmlns:r="http://schemas.openxmlformats.org/officeDocument/2006/relationships" xmlns:p="http://schemas.openxmlformats.org/presentationml/2006/main">
   <p:cSld>
     <p:bg>
       <p:bgPr>
@@ -11580,21 +9625,52 @@
           <a:chExt cx="0" cy="0"/>
         </a:xfrm>
       </p:grpSpPr>
+      <p:sp>
+        <p:nvSpPr>
+          <p:cNvPr id="2" name="Title 1">
+            <a:extLst>
+              <a:ext uri="{FF2B5EF4-FFF2-40B4-BE49-F238E27FC236}">
+                <a16:creationId xmlns:a16="http://schemas.microsoft.com/office/drawing/2014/main" id="{030085BF-CF42-98BC-DE88-0C8830191CA5}"/>
+              </a:ext>
+            </a:extLst>
+          </p:cNvPr>
+          <p:cNvSpPr>
+            <a:spLocks noGrp="1"/>
+          </p:cNvSpPr>
+          <p:nvPr>
+            <p:ph type="title"/>
+          </p:nvPr>
+        </p:nvSpPr>
+        <p:spPr>
+          <a:xfrm>
+            <a:off x="2231136" y="158750"/>
+            <a:ext cx="7729728" cy="1188720"/>
+          </a:xfrm>
+        </p:spPr>
+        <p:txBody>
+          <a:bodyPr/>
+          <a:lstStyle/>
+          <a:p>
+            <a:r>
+              <a:rPr lang="en-US" dirty="0"/>
+              <a:t>Appendix</a:t>
+            </a:r>
+          </a:p>
+        </p:txBody>
+      </p:sp>
       <p:pic>
         <p:nvPicPr>
-          <p:cNvPr id="5" name="Content Placeholder 4" descr="A graph of a number of people&#10;&#10;Description automatically generated with medium confidence">
+          <p:cNvPr id="5" name="Picture 4" descr="A graph of a curve&#10;&#10;Description automatically generated">
             <a:extLst>
               <a:ext uri="{FF2B5EF4-FFF2-40B4-BE49-F238E27FC236}">
-                <a16:creationId xmlns:a16="http://schemas.microsoft.com/office/drawing/2014/main" id="{0314A046-19F6-0866-DFAA-C0ABDB110F3B}"/>
+                <a16:creationId xmlns:a16="http://schemas.microsoft.com/office/drawing/2014/main" id="{F4FCA47F-38FD-8EF9-5803-C2A6D237B707}"/>
               </a:ext>
             </a:extLst>
           </p:cNvPr>
           <p:cNvPicPr>
-            <a:picLocks noGrp="1" noChangeAspect="1"/>
+            <a:picLocks noChangeAspect="1"/>
           </p:cNvPicPr>
-          <p:nvPr>
-            <p:ph idx="1"/>
-          </p:nvPr>
+          <p:nvPr/>
         </p:nvPicPr>
         <p:blipFill>
           <a:blip r:embed="rId2"/>
@@ -11604,17 +9680,28 @@
         </p:blipFill>
         <p:spPr>
           <a:xfrm>
-            <a:off x="5599175" y="190707"/>
-            <a:ext cx="6509308" cy="3101133"/>
+            <a:off x="97440" y="2207169"/>
+            <a:ext cx="5608141" cy="4071664"/>
           </a:xfrm>
+          <a:prstGeom prst="rect">
+            <a:avLst/>
+          </a:prstGeom>
+          <a:ln>
+            <a:solidFill>
+              <a:schemeClr val="tx1">
+                <a:lumMod val="75000"/>
+                <a:lumOff val="25000"/>
+              </a:schemeClr>
+            </a:solidFill>
+          </a:ln>
         </p:spPr>
       </p:pic>
       <p:pic>
         <p:nvPicPr>
-          <p:cNvPr id="7" name="Picture 6" descr="A graph showing a number of injuries&#10;&#10;Description automatically generated with medium confidence">
+          <p:cNvPr id="9" name="Picture 8" descr="A chart with red and yellow squares&#10;&#10;Description automatically generated">
             <a:extLst>
               <a:ext uri="{FF2B5EF4-FFF2-40B4-BE49-F238E27FC236}">
-                <a16:creationId xmlns:a16="http://schemas.microsoft.com/office/drawing/2014/main" id="{D9E71D43-74C2-BBFB-567E-896508ACC089}"/>
+                <a16:creationId xmlns:a16="http://schemas.microsoft.com/office/drawing/2014/main" id="{ED4000D6-B6E5-5450-31DA-FD1F9096F3D2}"/>
               </a:ext>
             </a:extLst>
           </p:cNvPr>
@@ -11631,14 +9718,1582 @@
         </p:blipFill>
         <p:spPr>
           <a:xfrm>
-            <a:off x="5599173" y="3566160"/>
-            <a:ext cx="6509310" cy="3101133"/>
+            <a:off x="5838688" y="2102069"/>
+            <a:ext cx="6255872" cy="4259317"/>
+          </a:xfrm>
+          <a:prstGeom prst="rect">
+            <a:avLst/>
+          </a:prstGeom>
+          <a:ln>
+            <a:solidFill>
+              <a:schemeClr val="tx1">
+                <a:lumMod val="75000"/>
+                <a:lumOff val="25000"/>
+              </a:schemeClr>
+            </a:solidFill>
+          </a:ln>
+        </p:spPr>
+      </p:pic>
+    </p:spTree>
+    <p:extLst>
+      <p:ext uri="{BB962C8B-B14F-4D97-AF65-F5344CB8AC3E}">
+        <p14:creationId xmlns:p14="http://schemas.microsoft.com/office/powerpoint/2010/main" val="1879807500"/>
+      </p:ext>
+    </p:extLst>
+  </p:cSld>
+  <p:clrMapOvr>
+    <a:masterClrMapping/>
+  </p:clrMapOvr>
+</p:sld>
+</file>
+
+<file path=ppt/slides/slide11.xml><?xml version="1.0" encoding="utf-8"?>
+<p:sld xmlns:a="http://schemas.openxmlformats.org/drawingml/2006/main" xmlns:r="http://schemas.openxmlformats.org/officeDocument/2006/relationships" xmlns:p="http://schemas.openxmlformats.org/presentationml/2006/main">
+  <p:cSld>
+    <p:bg>
+      <p:bgPr>
+        <a:solidFill>
+          <a:schemeClr val="tx2">
+            <a:lumMod val="60000"/>
+            <a:lumOff val="40000"/>
+          </a:schemeClr>
+        </a:solidFill>
+        <a:effectLst/>
+      </p:bgPr>
+    </p:bg>
+    <p:spTree>
+      <p:nvGrpSpPr>
+        <p:cNvPr id="1" name=""/>
+        <p:cNvGrpSpPr/>
+        <p:nvPr/>
+      </p:nvGrpSpPr>
+      <p:grpSpPr>
+        <a:xfrm>
+          <a:off x="0" y="0"/>
+          <a:ext cx="0" cy="0"/>
+          <a:chOff x="0" y="0"/>
+          <a:chExt cx="0" cy="0"/>
+        </a:xfrm>
+      </p:grpSpPr>
+      <p:sp>
+        <p:nvSpPr>
+          <p:cNvPr id="2" name="Title 1">
+            <a:extLst>
+              <a:ext uri="{FF2B5EF4-FFF2-40B4-BE49-F238E27FC236}">
+                <a16:creationId xmlns:a16="http://schemas.microsoft.com/office/drawing/2014/main" id="{030085BF-CF42-98BC-DE88-0C8830191CA5}"/>
+              </a:ext>
+            </a:extLst>
+          </p:cNvPr>
+          <p:cNvSpPr>
+            <a:spLocks noGrp="1"/>
+          </p:cNvSpPr>
+          <p:nvPr>
+            <p:ph type="title"/>
+          </p:nvPr>
+        </p:nvSpPr>
+        <p:spPr>
+          <a:xfrm>
+            <a:off x="2231136" y="158750"/>
+            <a:ext cx="7729728" cy="1188720"/>
+          </a:xfrm>
+        </p:spPr>
+        <p:txBody>
+          <a:bodyPr/>
+          <a:lstStyle/>
+          <a:p>
+            <a:r>
+              <a:rPr lang="en-US" dirty="0"/>
+              <a:t>Appendix</a:t>
+            </a:r>
+          </a:p>
+        </p:txBody>
+      </p:sp>
+      <p:pic>
+        <p:nvPicPr>
+          <p:cNvPr id="7" name="Picture 6" descr="A graph with blue and white bars&#10;&#10;Description automatically generated">
+            <a:extLst>
+              <a:ext uri="{FF2B5EF4-FFF2-40B4-BE49-F238E27FC236}">
+                <a16:creationId xmlns:a16="http://schemas.microsoft.com/office/drawing/2014/main" id="{77807F23-9B77-CDAF-56BD-C18C10F4123F}"/>
+              </a:ext>
+            </a:extLst>
+          </p:cNvPr>
+          <p:cNvPicPr>
+            <a:picLocks noChangeAspect="1"/>
+          </p:cNvPicPr>
+          <p:nvPr/>
+        </p:nvPicPr>
+        <p:blipFill>
+          <a:blip r:embed="rId2"/>
+          <a:stretch>
+            <a:fillRect/>
+          </a:stretch>
+        </p:blipFill>
+        <p:spPr>
+          <a:xfrm>
+            <a:off x="2023664" y="1788905"/>
+            <a:ext cx="7772400" cy="4581625"/>
+          </a:xfrm>
+          <a:prstGeom prst="rect">
+            <a:avLst/>
+          </a:prstGeom>
+          <a:ln>
+            <a:solidFill>
+              <a:schemeClr val="tx1">
+                <a:lumMod val="75000"/>
+                <a:lumOff val="25000"/>
+              </a:schemeClr>
+            </a:solidFill>
+          </a:ln>
+        </p:spPr>
+      </p:pic>
+    </p:spTree>
+    <p:extLst>
+      <p:ext uri="{BB962C8B-B14F-4D97-AF65-F5344CB8AC3E}">
+        <p14:creationId xmlns:p14="http://schemas.microsoft.com/office/powerpoint/2010/main" val="2665767832"/>
+      </p:ext>
+    </p:extLst>
+  </p:cSld>
+  <p:clrMapOvr>
+    <a:masterClrMapping/>
+  </p:clrMapOvr>
+</p:sld>
+</file>
+
+<file path=ppt/slides/slide2.xml><?xml version="1.0" encoding="utf-8"?>
+<p:sld xmlns:a="http://schemas.openxmlformats.org/drawingml/2006/main" xmlns:r="http://schemas.openxmlformats.org/officeDocument/2006/relationships" xmlns:p="http://schemas.openxmlformats.org/presentationml/2006/main">
+  <p:cSld>
+    <p:bg>
+      <p:bgPr>
+        <a:solidFill>
+          <a:schemeClr val="bg1">
+            <a:lumMod val="95000"/>
+          </a:schemeClr>
+        </a:solidFill>
+        <a:effectLst/>
+      </p:bgPr>
+    </p:bg>
+    <p:spTree>
+      <p:nvGrpSpPr>
+        <p:cNvPr id="1" name=""/>
+        <p:cNvGrpSpPr/>
+        <p:nvPr/>
+      </p:nvGrpSpPr>
+      <p:grpSpPr>
+        <a:xfrm>
+          <a:off x="0" y="0"/>
+          <a:ext cx="0" cy="0"/>
+          <a:chOff x="0" y="0"/>
+          <a:chExt cx="0" cy="0"/>
+        </a:xfrm>
+      </p:grpSpPr>
+      <p:pic>
+        <p:nvPicPr>
+          <p:cNvPr id="14" name="Picture 13" descr="Back view of an aeroplane">
+            <a:extLst>
+              <a:ext uri="{FF2B5EF4-FFF2-40B4-BE49-F238E27FC236}">
+                <a16:creationId xmlns:a16="http://schemas.microsoft.com/office/drawing/2014/main" id="{92B6BF5C-97E5-5BC4-CA7B-C46E58ED34C0}"/>
+              </a:ext>
+            </a:extLst>
+          </p:cNvPr>
+          <p:cNvPicPr>
+            <a:picLocks noChangeAspect="1"/>
+          </p:cNvPicPr>
+          <p:nvPr/>
+        </p:nvPicPr>
+        <p:blipFill rotWithShape="1">
+          <a:blip r:embed="rId3"/>
+          <a:srcRect l="14407" r="26259" b="-1"/>
+          <a:stretch/>
+        </p:blipFill>
+        <p:spPr>
+          <a:xfrm>
+            <a:off x="642" y="10"/>
+            <a:ext cx="6096000" cy="6857990"/>
           </a:xfrm>
           <a:prstGeom prst="rect">
             <a:avLst/>
           </a:prstGeom>
         </p:spPr>
       </p:pic>
+      <p:sp>
+        <p:nvSpPr>
+          <p:cNvPr id="2" name="Title 1">
+            <a:extLst>
+              <a:ext uri="{FF2B5EF4-FFF2-40B4-BE49-F238E27FC236}">
+                <a16:creationId xmlns:a16="http://schemas.microsoft.com/office/drawing/2014/main" id="{A8D59745-FE8D-EBB9-D7E1-80D827D04868}"/>
+              </a:ext>
+            </a:extLst>
+          </p:cNvPr>
+          <p:cNvSpPr>
+            <a:spLocks noGrp="1"/>
+          </p:cNvSpPr>
+          <p:nvPr>
+            <p:ph type="title"/>
+          </p:nvPr>
+        </p:nvSpPr>
+        <p:spPr>
+          <a:xfrm>
+            <a:off x="804672" y="2841505"/>
+            <a:ext cx="4487298" cy="1174991"/>
+          </a:xfrm>
+          <a:solidFill>
+            <a:schemeClr val="tx1">
+              <a:alpha val="60000"/>
+            </a:schemeClr>
+          </a:solidFill>
+          <a:ln>
+            <a:solidFill>
+              <a:schemeClr val="bg1"/>
+            </a:solidFill>
+          </a:ln>
+        </p:spPr>
+        <p:txBody>
+          <a:bodyPr>
+            <a:normAutofit/>
+          </a:bodyPr>
+          <a:lstStyle/>
+          <a:p>
+            <a:r>
+              <a:rPr lang="en-US" sz="2400">
+                <a:solidFill>
+                  <a:schemeClr val="bg1"/>
+                </a:solidFill>
+              </a:rPr>
+              <a:t>Intro</a:t>
+            </a:r>
+          </a:p>
+        </p:txBody>
+      </p:sp>
+      <p:sp>
+        <p:nvSpPr>
+          <p:cNvPr id="3" name="Content Placeholder 2">
+            <a:extLst>
+              <a:ext uri="{FF2B5EF4-FFF2-40B4-BE49-F238E27FC236}">
+                <a16:creationId xmlns:a16="http://schemas.microsoft.com/office/drawing/2014/main" id="{9542F626-53DB-CBBF-C04C-DEA8B5141B4D}"/>
+              </a:ext>
+            </a:extLst>
+          </p:cNvPr>
+          <p:cNvSpPr>
+            <a:spLocks noGrp="1"/>
+          </p:cNvSpPr>
+          <p:nvPr>
+            <p:ph idx="1"/>
+          </p:nvPr>
+        </p:nvSpPr>
+        <p:spPr>
+          <a:xfrm>
+            <a:off x="6350001" y="341194"/>
+            <a:ext cx="5628640" cy="6196083"/>
+          </a:xfrm>
+        </p:spPr>
+        <p:txBody>
+          <a:bodyPr anchor="ctr">
+            <a:normAutofit/>
+          </a:bodyPr>
+          <a:lstStyle/>
+          <a:p>
+            <a:pPr>
+              <a:lnSpc>
+                <a:spcPct val="90000"/>
+              </a:lnSpc>
+            </a:pPr>
+            <a:r>
+              <a:rPr lang="en-US" sz="1600" dirty="0"/>
+              <a:t>Dataset: </a:t>
+            </a:r>
+          </a:p>
+          <a:p>
+            <a:pPr lvl="1">
+              <a:lnSpc>
+                <a:spcPct val="90000"/>
+              </a:lnSpc>
+            </a:pPr>
+            <a:r>
+              <a:rPr lang="en-US" dirty="0"/>
+              <a:t>Individual aircraft incidents and associated factors</a:t>
+            </a:r>
+          </a:p>
+          <a:p>
+            <a:pPr marL="0" indent="0">
+              <a:lnSpc>
+                <a:spcPct val="90000"/>
+              </a:lnSpc>
+              <a:buNone/>
+            </a:pPr>
+            <a:endParaRPr lang="en-US" sz="1600" dirty="0"/>
+          </a:p>
+          <a:p>
+            <a:pPr marL="0" indent="0">
+              <a:lnSpc>
+                <a:spcPct val="90000"/>
+              </a:lnSpc>
+              <a:buNone/>
+            </a:pPr>
+            <a:endParaRPr lang="en-US" sz="1600" dirty="0"/>
+          </a:p>
+          <a:p>
+            <a:pPr>
+              <a:lnSpc>
+                <a:spcPct val="90000"/>
+              </a:lnSpc>
+            </a:pPr>
+            <a:r>
+              <a:rPr lang="en-US" sz="1600" dirty="0"/>
+              <a:t>Data Types: </a:t>
+            </a:r>
+          </a:p>
+          <a:p>
+            <a:pPr lvl="1">
+              <a:lnSpc>
+                <a:spcPct val="90000"/>
+              </a:lnSpc>
+            </a:pPr>
+            <a:r>
+              <a:rPr lang="en-US" dirty="0"/>
+              <a:t>Categorical (required significant cleaning to be useable)</a:t>
+            </a:r>
+          </a:p>
+          <a:p>
+            <a:pPr lvl="1">
+              <a:lnSpc>
+                <a:spcPct val="90000"/>
+              </a:lnSpc>
+            </a:pPr>
+            <a:endParaRPr lang="en-US" dirty="0"/>
+          </a:p>
+          <a:p>
+            <a:pPr lvl="1">
+              <a:lnSpc>
+                <a:spcPct val="90000"/>
+              </a:lnSpc>
+            </a:pPr>
+            <a:endParaRPr lang="en-US" dirty="0"/>
+          </a:p>
+          <a:p>
+            <a:pPr>
+              <a:lnSpc>
+                <a:spcPct val="90000"/>
+              </a:lnSpc>
+            </a:pPr>
+            <a:r>
+              <a:rPr lang="en-US" sz="1600" dirty="0"/>
+              <a:t>Exclusions: </a:t>
+            </a:r>
+          </a:p>
+          <a:p>
+            <a:pPr lvl="1">
+              <a:lnSpc>
+                <a:spcPct val="90000"/>
+              </a:lnSpc>
+            </a:pPr>
+            <a:r>
+              <a:rPr lang="en-US" dirty="0"/>
+              <a:t>Ground casualty figures (most were purely coincidental)</a:t>
+            </a:r>
+          </a:p>
+          <a:p>
+            <a:pPr>
+              <a:lnSpc>
+                <a:spcPct val="90000"/>
+              </a:lnSpc>
+            </a:pPr>
+            <a:endParaRPr lang="en-US" sz="1600" dirty="0"/>
+          </a:p>
+          <a:p>
+            <a:pPr>
+              <a:lnSpc>
+                <a:spcPct val="90000"/>
+              </a:lnSpc>
+            </a:pPr>
+            <a:endParaRPr lang="en-US" sz="1600" dirty="0"/>
+          </a:p>
+          <a:p>
+            <a:pPr>
+              <a:lnSpc>
+                <a:spcPct val="90000"/>
+              </a:lnSpc>
+            </a:pPr>
+            <a:r>
+              <a:rPr lang="en-US" sz="1600" dirty="0"/>
+              <a:t>Flight Types: </a:t>
+            </a:r>
+          </a:p>
+          <a:p>
+            <a:pPr lvl="1">
+              <a:lnSpc>
+                <a:spcPct val="90000"/>
+              </a:lnSpc>
+            </a:pPr>
+            <a:r>
+              <a:rPr lang="en-US" dirty="0"/>
+              <a:t>Passenger, cargo, private, military</a:t>
+            </a:r>
+          </a:p>
+        </p:txBody>
+      </p:sp>
+    </p:spTree>
+    <p:extLst>
+      <p:ext uri="{BB962C8B-B14F-4D97-AF65-F5344CB8AC3E}">
+        <p14:creationId xmlns:p14="http://schemas.microsoft.com/office/powerpoint/2010/main" val="3078829698"/>
+      </p:ext>
+    </p:extLst>
+  </p:cSld>
+  <p:clrMapOvr>
+    <a:masterClrMapping/>
+  </p:clrMapOvr>
+</p:sld>
+</file>
+
+<file path=ppt/slides/slide3.xml><?xml version="1.0" encoding="utf-8"?>
+<p:sld xmlns:a="http://schemas.openxmlformats.org/drawingml/2006/main" xmlns:r="http://schemas.openxmlformats.org/officeDocument/2006/relationships" xmlns:p="http://schemas.openxmlformats.org/presentationml/2006/main">
+  <p:cSld>
+    <p:bg>
+      <p:bgPr>
+        <a:solidFill>
+          <a:schemeClr val="tx2">
+            <a:lumMod val="60000"/>
+            <a:lumOff val="40000"/>
+          </a:schemeClr>
+        </a:solidFill>
+        <a:effectLst/>
+      </p:bgPr>
+    </p:bg>
+    <p:spTree>
+      <p:nvGrpSpPr>
+        <p:cNvPr id="1" name=""/>
+        <p:cNvGrpSpPr/>
+        <p:nvPr/>
+      </p:nvGrpSpPr>
+      <p:grpSpPr>
+        <a:xfrm>
+          <a:off x="0" y="0"/>
+          <a:ext cx="0" cy="0"/>
+          <a:chOff x="0" y="0"/>
+          <a:chExt cx="0" cy="0"/>
+        </a:xfrm>
+      </p:grpSpPr>
+      <p:sp>
+        <p:nvSpPr>
+          <p:cNvPr id="5" name="Title 1">
+            <a:extLst>
+              <a:ext uri="{FF2B5EF4-FFF2-40B4-BE49-F238E27FC236}">
+                <a16:creationId xmlns:a16="http://schemas.microsoft.com/office/drawing/2014/main" id="{A411EA8E-E436-6EF4-F7AF-F1C2EDFE4F1C}"/>
+              </a:ext>
+            </a:extLst>
+          </p:cNvPr>
+          <p:cNvSpPr>
+            <a:spLocks noGrp="1"/>
+          </p:cNvSpPr>
+          <p:nvPr>
+            <p:ph type="title"/>
+          </p:nvPr>
+        </p:nvSpPr>
+        <p:spPr>
+          <a:xfrm>
+            <a:off x="2231136" y="219257"/>
+            <a:ext cx="7729728" cy="1188720"/>
+          </a:xfrm>
+        </p:spPr>
+        <p:txBody>
+          <a:bodyPr/>
+          <a:lstStyle/>
+          <a:p>
+            <a:r>
+              <a:rPr lang="en-US" dirty="0"/>
+              <a:t>Air Traffic Incidents by the numbers</a:t>
+            </a:r>
+          </a:p>
+        </p:txBody>
+      </p:sp>
+      <p:pic>
+        <p:nvPicPr>
+          <p:cNvPr id="7" name="Picture 6">
+            <a:extLst>
+              <a:ext uri="{FF2B5EF4-FFF2-40B4-BE49-F238E27FC236}">
+                <a16:creationId xmlns:a16="http://schemas.microsoft.com/office/drawing/2014/main" id="{C83B789C-A5BD-CD2F-5C35-3BFBD2E1CE53}"/>
+              </a:ext>
+            </a:extLst>
+          </p:cNvPr>
+          <p:cNvPicPr>
+            <a:picLocks noChangeAspect="1"/>
+          </p:cNvPicPr>
+          <p:nvPr/>
+        </p:nvPicPr>
+        <p:blipFill>
+          <a:blip r:embed="rId2"/>
+          <a:srcRect/>
+          <a:stretch/>
+        </p:blipFill>
+        <p:spPr>
+          <a:xfrm>
+            <a:off x="132489" y="2286483"/>
+            <a:ext cx="5880674" cy="3507555"/>
+          </a:xfrm>
+          <a:prstGeom prst="rect">
+            <a:avLst/>
+          </a:prstGeom>
+          <a:ln>
+            <a:solidFill>
+              <a:schemeClr val="tx1">
+                <a:lumMod val="75000"/>
+                <a:lumOff val="25000"/>
+              </a:schemeClr>
+            </a:solidFill>
+          </a:ln>
+        </p:spPr>
+      </p:pic>
+      <p:pic>
+        <p:nvPicPr>
+          <p:cNvPr id="9" name="Picture 8">
+            <a:extLst>
+              <a:ext uri="{FF2B5EF4-FFF2-40B4-BE49-F238E27FC236}">
+                <a16:creationId xmlns:a16="http://schemas.microsoft.com/office/drawing/2014/main" id="{F8512791-18EC-B0E3-9852-943B8BA15D31}"/>
+              </a:ext>
+            </a:extLst>
+          </p:cNvPr>
+          <p:cNvPicPr>
+            <a:picLocks noChangeAspect="1"/>
+          </p:cNvPicPr>
+          <p:nvPr/>
+        </p:nvPicPr>
+        <p:blipFill>
+          <a:blip r:embed="rId3"/>
+          <a:srcRect/>
+          <a:stretch/>
+        </p:blipFill>
+        <p:spPr>
+          <a:xfrm>
+            <a:off x="6197289" y="2286500"/>
+            <a:ext cx="5862222" cy="3507521"/>
+          </a:xfrm>
+          <a:prstGeom prst="rect">
+            <a:avLst/>
+          </a:prstGeom>
+          <a:ln>
+            <a:solidFill>
+              <a:schemeClr val="tx1">
+                <a:lumMod val="75000"/>
+                <a:lumOff val="25000"/>
+              </a:schemeClr>
+            </a:solidFill>
+          </a:ln>
+        </p:spPr>
+      </p:pic>
+      <p:sp>
+        <p:nvSpPr>
+          <p:cNvPr id="12" name="Rectangle 11">
+            <a:extLst>
+              <a:ext uri="{FF2B5EF4-FFF2-40B4-BE49-F238E27FC236}">
+                <a16:creationId xmlns:a16="http://schemas.microsoft.com/office/drawing/2014/main" id="{4297F6B0-5621-03E1-CAB1-E4603FBEF357}"/>
+              </a:ext>
+            </a:extLst>
+          </p:cNvPr>
+          <p:cNvSpPr/>
+          <p:nvPr/>
+        </p:nvSpPr>
+        <p:spPr>
+          <a:xfrm>
+            <a:off x="5034224" y="2449130"/>
+            <a:ext cx="492369" cy="3049760"/>
+          </a:xfrm>
+          <a:prstGeom prst="rect">
+            <a:avLst/>
+          </a:prstGeom>
+          <a:solidFill>
+            <a:schemeClr val="accent1">
+              <a:alpha val="48000"/>
+            </a:schemeClr>
+          </a:solidFill>
+          <a:ln>
+            <a:noFill/>
+          </a:ln>
+        </p:spPr>
+        <p:style>
+          <a:lnRef idx="2">
+            <a:schemeClr val="accent1">
+              <a:shade val="15000"/>
+            </a:schemeClr>
+          </a:lnRef>
+          <a:fillRef idx="1">
+            <a:schemeClr val="accent1"/>
+          </a:fillRef>
+          <a:effectRef idx="0">
+            <a:schemeClr val="accent1"/>
+          </a:effectRef>
+          <a:fontRef idx="minor">
+            <a:schemeClr val="lt1"/>
+          </a:fontRef>
+        </p:style>
+        <p:txBody>
+          <a:bodyPr rtlCol="0" anchor="ctr"/>
+          <a:lstStyle/>
+          <a:p>
+            <a:pPr algn="ctr"/>
+            <a:endParaRPr lang="en-US"/>
+          </a:p>
+        </p:txBody>
+      </p:sp>
+      <p:sp>
+        <p:nvSpPr>
+          <p:cNvPr id="11" name="TextBox 10">
+            <a:extLst>
+              <a:ext uri="{FF2B5EF4-FFF2-40B4-BE49-F238E27FC236}">
+                <a16:creationId xmlns:a16="http://schemas.microsoft.com/office/drawing/2014/main" id="{351E0770-15F7-86BF-F30A-217B07DD4D12}"/>
+              </a:ext>
+            </a:extLst>
+          </p:cNvPr>
+          <p:cNvSpPr txBox="1"/>
+          <p:nvPr/>
+        </p:nvSpPr>
+        <p:spPr>
+          <a:xfrm>
+            <a:off x="5034225" y="2471785"/>
+            <a:ext cx="492368" cy="184666"/>
+          </a:xfrm>
+          <a:prstGeom prst="rect">
+            <a:avLst/>
+          </a:prstGeom>
+          <a:noFill/>
+        </p:spPr>
+        <p:txBody>
+          <a:bodyPr wrap="square" rtlCol="0">
+            <a:spAutoFit/>
+          </a:bodyPr>
+          <a:lstStyle/>
+          <a:p>
+            <a:r>
+              <a:rPr lang="en-US" sz="600" dirty="0"/>
+              <a:t>Covid-19</a:t>
+            </a:r>
+          </a:p>
+        </p:txBody>
+      </p:sp>
+      <p:sp>
+        <p:nvSpPr>
+          <p:cNvPr id="13" name="Rectangle 12">
+            <a:extLst>
+              <a:ext uri="{FF2B5EF4-FFF2-40B4-BE49-F238E27FC236}">
+                <a16:creationId xmlns:a16="http://schemas.microsoft.com/office/drawing/2014/main" id="{5461F994-2E91-F639-4911-AD0A2140B9C5}"/>
+              </a:ext>
+            </a:extLst>
+          </p:cNvPr>
+          <p:cNvSpPr/>
+          <p:nvPr/>
+        </p:nvSpPr>
+        <p:spPr>
+          <a:xfrm>
+            <a:off x="11070589" y="2449130"/>
+            <a:ext cx="492369" cy="3049760"/>
+          </a:xfrm>
+          <a:prstGeom prst="rect">
+            <a:avLst/>
+          </a:prstGeom>
+          <a:solidFill>
+            <a:schemeClr val="accent1">
+              <a:alpha val="48000"/>
+            </a:schemeClr>
+          </a:solidFill>
+          <a:ln>
+            <a:noFill/>
+          </a:ln>
+        </p:spPr>
+        <p:style>
+          <a:lnRef idx="2">
+            <a:schemeClr val="accent1">
+              <a:shade val="15000"/>
+            </a:schemeClr>
+          </a:lnRef>
+          <a:fillRef idx="1">
+            <a:schemeClr val="accent1"/>
+          </a:fillRef>
+          <a:effectRef idx="0">
+            <a:schemeClr val="accent1"/>
+          </a:effectRef>
+          <a:fontRef idx="minor">
+            <a:schemeClr val="lt1"/>
+          </a:fontRef>
+        </p:style>
+        <p:txBody>
+          <a:bodyPr rtlCol="0" anchor="ctr"/>
+          <a:lstStyle/>
+          <a:p>
+            <a:pPr algn="ctr"/>
+            <a:endParaRPr lang="en-US"/>
+          </a:p>
+        </p:txBody>
+      </p:sp>
+      <p:sp>
+        <p:nvSpPr>
+          <p:cNvPr id="14" name="TextBox 13">
+            <a:extLst>
+              <a:ext uri="{FF2B5EF4-FFF2-40B4-BE49-F238E27FC236}">
+                <a16:creationId xmlns:a16="http://schemas.microsoft.com/office/drawing/2014/main" id="{350B6C01-B3F5-3D0A-D5DC-44A13EA649EC}"/>
+              </a:ext>
+            </a:extLst>
+          </p:cNvPr>
+          <p:cNvSpPr txBox="1"/>
+          <p:nvPr/>
+        </p:nvSpPr>
+        <p:spPr>
+          <a:xfrm>
+            <a:off x="11070588" y="2471784"/>
+            <a:ext cx="492370" cy="184665"/>
+          </a:xfrm>
+          <a:prstGeom prst="rect">
+            <a:avLst/>
+          </a:prstGeom>
+          <a:noFill/>
+        </p:spPr>
+        <p:txBody>
+          <a:bodyPr wrap="square" rtlCol="0">
+            <a:spAutoFit/>
+          </a:bodyPr>
+          <a:lstStyle/>
+          <a:p>
+            <a:r>
+              <a:rPr lang="en-US" sz="600" dirty="0"/>
+              <a:t>Covid-19</a:t>
+            </a:r>
+          </a:p>
+        </p:txBody>
+      </p:sp>
+      <p:sp>
+        <p:nvSpPr>
+          <p:cNvPr id="15" name="Rectangle 14">
+            <a:extLst>
+              <a:ext uri="{FF2B5EF4-FFF2-40B4-BE49-F238E27FC236}">
+                <a16:creationId xmlns:a16="http://schemas.microsoft.com/office/drawing/2014/main" id="{574E582A-FF98-2CAF-4310-0819CACD5BD0}"/>
+              </a:ext>
+            </a:extLst>
+          </p:cNvPr>
+          <p:cNvSpPr/>
+          <p:nvPr/>
+        </p:nvSpPr>
+        <p:spPr>
+          <a:xfrm>
+            <a:off x="494950" y="2348917"/>
+            <a:ext cx="142613" cy="102334"/>
+          </a:xfrm>
+          <a:prstGeom prst="rect">
+            <a:avLst/>
+          </a:prstGeom>
+          <a:solidFill>
+            <a:schemeClr val="bg1"/>
+          </a:solidFill>
+          <a:ln>
+            <a:noFill/>
+          </a:ln>
+        </p:spPr>
+        <p:style>
+          <a:lnRef idx="2">
+            <a:schemeClr val="accent1">
+              <a:shade val="15000"/>
+            </a:schemeClr>
+          </a:lnRef>
+          <a:fillRef idx="1">
+            <a:schemeClr val="accent1"/>
+          </a:fillRef>
+          <a:effectRef idx="0">
+            <a:schemeClr val="accent1"/>
+          </a:effectRef>
+          <a:fontRef idx="minor">
+            <a:schemeClr val="lt1"/>
+          </a:fontRef>
+        </p:style>
+        <p:txBody>
+          <a:bodyPr rtlCol="0" anchor="ctr"/>
+          <a:lstStyle/>
+          <a:p>
+            <a:pPr algn="ctr"/>
+            <a:endParaRPr lang="en-US"/>
+          </a:p>
+        </p:txBody>
+      </p:sp>
+    </p:spTree>
+    <p:extLst>
+      <p:ext uri="{BB962C8B-B14F-4D97-AF65-F5344CB8AC3E}">
+        <p14:creationId xmlns:p14="http://schemas.microsoft.com/office/powerpoint/2010/main" val="2171799538"/>
+      </p:ext>
+    </p:extLst>
+  </p:cSld>
+  <p:clrMapOvr>
+    <a:masterClrMapping/>
+  </p:clrMapOvr>
+</p:sld>
+</file>
+
+<file path=ppt/slides/slide4.xml><?xml version="1.0" encoding="utf-8"?>
+<p:sld xmlns:a="http://schemas.openxmlformats.org/drawingml/2006/main" xmlns:r="http://schemas.openxmlformats.org/officeDocument/2006/relationships" xmlns:p="http://schemas.openxmlformats.org/presentationml/2006/main">
+  <p:cSld>
+    <p:bg>
+      <p:bgPr>
+        <a:solidFill>
+          <a:schemeClr val="tx2">
+            <a:lumMod val="60000"/>
+            <a:lumOff val="40000"/>
+          </a:schemeClr>
+        </a:solidFill>
+        <a:effectLst/>
+      </p:bgPr>
+    </p:bg>
+    <p:spTree>
+      <p:nvGrpSpPr>
+        <p:cNvPr id="1" name=""/>
+        <p:cNvGrpSpPr/>
+        <p:nvPr/>
+      </p:nvGrpSpPr>
+      <p:grpSpPr>
+        <a:xfrm>
+          <a:off x="0" y="0"/>
+          <a:ext cx="0" cy="0"/>
+          <a:chOff x="0" y="0"/>
+          <a:chExt cx="0" cy="0"/>
+        </a:xfrm>
+      </p:grpSpPr>
+      <p:sp>
+        <p:nvSpPr>
+          <p:cNvPr id="5" name="Title 1">
+            <a:extLst>
+              <a:ext uri="{FF2B5EF4-FFF2-40B4-BE49-F238E27FC236}">
+                <a16:creationId xmlns:a16="http://schemas.microsoft.com/office/drawing/2014/main" id="{A411EA8E-E436-6EF4-F7AF-F1C2EDFE4F1C}"/>
+              </a:ext>
+            </a:extLst>
+          </p:cNvPr>
+          <p:cNvSpPr>
+            <a:spLocks noGrp="1"/>
+          </p:cNvSpPr>
+          <p:nvPr>
+            <p:ph type="title"/>
+          </p:nvPr>
+        </p:nvSpPr>
+        <p:spPr>
+          <a:xfrm>
+            <a:off x="2231136" y="219257"/>
+            <a:ext cx="7729728" cy="1188720"/>
+          </a:xfrm>
+        </p:spPr>
+        <p:txBody>
+          <a:bodyPr/>
+          <a:lstStyle/>
+          <a:p>
+            <a:r>
+              <a:rPr lang="en-US" dirty="0"/>
+              <a:t>Air Traffic Incidents by the numbers</a:t>
+            </a:r>
+          </a:p>
+        </p:txBody>
+      </p:sp>
+      <p:pic>
+        <p:nvPicPr>
+          <p:cNvPr id="3" name="Picture 2">
+            <a:extLst>
+              <a:ext uri="{FF2B5EF4-FFF2-40B4-BE49-F238E27FC236}">
+                <a16:creationId xmlns:a16="http://schemas.microsoft.com/office/drawing/2014/main" id="{8BBE4423-648D-71B9-D5A9-7A545378E3E2}"/>
+              </a:ext>
+            </a:extLst>
+          </p:cNvPr>
+          <p:cNvPicPr>
+            <a:picLocks noChangeAspect="1"/>
+          </p:cNvPicPr>
+          <p:nvPr/>
+        </p:nvPicPr>
+        <p:blipFill>
+          <a:blip r:embed="rId2"/>
+          <a:srcRect/>
+          <a:stretch/>
+        </p:blipFill>
+        <p:spPr>
+          <a:xfrm>
+            <a:off x="284854" y="2643296"/>
+            <a:ext cx="5423588" cy="3908797"/>
+          </a:xfrm>
+          <a:prstGeom prst="rect">
+            <a:avLst/>
+          </a:prstGeom>
+          <a:ln>
+            <a:solidFill>
+              <a:schemeClr val="tx1">
+                <a:lumMod val="75000"/>
+                <a:lumOff val="25000"/>
+              </a:schemeClr>
+            </a:solidFill>
+          </a:ln>
+        </p:spPr>
+      </p:pic>
+      <p:sp>
+        <p:nvSpPr>
+          <p:cNvPr id="8" name="TextBox 7">
+            <a:extLst>
+              <a:ext uri="{FF2B5EF4-FFF2-40B4-BE49-F238E27FC236}">
+                <a16:creationId xmlns:a16="http://schemas.microsoft.com/office/drawing/2014/main" id="{D9226DFB-545D-5205-C75D-69336778DF29}"/>
+              </a:ext>
+            </a:extLst>
+          </p:cNvPr>
+          <p:cNvSpPr txBox="1"/>
+          <p:nvPr/>
+        </p:nvSpPr>
+        <p:spPr>
+          <a:xfrm>
+            <a:off x="311499" y="1559617"/>
+            <a:ext cx="3196516" cy="830997"/>
+          </a:xfrm>
+          <a:prstGeom prst="rect">
+            <a:avLst/>
+          </a:prstGeom>
+          <a:noFill/>
+        </p:spPr>
+        <p:txBody>
+          <a:bodyPr wrap="none" rtlCol="0">
+            <a:spAutoFit/>
+          </a:bodyPr>
+          <a:lstStyle/>
+          <a:p>
+            <a:pPr marL="285750" indent="-285750">
+              <a:buFont typeface="Arial" panose="020B0604020202020204" pitchFamily="34" charset="0"/>
+              <a:buChar char="•"/>
+            </a:pPr>
+            <a:r>
+              <a:rPr lang="en-US" sz="1600" dirty="0"/>
+              <a:t>73.6% of incidents were not fatal</a:t>
+            </a:r>
+          </a:p>
+          <a:p>
+            <a:pPr marL="285750" indent="-285750">
+              <a:buFont typeface="Arial" panose="020B0604020202020204" pitchFamily="34" charset="0"/>
+              <a:buChar char="•"/>
+            </a:pPr>
+            <a:endParaRPr lang="en-US" sz="1600" dirty="0"/>
+          </a:p>
+          <a:p>
+            <a:pPr marL="285750" indent="-285750">
+              <a:buFont typeface="Arial" panose="020B0604020202020204" pitchFamily="34" charset="0"/>
+              <a:buChar char="•"/>
+            </a:pPr>
+            <a:r>
+              <a:rPr lang="en-US" sz="1600" dirty="0"/>
+              <a:t>26.4% were fatal</a:t>
+            </a:r>
+          </a:p>
+        </p:txBody>
+      </p:sp>
+      <p:pic>
+        <p:nvPicPr>
+          <p:cNvPr id="16" name="Content Placeholder 4" descr="A graph showing the number of reports&#10;&#10;Description automatically generated with medium confidence">
+            <a:extLst>
+              <a:ext uri="{FF2B5EF4-FFF2-40B4-BE49-F238E27FC236}">
+                <a16:creationId xmlns:a16="http://schemas.microsoft.com/office/drawing/2014/main" id="{42ACAF6E-E06A-1732-13C5-849CC9C090B0}"/>
+              </a:ext>
+            </a:extLst>
+          </p:cNvPr>
+          <p:cNvPicPr>
+            <a:picLocks noGrp="1" noChangeAspect="1"/>
+          </p:cNvPicPr>
+          <p:nvPr>
+            <p:ph idx="1"/>
+          </p:nvPr>
+        </p:nvPicPr>
+        <p:blipFill>
+          <a:blip r:embed="rId3"/>
+          <a:stretch>
+            <a:fillRect/>
+          </a:stretch>
+        </p:blipFill>
+        <p:spPr>
+          <a:xfrm>
+            <a:off x="5849134" y="2643296"/>
+            <a:ext cx="6111638" cy="3908796"/>
+          </a:xfrm>
+          <a:ln>
+            <a:solidFill>
+              <a:schemeClr val="tx1">
+                <a:lumMod val="75000"/>
+                <a:lumOff val="25000"/>
+              </a:schemeClr>
+            </a:solidFill>
+          </a:ln>
+        </p:spPr>
+      </p:pic>
+      <p:sp>
+        <p:nvSpPr>
+          <p:cNvPr id="17" name="TextBox 16">
+            <a:extLst>
+              <a:ext uri="{FF2B5EF4-FFF2-40B4-BE49-F238E27FC236}">
+                <a16:creationId xmlns:a16="http://schemas.microsoft.com/office/drawing/2014/main" id="{502D896D-3B85-7727-CF60-FD35BF063F01}"/>
+              </a:ext>
+            </a:extLst>
+          </p:cNvPr>
+          <p:cNvSpPr txBox="1"/>
+          <p:nvPr/>
+        </p:nvSpPr>
+        <p:spPr>
+          <a:xfrm>
+            <a:off x="6035380" y="1610138"/>
+            <a:ext cx="4854214" cy="830997"/>
+          </a:xfrm>
+          <a:prstGeom prst="rect">
+            <a:avLst/>
+          </a:prstGeom>
+          <a:noFill/>
+        </p:spPr>
+        <p:txBody>
+          <a:bodyPr wrap="none" rtlCol="0">
+            <a:spAutoFit/>
+          </a:bodyPr>
+          <a:lstStyle/>
+          <a:p>
+            <a:pPr marL="285750" indent="-285750">
+              <a:buFont typeface="Arial" panose="020B0604020202020204" pitchFamily="34" charset="0"/>
+              <a:buChar char="•"/>
+            </a:pPr>
+            <a:r>
+              <a:rPr lang="en-US" sz="1600" dirty="0"/>
+              <a:t>Most incidents occur during flight and landing phases</a:t>
+            </a:r>
+          </a:p>
+          <a:p>
+            <a:pPr marL="285750" indent="-285750">
+              <a:buFont typeface="Arial" panose="020B0604020202020204" pitchFamily="34" charset="0"/>
+              <a:buChar char="•"/>
+            </a:pPr>
+            <a:endParaRPr lang="en-US" sz="1600" dirty="0"/>
+          </a:p>
+          <a:p>
+            <a:endParaRPr lang="en-US" sz="1600" dirty="0"/>
+          </a:p>
+        </p:txBody>
+      </p:sp>
+    </p:spTree>
+    <p:extLst>
+      <p:ext uri="{BB962C8B-B14F-4D97-AF65-F5344CB8AC3E}">
+        <p14:creationId xmlns:p14="http://schemas.microsoft.com/office/powerpoint/2010/main" val="3360794888"/>
+      </p:ext>
+    </p:extLst>
+  </p:cSld>
+  <p:clrMapOvr>
+    <a:masterClrMapping/>
+  </p:clrMapOvr>
+</p:sld>
+</file>
+
+<file path=ppt/slides/slide5.xml><?xml version="1.0" encoding="utf-8"?>
+<p:sld xmlns:a="http://schemas.openxmlformats.org/drawingml/2006/main" xmlns:r="http://schemas.openxmlformats.org/officeDocument/2006/relationships" xmlns:p="http://schemas.openxmlformats.org/presentationml/2006/main">
+  <p:cSld>
+    <p:bg>
+      <p:bgPr>
+        <a:solidFill>
+          <a:schemeClr val="tx2">
+            <a:lumMod val="60000"/>
+            <a:lumOff val="40000"/>
+          </a:schemeClr>
+        </a:solidFill>
+        <a:effectLst/>
+      </p:bgPr>
+    </p:bg>
+    <p:spTree>
+      <p:nvGrpSpPr>
+        <p:cNvPr id="1" name=""/>
+        <p:cNvGrpSpPr/>
+        <p:nvPr/>
+      </p:nvGrpSpPr>
+      <p:grpSpPr>
+        <a:xfrm>
+          <a:off x="0" y="0"/>
+          <a:ext cx="0" cy="0"/>
+          <a:chOff x="0" y="0"/>
+          <a:chExt cx="0" cy="0"/>
+        </a:xfrm>
+      </p:grpSpPr>
+      <p:sp>
+        <p:nvSpPr>
+          <p:cNvPr id="5" name="Title 1">
+            <a:extLst>
+              <a:ext uri="{FF2B5EF4-FFF2-40B4-BE49-F238E27FC236}">
+                <a16:creationId xmlns:a16="http://schemas.microsoft.com/office/drawing/2014/main" id="{A411EA8E-E436-6EF4-F7AF-F1C2EDFE4F1C}"/>
+              </a:ext>
+            </a:extLst>
+          </p:cNvPr>
+          <p:cNvSpPr>
+            <a:spLocks noGrp="1"/>
+          </p:cNvSpPr>
+          <p:nvPr>
+            <p:ph type="title"/>
+          </p:nvPr>
+        </p:nvSpPr>
+        <p:spPr>
+          <a:xfrm>
+            <a:off x="2231136" y="219257"/>
+            <a:ext cx="7729728" cy="1188720"/>
+          </a:xfrm>
+        </p:spPr>
+        <p:txBody>
+          <a:bodyPr/>
+          <a:lstStyle/>
+          <a:p>
+            <a:r>
+              <a:rPr lang="en-US" dirty="0"/>
+              <a:t>Air Traffic Incidents by the numbers</a:t>
+            </a:r>
+          </a:p>
+        </p:txBody>
+      </p:sp>
+      <p:pic>
+        <p:nvPicPr>
+          <p:cNvPr id="6" name="Picture 5">
+            <a:extLst>
+              <a:ext uri="{FF2B5EF4-FFF2-40B4-BE49-F238E27FC236}">
+                <a16:creationId xmlns:a16="http://schemas.microsoft.com/office/drawing/2014/main" id="{F2D4F53A-0B0C-5C18-8B49-AF082EF04811}"/>
+              </a:ext>
+            </a:extLst>
+          </p:cNvPr>
+          <p:cNvPicPr>
+            <a:picLocks noChangeAspect="1"/>
+          </p:cNvPicPr>
+          <p:nvPr/>
+        </p:nvPicPr>
+        <p:blipFill>
+          <a:blip r:embed="rId2"/>
+          <a:srcRect/>
+          <a:stretch/>
+        </p:blipFill>
+        <p:spPr>
+          <a:xfrm>
+            <a:off x="160428" y="2643296"/>
+            <a:ext cx="5360029" cy="3908796"/>
+          </a:xfrm>
+          <a:prstGeom prst="rect">
+            <a:avLst/>
+          </a:prstGeom>
+          <a:ln>
+            <a:solidFill>
+              <a:schemeClr val="tx1">
+                <a:lumMod val="75000"/>
+                <a:lumOff val="25000"/>
+              </a:schemeClr>
+            </a:solidFill>
+          </a:ln>
+        </p:spPr>
+      </p:pic>
+      <p:sp>
+        <p:nvSpPr>
+          <p:cNvPr id="10" name="TextBox 9">
+            <a:extLst>
+              <a:ext uri="{FF2B5EF4-FFF2-40B4-BE49-F238E27FC236}">
+                <a16:creationId xmlns:a16="http://schemas.microsoft.com/office/drawing/2014/main" id="{778D88D2-E9C9-6831-4504-66AD8635A2D1}"/>
+              </a:ext>
+            </a:extLst>
+          </p:cNvPr>
+          <p:cNvSpPr txBox="1"/>
+          <p:nvPr/>
+        </p:nvSpPr>
+        <p:spPr>
+          <a:xfrm>
+            <a:off x="440146" y="1610138"/>
+            <a:ext cx="3679597" cy="830997"/>
+          </a:xfrm>
+          <a:prstGeom prst="rect">
+            <a:avLst/>
+          </a:prstGeom>
+          <a:noFill/>
+        </p:spPr>
+        <p:txBody>
+          <a:bodyPr wrap="none" rtlCol="0">
+            <a:spAutoFit/>
+          </a:bodyPr>
+          <a:lstStyle/>
+          <a:p>
+            <a:pPr marL="285750" indent="-285750">
+              <a:buFont typeface="Arial" panose="020B0604020202020204" pitchFamily="34" charset="0"/>
+              <a:buChar char="•"/>
+            </a:pPr>
+            <a:r>
+              <a:rPr lang="en-US" sz="1600" dirty="0"/>
+              <a:t>67% of fatal incidents had no survivors</a:t>
+            </a:r>
+          </a:p>
+          <a:p>
+            <a:pPr marL="285750" indent="-285750">
+              <a:buFont typeface="Arial" panose="020B0604020202020204" pitchFamily="34" charset="0"/>
+              <a:buChar char="•"/>
+            </a:pPr>
+            <a:endParaRPr lang="en-US" sz="1600" dirty="0"/>
+          </a:p>
+          <a:p>
+            <a:pPr marL="285750" indent="-285750">
+              <a:buFont typeface="Arial" panose="020B0604020202020204" pitchFamily="34" charset="0"/>
+              <a:buChar char="•"/>
+            </a:pPr>
+            <a:r>
+              <a:rPr lang="en-US" sz="1600" dirty="0"/>
+              <a:t>33% had some</a:t>
+            </a:r>
+          </a:p>
+        </p:txBody>
+      </p:sp>
+      <p:pic>
+        <p:nvPicPr>
+          <p:cNvPr id="2" name="Picture 1">
+            <a:extLst>
+              <a:ext uri="{FF2B5EF4-FFF2-40B4-BE49-F238E27FC236}">
+                <a16:creationId xmlns:a16="http://schemas.microsoft.com/office/drawing/2014/main" id="{68CFAA59-1B6C-AA85-FE6C-7074B09F52B0}"/>
+              </a:ext>
+            </a:extLst>
+          </p:cNvPr>
+          <p:cNvPicPr>
+            <a:picLocks noChangeAspect="1"/>
+          </p:cNvPicPr>
+          <p:nvPr/>
+        </p:nvPicPr>
+        <p:blipFill>
+          <a:blip r:embed="rId3"/>
+          <a:srcRect/>
+          <a:stretch/>
+        </p:blipFill>
+        <p:spPr>
+          <a:xfrm>
+            <a:off x="5715550" y="2643296"/>
+            <a:ext cx="6316022" cy="3908796"/>
+          </a:xfrm>
+          <a:prstGeom prst="rect">
+            <a:avLst/>
+          </a:prstGeom>
+          <a:ln>
+            <a:solidFill>
+              <a:schemeClr val="tx1">
+                <a:lumMod val="75000"/>
+                <a:lumOff val="25000"/>
+              </a:schemeClr>
+            </a:solidFill>
+          </a:ln>
+        </p:spPr>
+      </p:pic>
+      <p:sp>
+        <p:nvSpPr>
+          <p:cNvPr id="3" name="TextBox 2">
+            <a:extLst>
+              <a:ext uri="{FF2B5EF4-FFF2-40B4-BE49-F238E27FC236}">
+                <a16:creationId xmlns:a16="http://schemas.microsoft.com/office/drawing/2014/main" id="{08CD4B23-639D-C83B-91CA-19DEF8B93072}"/>
+              </a:ext>
+            </a:extLst>
+          </p:cNvPr>
+          <p:cNvSpPr txBox="1"/>
+          <p:nvPr/>
+        </p:nvSpPr>
+        <p:spPr>
+          <a:xfrm>
+            <a:off x="6035380" y="1610138"/>
+            <a:ext cx="4279761" cy="830997"/>
+          </a:xfrm>
+          <a:prstGeom prst="rect">
+            <a:avLst/>
+          </a:prstGeom>
+          <a:noFill/>
+        </p:spPr>
+        <p:txBody>
+          <a:bodyPr wrap="none" rtlCol="0">
+            <a:spAutoFit/>
+          </a:bodyPr>
+          <a:lstStyle/>
+          <a:p>
+            <a:pPr marL="285750" indent="-285750">
+              <a:buFont typeface="Arial" panose="020B0604020202020204" pitchFamily="34" charset="0"/>
+              <a:buChar char="•"/>
+            </a:pPr>
+            <a:r>
+              <a:rPr lang="en-US" sz="1600" dirty="0"/>
+              <a:t>Most incidents were categorized as accidental</a:t>
+            </a:r>
+          </a:p>
+          <a:p>
+            <a:pPr marL="285750" indent="-285750">
+              <a:buFont typeface="Arial" panose="020B0604020202020204" pitchFamily="34" charset="0"/>
+              <a:buChar char="•"/>
+            </a:pPr>
+            <a:endParaRPr lang="en-US" sz="1600" dirty="0"/>
+          </a:p>
+          <a:p>
+            <a:endParaRPr lang="en-US" sz="1600" dirty="0"/>
+          </a:p>
+        </p:txBody>
+      </p:sp>
+    </p:spTree>
+    <p:extLst>
+      <p:ext uri="{BB962C8B-B14F-4D97-AF65-F5344CB8AC3E}">
+        <p14:creationId xmlns:p14="http://schemas.microsoft.com/office/powerpoint/2010/main" val="4221530064"/>
+      </p:ext>
+    </p:extLst>
+  </p:cSld>
+  <p:clrMapOvr>
+    <a:masterClrMapping/>
+  </p:clrMapOvr>
+</p:sld>
+</file>
+
+<file path=ppt/slides/slide6.xml><?xml version="1.0" encoding="utf-8"?>
+<p:sld xmlns:a="http://schemas.openxmlformats.org/drawingml/2006/main" xmlns:r="http://schemas.openxmlformats.org/officeDocument/2006/relationships" xmlns:p="http://schemas.openxmlformats.org/presentationml/2006/main">
+  <p:cSld>
+    <p:bg>
+      <p:bgPr>
+        <a:solidFill>
+          <a:schemeClr val="tx2">
+            <a:lumMod val="60000"/>
+            <a:lumOff val="40000"/>
+          </a:schemeClr>
+        </a:solidFill>
+        <a:effectLst/>
+      </p:bgPr>
+    </p:bg>
+    <p:spTree>
+      <p:nvGrpSpPr>
+        <p:cNvPr id="1" name=""/>
+        <p:cNvGrpSpPr/>
+        <p:nvPr/>
+      </p:nvGrpSpPr>
+      <p:grpSpPr>
+        <a:xfrm>
+          <a:off x="0" y="0"/>
+          <a:ext cx="0" cy="0"/>
+          <a:chOff x="0" y="0"/>
+          <a:chExt cx="0" cy="0"/>
+        </a:xfrm>
+      </p:grpSpPr>
+      <p:sp useBgFill="1">
+        <p:nvSpPr>
+          <p:cNvPr id="9" name="Rectangle 8">
+            <a:extLst>
+              <a:ext uri="{FF2B5EF4-FFF2-40B4-BE49-F238E27FC236}">
+                <a16:creationId xmlns:a16="http://schemas.microsoft.com/office/drawing/2014/main" id="{93F0ADB5-A0B4-4B01-A8C4-FDC34CE22BD4}"/>
+              </a:ext>
+              <a:ext uri="{C183D7F6-B498-43B3-948B-1728B52AA6E4}">
+                <adec:decorative xmlns:adec="http://schemas.microsoft.com/office/drawing/2017/decorative" val="1"/>
+              </a:ext>
+            </a:extLst>
+          </p:cNvPr>
+          <p:cNvSpPr>
+            <a:spLocks noGrp="1" noRot="1" noChangeAspect="1" noMove="1" noResize="1" noEditPoints="1" noAdjustHandles="1" noChangeArrowheads="1" noChangeShapeType="1" noTextEdit="1"/>
+          </p:cNvSpPr>
+          <p:nvPr>
+            <p:extLst>
+              <p:ext uri="{386F3935-93C4-4BCD-93E2-E3B085C9AB24}">
+                <p16:designElem xmlns:p16="http://schemas.microsoft.com/office/powerpoint/2015/main" val="1"/>
+              </p:ext>
+            </p:extLst>
+          </p:nvPr>
+        </p:nvSpPr>
+        <p:spPr>
+          <a:xfrm>
+            <a:off x="0" y="0"/>
+            <a:ext cx="12191999" cy="6858000"/>
+          </a:xfrm>
+          <a:prstGeom prst="rect">
+            <a:avLst/>
+          </a:prstGeom>
+          <a:ln>
+            <a:noFill/>
+          </a:ln>
+        </p:spPr>
+        <p:style>
+          <a:lnRef idx="2">
+            <a:schemeClr val="accent1">
+              <a:shade val="50000"/>
+            </a:schemeClr>
+          </a:lnRef>
+          <a:fillRef idx="1">
+            <a:schemeClr val="accent1"/>
+          </a:fillRef>
+          <a:effectRef idx="0">
+            <a:schemeClr val="accent1"/>
+          </a:effectRef>
+          <a:fontRef idx="minor">
+            <a:schemeClr val="lt1"/>
+          </a:fontRef>
+        </p:style>
+        <p:txBody>
+          <a:bodyPr rtlCol="0" anchor="ctr"/>
+          <a:lstStyle/>
+          <a:p>
+            <a:pPr algn="ctr"/>
+            <a:endParaRPr lang="en-US"/>
+          </a:p>
+        </p:txBody>
+      </p:sp>
+      <p:sp>
+        <p:nvSpPr>
+          <p:cNvPr id="11" name="Rectangle 10">
+            <a:extLst>
+              <a:ext uri="{FF2B5EF4-FFF2-40B4-BE49-F238E27FC236}">
+                <a16:creationId xmlns:a16="http://schemas.microsoft.com/office/drawing/2014/main" id="{AA6D0FDE-0241-4C21-A720-A69475358235}"/>
+              </a:ext>
+              <a:ext uri="{C183D7F6-B498-43B3-948B-1728B52AA6E4}">
+                <adec:decorative xmlns:adec="http://schemas.microsoft.com/office/drawing/2017/decorative" val="1"/>
+              </a:ext>
+            </a:extLst>
+          </p:cNvPr>
+          <p:cNvSpPr>
+            <a:spLocks noGrp="1" noRot="1" noChangeAspect="1" noMove="1" noResize="1" noEditPoints="1" noAdjustHandles="1" noChangeArrowheads="1" noChangeShapeType="1" noTextEdit="1"/>
+          </p:cNvSpPr>
+          <p:nvPr>
+            <p:extLst>
+              <p:ext uri="{386F3935-93C4-4BCD-93E2-E3B085C9AB24}">
+                <p16:designElem xmlns:p16="http://schemas.microsoft.com/office/powerpoint/2015/main" val="1"/>
+              </p:ext>
+            </p:extLst>
+          </p:nvPr>
+        </p:nvSpPr>
+        <p:spPr>
+          <a:xfrm>
+            <a:off x="0" y="0"/>
+            <a:ext cx="4654296" cy="6858000"/>
+          </a:xfrm>
+          <a:prstGeom prst="rect">
+            <a:avLst/>
+          </a:prstGeom>
+          <a:solidFill>
+            <a:schemeClr val="tx2"/>
+          </a:solidFill>
+          <a:ln>
+            <a:noFill/>
+          </a:ln>
+        </p:spPr>
+        <p:style>
+          <a:lnRef idx="0">
+            <a:scrgbClr r="0" g="0" b="0"/>
+          </a:lnRef>
+          <a:fillRef idx="0">
+            <a:scrgbClr r="0" g="0" b="0"/>
+          </a:fillRef>
+          <a:effectRef idx="0">
+            <a:scrgbClr r="0" g="0" b="0"/>
+          </a:effectRef>
+          <a:fontRef idx="minor">
+            <a:schemeClr val="lt1"/>
+          </a:fontRef>
+        </p:style>
+        <p:txBody>
+          <a:bodyPr rtlCol="0" anchor="ctr"/>
+          <a:lstStyle/>
+          <a:p>
+            <a:pPr algn="ctr"/>
+            <a:endParaRPr lang="en-US"/>
+          </a:p>
+        </p:txBody>
+      </p:sp>
+      <p:sp>
+        <p:nvSpPr>
+          <p:cNvPr id="2" name="Title 1">
+            <a:extLst>
+              <a:ext uri="{FF2B5EF4-FFF2-40B4-BE49-F238E27FC236}">
+                <a16:creationId xmlns:a16="http://schemas.microsoft.com/office/drawing/2014/main" id="{5E88D82B-178D-8C90-1617-7330CD784C1C}"/>
+              </a:ext>
+            </a:extLst>
+          </p:cNvPr>
+          <p:cNvSpPr>
+            <a:spLocks noGrp="1"/>
+          </p:cNvSpPr>
+          <p:nvPr>
+            <p:ph type="title"/>
+          </p:nvPr>
+        </p:nvSpPr>
+        <p:spPr>
+          <a:xfrm>
+            <a:off x="643467" y="2681103"/>
+            <a:ext cx="3363974" cy="1495794"/>
+          </a:xfrm>
+          <a:noFill/>
+          <a:ln>
+            <a:solidFill>
+              <a:schemeClr val="bg1"/>
+            </a:solidFill>
+          </a:ln>
+        </p:spPr>
+        <p:txBody>
+          <a:bodyPr wrap="square">
+            <a:normAutofit/>
+          </a:bodyPr>
+          <a:lstStyle/>
+          <a:p>
+            <a:r>
+              <a:rPr lang="en-US" dirty="0">
+                <a:solidFill>
+                  <a:schemeClr val="bg1"/>
+                </a:solidFill>
+              </a:rPr>
+              <a:t>Hypotheses</a:t>
+            </a:r>
+          </a:p>
+        </p:txBody>
+      </p:sp>
+      <p:graphicFrame>
+        <p:nvGraphicFramePr>
+          <p:cNvPr id="5" name="Content Placeholder 2">
+            <a:extLst>
+              <a:ext uri="{FF2B5EF4-FFF2-40B4-BE49-F238E27FC236}">
+                <a16:creationId xmlns:a16="http://schemas.microsoft.com/office/drawing/2014/main" id="{0C2BC0B7-E9C7-201C-DD9B-BB16049EBF35}"/>
+              </a:ext>
+            </a:extLst>
+          </p:cNvPr>
+          <p:cNvGraphicFramePr>
+            <a:graphicFrameLocks noGrp="1"/>
+          </p:cNvGraphicFramePr>
+          <p:nvPr>
+            <p:ph idx="1"/>
+            <p:extLst>
+              <p:ext uri="{D42A27DB-BD31-4B8C-83A1-F6EECF244321}">
+                <p14:modId xmlns:p14="http://schemas.microsoft.com/office/powerpoint/2010/main" val="3319957364"/>
+              </p:ext>
+            </p:extLst>
+          </p:nvPr>
+        </p:nvGraphicFramePr>
+        <p:xfrm>
+          <a:off x="5619750" y="965200"/>
+          <a:ext cx="5607050" cy="4927600"/>
+        </p:xfrm>
+        <a:graphic>
+          <a:graphicData uri="http://schemas.openxmlformats.org/drawingml/2006/diagram">
+            <dgm:relIds xmlns:dgm="http://schemas.openxmlformats.org/drawingml/2006/diagram" xmlns:r="http://schemas.openxmlformats.org/officeDocument/2006/relationships" r:dm="rId3" r:lo="rId4" r:qs="rId5" r:cs="rId6"/>
+          </a:graphicData>
+        </a:graphic>
+      </p:graphicFrame>
+    </p:spTree>
+    <p:extLst>
+      <p:ext uri="{BB962C8B-B14F-4D97-AF65-F5344CB8AC3E}">
+        <p14:creationId xmlns:p14="http://schemas.microsoft.com/office/powerpoint/2010/main" val="1116583737"/>
+      </p:ext>
+    </p:extLst>
+  </p:cSld>
+  <p:clrMapOvr>
+    <a:masterClrMapping/>
+  </p:clrMapOvr>
+</p:sld>
+</file>
+
+<file path=ppt/slides/slide7.xml><?xml version="1.0" encoding="utf-8"?>
+<p:sld xmlns:a="http://schemas.openxmlformats.org/drawingml/2006/main" xmlns:r="http://schemas.openxmlformats.org/officeDocument/2006/relationships" xmlns:p="http://schemas.openxmlformats.org/presentationml/2006/main">
+  <p:cSld>
+    <p:bg>
+      <p:bgPr>
+        <a:solidFill>
+          <a:schemeClr val="tx2">
+            <a:lumMod val="60000"/>
+            <a:lumOff val="40000"/>
+          </a:schemeClr>
+        </a:solidFill>
+        <a:effectLst/>
+      </p:bgPr>
+    </p:bg>
+    <p:spTree>
+      <p:nvGrpSpPr>
+        <p:cNvPr id="1" name=""/>
+        <p:cNvGrpSpPr/>
+        <p:nvPr/>
+      </p:nvGrpSpPr>
+      <p:grpSpPr>
+        <a:xfrm>
+          <a:off x="0" y="0"/>
+          <a:ext cx="0" cy="0"/>
+          <a:chOff x="0" y="0"/>
+          <a:chExt cx="0" cy="0"/>
+        </a:xfrm>
+      </p:grpSpPr>
       <p:sp>
         <p:nvSpPr>
           <p:cNvPr id="3" name="Title 1">
@@ -11657,7 +11312,7 @@
         </p:nvSpPr>
         <p:spPr>
           <a:xfrm>
-            <a:off x="253402" y="877624"/>
+            <a:off x="144345" y="690901"/>
             <a:ext cx="4852494" cy="1139885"/>
           </a:xfrm>
         </p:spPr>
@@ -11667,7 +11322,7 @@
           <a:p>
             <a:r>
               <a:rPr lang="en-US" dirty="0"/>
-              <a:t>Hypothesis revisited</a:t>
+              <a:t>Hypotheses revisited</a:t>
             </a:r>
           </a:p>
         </p:txBody>
@@ -11684,13 +11339,7 @@
           <p:cNvGraphicFramePr>
             <a:graphicFrameLocks/>
           </p:cNvGraphicFramePr>
-          <p:nvPr>
-            <p:extLst>
-              <p:ext uri="{D42A27DB-BD31-4B8C-83A1-F6EECF244321}">
-                <p14:modId xmlns:p14="http://schemas.microsoft.com/office/powerpoint/2010/main" val="2809365878"/>
-              </p:ext>
-            </p:extLst>
-          </p:nvPr>
+          <p:nvPr/>
         </p:nvGraphicFramePr>
         <p:xfrm>
           <a:off x="808195" y="2751152"/>
@@ -11698,7 +11347,7 @@
         </p:xfrm>
         <a:graphic>
           <a:graphicData uri="http://schemas.openxmlformats.org/drawingml/2006/diagram">
-            <dgm:relIds xmlns:dgm="http://schemas.openxmlformats.org/drawingml/2006/diagram" xmlns:r="http://schemas.openxmlformats.org/officeDocument/2006/relationships" r:dm="rId4" r:lo="rId5" r:qs="rId6" r:cs="rId7"/>
+            <dgm:relIds xmlns:dgm="http://schemas.openxmlformats.org/drawingml/2006/diagram" xmlns:r="http://schemas.openxmlformats.org/officeDocument/2006/relationships" r:dm="rId3" r:lo="rId4" r:qs="rId5" r:cs="rId6"/>
           </a:graphicData>
         </a:graphic>
       </p:graphicFrame>
@@ -11717,10 +11366,10 @@
           <p:nvPr/>
         </p:nvPicPr>
         <p:blipFill>
-          <a:blip r:embed="rId9">
+          <a:blip r:embed="rId8">
             <a:extLst>
               <a:ext uri="{96DAC541-7B7A-43D3-8B79-37D633B846F1}">
-                <asvg:svgBlip xmlns:asvg="http://schemas.microsoft.com/office/drawing/2016/SVG/main" r:embed="rId10"/>
+                <asvg:svgBlip xmlns:asvg="http://schemas.microsoft.com/office/drawing/2016/SVG/main" r:embed="rId9"/>
               </a:ext>
             </a:extLst>
           </a:blip>
@@ -11881,283 +11530,6 @@
           </a:p>
         </p:txBody>
       </p:sp>
-    </p:spTree>
-    <p:extLst>
-      <p:ext uri="{BB962C8B-B14F-4D97-AF65-F5344CB8AC3E}">
-        <p14:creationId xmlns:p14="http://schemas.microsoft.com/office/powerpoint/2010/main" val="324262838"/>
-      </p:ext>
-    </p:extLst>
-  </p:cSld>
-  <p:clrMapOvr>
-    <a:masterClrMapping/>
-  </p:clrMapOvr>
-</p:sld>
-</file>
-
-<file path=ppt/slides/slide11.xml><?xml version="1.0" encoding="utf-8"?>
-<p:sld xmlns:a="http://schemas.openxmlformats.org/drawingml/2006/main" xmlns:r="http://schemas.openxmlformats.org/officeDocument/2006/relationships" xmlns:p="http://schemas.openxmlformats.org/presentationml/2006/main">
-  <p:cSld>
-    <p:bg>
-      <p:bgPr>
-        <a:solidFill>
-          <a:schemeClr val="tx2">
-            <a:lumMod val="60000"/>
-            <a:lumOff val="40000"/>
-          </a:schemeClr>
-        </a:solidFill>
-        <a:effectLst/>
-      </p:bgPr>
-    </p:bg>
-    <p:spTree>
-      <p:nvGrpSpPr>
-        <p:cNvPr id="1" name=""/>
-        <p:cNvGrpSpPr/>
-        <p:nvPr/>
-      </p:nvGrpSpPr>
-      <p:grpSpPr>
-        <a:xfrm>
-          <a:off x="0" y="0"/>
-          <a:ext cx="0" cy="0"/>
-          <a:chOff x="0" y="0"/>
-          <a:chExt cx="0" cy="0"/>
-        </a:xfrm>
-      </p:grpSpPr>
-      <p:sp>
-        <p:nvSpPr>
-          <p:cNvPr id="3" name="Title 1">
-            <a:extLst>
-              <a:ext uri="{FF2B5EF4-FFF2-40B4-BE49-F238E27FC236}">
-                <a16:creationId xmlns:a16="http://schemas.microsoft.com/office/drawing/2014/main" id="{2D38F89D-3B34-5431-28A8-60F2AA9D762C}"/>
-              </a:ext>
-            </a:extLst>
-          </p:cNvPr>
-          <p:cNvSpPr>
-            <a:spLocks noGrp="1"/>
-          </p:cNvSpPr>
-          <p:nvPr>
-            <p:ph type="title"/>
-          </p:nvPr>
-        </p:nvSpPr>
-        <p:spPr>
-          <a:xfrm>
-            <a:off x="144345" y="690901"/>
-            <a:ext cx="4852494" cy="1139885"/>
-          </a:xfrm>
-        </p:spPr>
-        <p:txBody>
-          <a:bodyPr/>
-          <a:lstStyle/>
-          <a:p>
-            <a:r>
-              <a:rPr lang="en-US" dirty="0"/>
-              <a:t>Hypotheses revisited</a:t>
-            </a:r>
-          </a:p>
-        </p:txBody>
-      </p:sp>
-      <p:graphicFrame>
-        <p:nvGraphicFramePr>
-          <p:cNvPr id="4" name="Content Placeholder 2">
-            <a:extLst>
-              <a:ext uri="{FF2B5EF4-FFF2-40B4-BE49-F238E27FC236}">
-                <a16:creationId xmlns:a16="http://schemas.microsoft.com/office/drawing/2014/main" id="{0451073A-445F-50A0-C8E1-EE10B95C9783}"/>
-              </a:ext>
-            </a:extLst>
-          </p:cNvPr>
-          <p:cNvGraphicFramePr>
-            <a:graphicFrameLocks/>
-          </p:cNvGraphicFramePr>
-          <p:nvPr/>
-        </p:nvGraphicFramePr>
-        <p:xfrm>
-          <a:off x="808195" y="2751152"/>
-          <a:ext cx="3352326" cy="2910178"/>
-        </p:xfrm>
-        <a:graphic>
-          <a:graphicData uri="http://schemas.openxmlformats.org/drawingml/2006/diagram">
-            <dgm:relIds xmlns:dgm="http://schemas.openxmlformats.org/drawingml/2006/diagram" xmlns:r="http://schemas.openxmlformats.org/officeDocument/2006/relationships" r:dm="rId2" r:lo="rId3" r:qs="rId4" r:cs="rId5"/>
-          </a:graphicData>
-        </a:graphic>
-      </p:graphicFrame>
-      <p:pic>
-        <p:nvPicPr>
-          <p:cNvPr id="13" name="Graphic 12" descr="Checkmark with solid fill">
-            <a:extLst>
-              <a:ext uri="{FF2B5EF4-FFF2-40B4-BE49-F238E27FC236}">
-                <a16:creationId xmlns:a16="http://schemas.microsoft.com/office/drawing/2014/main" id="{E2E3B2BA-9456-078E-FBA7-3889C0D38CB4}"/>
-              </a:ext>
-            </a:extLst>
-          </p:cNvPr>
-          <p:cNvPicPr>
-            <a:picLocks noChangeAspect="1"/>
-          </p:cNvPicPr>
-          <p:nvPr/>
-        </p:nvPicPr>
-        <p:blipFill>
-          <a:blip r:embed="rId7">
-            <a:extLst>
-              <a:ext uri="{96DAC541-7B7A-43D3-8B79-37D633B846F1}">
-                <asvg:svgBlip xmlns:asvg="http://schemas.microsoft.com/office/drawing/2016/SVG/main" r:embed="rId8"/>
-              </a:ext>
-            </a:extLst>
-          </a:blip>
-          <a:stretch>
-            <a:fillRect/>
-          </a:stretch>
-        </p:blipFill>
-        <p:spPr>
-          <a:xfrm>
-            <a:off x="3921984" y="4552122"/>
-            <a:ext cx="188842" cy="188842"/>
-          </a:xfrm>
-          <a:prstGeom prst="rect">
-            <a:avLst/>
-          </a:prstGeom>
-        </p:spPr>
-      </p:pic>
-      <p:sp>
-        <p:nvSpPr>
-          <p:cNvPr id="14" name="Rectangle 13">
-            <a:extLst>
-              <a:ext uri="{FF2B5EF4-FFF2-40B4-BE49-F238E27FC236}">
-                <a16:creationId xmlns:a16="http://schemas.microsoft.com/office/drawing/2014/main" id="{4DFC8085-4321-7BE8-7498-EB10E9AFD38F}"/>
-              </a:ext>
-            </a:extLst>
-          </p:cNvPr>
-          <p:cNvSpPr/>
-          <p:nvPr/>
-        </p:nvSpPr>
-        <p:spPr>
-          <a:xfrm>
-            <a:off x="3920986" y="4552122"/>
-            <a:ext cx="189840" cy="188842"/>
-          </a:xfrm>
-          <a:prstGeom prst="rect">
-            <a:avLst/>
-          </a:prstGeom>
-          <a:noFill/>
-          <a:ln>
-            <a:solidFill>
-              <a:schemeClr val="tx1"/>
-            </a:solidFill>
-          </a:ln>
-        </p:spPr>
-        <p:style>
-          <a:lnRef idx="2">
-            <a:schemeClr val="accent1">
-              <a:shade val="15000"/>
-            </a:schemeClr>
-          </a:lnRef>
-          <a:fillRef idx="1">
-            <a:schemeClr val="accent1"/>
-          </a:fillRef>
-          <a:effectRef idx="0">
-            <a:schemeClr val="accent1"/>
-          </a:effectRef>
-          <a:fontRef idx="minor">
-            <a:schemeClr val="lt1"/>
-          </a:fontRef>
-        </p:style>
-        <p:txBody>
-          <a:bodyPr rtlCol="0" anchor="ctr"/>
-          <a:lstStyle/>
-          <a:p>
-            <a:pPr algn="ctr"/>
-            <a:endParaRPr lang="en-US"/>
-          </a:p>
-        </p:txBody>
-      </p:sp>
-      <p:sp>
-        <p:nvSpPr>
-          <p:cNvPr id="15" name="Rectangle 14">
-            <a:extLst>
-              <a:ext uri="{FF2B5EF4-FFF2-40B4-BE49-F238E27FC236}">
-                <a16:creationId xmlns:a16="http://schemas.microsoft.com/office/drawing/2014/main" id="{B994A06D-0DF7-ED44-634A-1EAB6355D2EA}"/>
-              </a:ext>
-            </a:extLst>
-          </p:cNvPr>
-          <p:cNvSpPr/>
-          <p:nvPr/>
-        </p:nvSpPr>
-        <p:spPr>
-          <a:xfrm>
-            <a:off x="3926950" y="3388251"/>
-            <a:ext cx="189840" cy="188842"/>
-          </a:xfrm>
-          <a:prstGeom prst="rect">
-            <a:avLst/>
-          </a:prstGeom>
-          <a:noFill/>
-          <a:ln>
-            <a:solidFill>
-              <a:schemeClr val="tx1"/>
-            </a:solidFill>
-          </a:ln>
-        </p:spPr>
-        <p:style>
-          <a:lnRef idx="2">
-            <a:schemeClr val="accent1">
-              <a:shade val="15000"/>
-            </a:schemeClr>
-          </a:lnRef>
-          <a:fillRef idx="1">
-            <a:schemeClr val="accent1"/>
-          </a:fillRef>
-          <a:effectRef idx="0">
-            <a:schemeClr val="accent1"/>
-          </a:effectRef>
-          <a:fontRef idx="minor">
-            <a:schemeClr val="lt1"/>
-          </a:fontRef>
-        </p:style>
-        <p:txBody>
-          <a:bodyPr rtlCol="0" anchor="ctr"/>
-          <a:lstStyle/>
-          <a:p>
-            <a:pPr algn="ctr"/>
-            <a:endParaRPr lang="en-US"/>
-          </a:p>
-        </p:txBody>
-      </p:sp>
-      <p:sp>
-        <p:nvSpPr>
-          <p:cNvPr id="16" name="TextBox 15">
-            <a:extLst>
-              <a:ext uri="{FF2B5EF4-FFF2-40B4-BE49-F238E27FC236}">
-                <a16:creationId xmlns:a16="http://schemas.microsoft.com/office/drawing/2014/main" id="{05BE9B16-DFB8-835C-075E-06D4E2F39E83}"/>
-              </a:ext>
-            </a:extLst>
-          </p:cNvPr>
-          <p:cNvSpPr txBox="1"/>
-          <p:nvPr/>
-        </p:nvSpPr>
-        <p:spPr>
-          <a:xfrm>
-            <a:off x="3886200" y="3280472"/>
-            <a:ext cx="178904" cy="369332"/>
-          </a:xfrm>
-          <a:prstGeom prst="rect">
-            <a:avLst/>
-          </a:prstGeom>
-          <a:noFill/>
-        </p:spPr>
-        <p:txBody>
-          <a:bodyPr wrap="square" rtlCol="0">
-            <a:spAutoFit/>
-          </a:bodyPr>
-          <a:lstStyle/>
-          <a:p>
-            <a:r>
-              <a:rPr lang="en-US" dirty="0">
-                <a:solidFill>
-                  <a:srgbClr val="FF0000"/>
-                </a:solidFill>
-              </a:rPr>
-              <a:t>x</a:t>
-            </a:r>
-          </a:p>
-        </p:txBody>
-      </p:sp>
       <p:pic>
         <p:nvPicPr>
           <p:cNvPr id="9" name="Picture 8" descr="A graph of a bar chart&#10;&#10;Description automatically generated with medium confidence">
@@ -12173,7 +11545,7 @@
           <p:nvPr/>
         </p:nvPicPr>
         <p:blipFill>
-          <a:blip r:embed="rId9"/>
+          <a:blip r:embed="rId10"/>
           <a:stretch>
             <a:fillRect/>
           </a:stretch>
@@ -12691,7 +12063,7 @@
 </p:sld>
 </file>
 
-<file path=ppt/slides/slide12.xml><?xml version="1.0" encoding="utf-8"?>
+<file path=ppt/slides/slide8.xml><?xml version="1.0" encoding="utf-8"?>
 <p:sld xmlns:a="http://schemas.openxmlformats.org/drawingml/2006/main" xmlns:r="http://schemas.openxmlformats.org/officeDocument/2006/relationships" xmlns:p="http://schemas.openxmlformats.org/presentationml/2006/main">
   <p:cSld>
     <p:bg>
@@ -12897,7 +12269,7 @@
 </p:sld>
 </file>
 
-<file path=ppt/slides/slide13.xml><?xml version="1.0" encoding="utf-8"?>
+<file path=ppt/slides/slide9.xml><?xml version="1.0" encoding="utf-8"?>
 <p:sld xmlns:a="http://schemas.openxmlformats.org/drawingml/2006/main" xmlns:r="http://schemas.openxmlformats.org/officeDocument/2006/relationships" xmlns:p="http://schemas.openxmlformats.org/presentationml/2006/main">
   <p:cSld>
     <p:bg>
@@ -13197,2378 +12569,6 @@
   </p:cSld>
   <p:clrMapOvr>
     <a:overrideClrMapping bg1="dk1" tx1="lt1" bg2="dk2" tx2="lt2" accent1="accent1" accent2="accent2" accent3="accent3" accent4="accent4" accent5="accent5" accent6="accent6" hlink="hlink" folHlink="folHlink"/>
-  </p:clrMapOvr>
-</p:sld>
-</file>
-
-<file path=ppt/slides/slide14.xml><?xml version="1.0" encoding="utf-8"?>
-<p:sld xmlns:a="http://schemas.openxmlformats.org/drawingml/2006/main" xmlns:r="http://schemas.openxmlformats.org/officeDocument/2006/relationships" xmlns:p="http://schemas.openxmlformats.org/presentationml/2006/main">
-  <p:cSld>
-    <p:bg>
-      <p:bgPr>
-        <a:solidFill>
-          <a:schemeClr val="tx2">
-            <a:lumMod val="60000"/>
-            <a:lumOff val="40000"/>
-          </a:schemeClr>
-        </a:solidFill>
-        <a:effectLst/>
-      </p:bgPr>
-    </p:bg>
-    <p:spTree>
-      <p:nvGrpSpPr>
-        <p:cNvPr id="1" name=""/>
-        <p:cNvGrpSpPr/>
-        <p:nvPr/>
-      </p:nvGrpSpPr>
-      <p:grpSpPr>
-        <a:xfrm>
-          <a:off x="0" y="0"/>
-          <a:ext cx="0" cy="0"/>
-          <a:chOff x="0" y="0"/>
-          <a:chExt cx="0" cy="0"/>
-        </a:xfrm>
-      </p:grpSpPr>
-      <p:sp>
-        <p:nvSpPr>
-          <p:cNvPr id="2" name="Title 1">
-            <a:extLst>
-              <a:ext uri="{FF2B5EF4-FFF2-40B4-BE49-F238E27FC236}">
-                <a16:creationId xmlns:a16="http://schemas.microsoft.com/office/drawing/2014/main" id="{030085BF-CF42-98BC-DE88-0C8830191CA5}"/>
-              </a:ext>
-            </a:extLst>
-          </p:cNvPr>
-          <p:cNvSpPr>
-            <a:spLocks noGrp="1"/>
-          </p:cNvSpPr>
-          <p:nvPr>
-            <p:ph type="title"/>
-          </p:nvPr>
-        </p:nvSpPr>
-        <p:spPr>
-          <a:xfrm>
-            <a:off x="2231136" y="158750"/>
-            <a:ext cx="7729728" cy="1188720"/>
-          </a:xfrm>
-        </p:spPr>
-        <p:txBody>
-          <a:bodyPr/>
-          <a:lstStyle/>
-          <a:p>
-            <a:r>
-              <a:rPr lang="en-US" dirty="0"/>
-              <a:t>Appendix</a:t>
-            </a:r>
-          </a:p>
-        </p:txBody>
-      </p:sp>
-      <p:pic>
-        <p:nvPicPr>
-          <p:cNvPr id="5" name="Picture 4" descr="A graph of a curve&#10;&#10;Description automatically generated">
-            <a:extLst>
-              <a:ext uri="{FF2B5EF4-FFF2-40B4-BE49-F238E27FC236}">
-                <a16:creationId xmlns:a16="http://schemas.microsoft.com/office/drawing/2014/main" id="{F4FCA47F-38FD-8EF9-5803-C2A6D237B707}"/>
-              </a:ext>
-            </a:extLst>
-          </p:cNvPr>
-          <p:cNvPicPr>
-            <a:picLocks noChangeAspect="1"/>
-          </p:cNvPicPr>
-          <p:nvPr/>
-        </p:nvPicPr>
-        <p:blipFill>
-          <a:blip r:embed="rId2"/>
-          <a:stretch>
-            <a:fillRect/>
-          </a:stretch>
-        </p:blipFill>
-        <p:spPr>
-          <a:xfrm>
-            <a:off x="97440" y="2207169"/>
-            <a:ext cx="5608141" cy="4071664"/>
-          </a:xfrm>
-          <a:prstGeom prst="rect">
-            <a:avLst/>
-          </a:prstGeom>
-          <a:ln>
-            <a:solidFill>
-              <a:schemeClr val="tx1">
-                <a:lumMod val="75000"/>
-                <a:lumOff val="25000"/>
-              </a:schemeClr>
-            </a:solidFill>
-          </a:ln>
-        </p:spPr>
-      </p:pic>
-      <p:pic>
-        <p:nvPicPr>
-          <p:cNvPr id="9" name="Picture 8" descr="A chart with red and yellow squares&#10;&#10;Description automatically generated">
-            <a:extLst>
-              <a:ext uri="{FF2B5EF4-FFF2-40B4-BE49-F238E27FC236}">
-                <a16:creationId xmlns:a16="http://schemas.microsoft.com/office/drawing/2014/main" id="{ED4000D6-B6E5-5450-31DA-FD1F9096F3D2}"/>
-              </a:ext>
-            </a:extLst>
-          </p:cNvPr>
-          <p:cNvPicPr>
-            <a:picLocks noChangeAspect="1"/>
-          </p:cNvPicPr>
-          <p:nvPr/>
-        </p:nvPicPr>
-        <p:blipFill>
-          <a:blip r:embed="rId3"/>
-          <a:stretch>
-            <a:fillRect/>
-          </a:stretch>
-        </p:blipFill>
-        <p:spPr>
-          <a:xfrm>
-            <a:off x="5838688" y="2102069"/>
-            <a:ext cx="6255872" cy="4259317"/>
-          </a:xfrm>
-          <a:prstGeom prst="rect">
-            <a:avLst/>
-          </a:prstGeom>
-          <a:ln>
-            <a:solidFill>
-              <a:schemeClr val="tx1">
-                <a:lumMod val="75000"/>
-                <a:lumOff val="25000"/>
-              </a:schemeClr>
-            </a:solidFill>
-          </a:ln>
-        </p:spPr>
-      </p:pic>
-    </p:spTree>
-    <p:extLst>
-      <p:ext uri="{BB962C8B-B14F-4D97-AF65-F5344CB8AC3E}">
-        <p14:creationId xmlns:p14="http://schemas.microsoft.com/office/powerpoint/2010/main" val="1879807500"/>
-      </p:ext>
-    </p:extLst>
-  </p:cSld>
-  <p:clrMapOvr>
-    <a:masterClrMapping/>
-  </p:clrMapOvr>
-</p:sld>
-</file>
-
-<file path=ppt/slides/slide15.xml><?xml version="1.0" encoding="utf-8"?>
-<p:sld xmlns:a="http://schemas.openxmlformats.org/drawingml/2006/main" xmlns:r="http://schemas.openxmlformats.org/officeDocument/2006/relationships" xmlns:p="http://schemas.openxmlformats.org/presentationml/2006/main">
-  <p:cSld>
-    <p:bg>
-      <p:bgPr>
-        <a:solidFill>
-          <a:schemeClr val="tx2">
-            <a:lumMod val="60000"/>
-            <a:lumOff val="40000"/>
-          </a:schemeClr>
-        </a:solidFill>
-        <a:effectLst/>
-      </p:bgPr>
-    </p:bg>
-    <p:spTree>
-      <p:nvGrpSpPr>
-        <p:cNvPr id="1" name=""/>
-        <p:cNvGrpSpPr/>
-        <p:nvPr/>
-      </p:nvGrpSpPr>
-      <p:grpSpPr>
-        <a:xfrm>
-          <a:off x="0" y="0"/>
-          <a:ext cx="0" cy="0"/>
-          <a:chOff x="0" y="0"/>
-          <a:chExt cx="0" cy="0"/>
-        </a:xfrm>
-      </p:grpSpPr>
-      <p:sp>
-        <p:nvSpPr>
-          <p:cNvPr id="2" name="Title 1">
-            <a:extLst>
-              <a:ext uri="{FF2B5EF4-FFF2-40B4-BE49-F238E27FC236}">
-                <a16:creationId xmlns:a16="http://schemas.microsoft.com/office/drawing/2014/main" id="{030085BF-CF42-98BC-DE88-0C8830191CA5}"/>
-              </a:ext>
-            </a:extLst>
-          </p:cNvPr>
-          <p:cNvSpPr>
-            <a:spLocks noGrp="1"/>
-          </p:cNvSpPr>
-          <p:nvPr>
-            <p:ph type="title"/>
-          </p:nvPr>
-        </p:nvSpPr>
-        <p:spPr>
-          <a:xfrm>
-            <a:off x="2231136" y="158750"/>
-            <a:ext cx="7729728" cy="1188720"/>
-          </a:xfrm>
-        </p:spPr>
-        <p:txBody>
-          <a:bodyPr/>
-          <a:lstStyle/>
-          <a:p>
-            <a:r>
-              <a:rPr lang="en-US" dirty="0"/>
-              <a:t>Appendix</a:t>
-            </a:r>
-          </a:p>
-        </p:txBody>
-      </p:sp>
-      <p:pic>
-        <p:nvPicPr>
-          <p:cNvPr id="7" name="Picture 6" descr="A graph with blue and white bars&#10;&#10;Description automatically generated">
-            <a:extLst>
-              <a:ext uri="{FF2B5EF4-FFF2-40B4-BE49-F238E27FC236}">
-                <a16:creationId xmlns:a16="http://schemas.microsoft.com/office/drawing/2014/main" id="{77807F23-9B77-CDAF-56BD-C18C10F4123F}"/>
-              </a:ext>
-            </a:extLst>
-          </p:cNvPr>
-          <p:cNvPicPr>
-            <a:picLocks noChangeAspect="1"/>
-          </p:cNvPicPr>
-          <p:nvPr/>
-        </p:nvPicPr>
-        <p:blipFill>
-          <a:blip r:embed="rId2"/>
-          <a:stretch>
-            <a:fillRect/>
-          </a:stretch>
-        </p:blipFill>
-        <p:spPr>
-          <a:xfrm>
-            <a:off x="2023664" y="1788905"/>
-            <a:ext cx="7772400" cy="4581625"/>
-          </a:xfrm>
-          <a:prstGeom prst="rect">
-            <a:avLst/>
-          </a:prstGeom>
-          <a:ln>
-            <a:solidFill>
-              <a:schemeClr val="tx1">
-                <a:lumMod val="75000"/>
-                <a:lumOff val="25000"/>
-              </a:schemeClr>
-            </a:solidFill>
-          </a:ln>
-        </p:spPr>
-      </p:pic>
-    </p:spTree>
-    <p:extLst>
-      <p:ext uri="{BB962C8B-B14F-4D97-AF65-F5344CB8AC3E}">
-        <p14:creationId xmlns:p14="http://schemas.microsoft.com/office/powerpoint/2010/main" val="2665767832"/>
-      </p:ext>
-    </p:extLst>
-  </p:cSld>
-  <p:clrMapOvr>
-    <a:masterClrMapping/>
-  </p:clrMapOvr>
-</p:sld>
-</file>
-
-<file path=ppt/slides/slide2.xml><?xml version="1.0" encoding="utf-8"?>
-<p:sld xmlns:a="http://schemas.openxmlformats.org/drawingml/2006/main" xmlns:r="http://schemas.openxmlformats.org/officeDocument/2006/relationships" xmlns:p="http://schemas.openxmlformats.org/presentationml/2006/main">
-  <p:cSld>
-    <p:bg>
-      <p:bgPr>
-        <a:solidFill>
-          <a:schemeClr val="bg1">
-            <a:lumMod val="95000"/>
-          </a:schemeClr>
-        </a:solidFill>
-        <a:effectLst/>
-      </p:bgPr>
-    </p:bg>
-    <p:spTree>
-      <p:nvGrpSpPr>
-        <p:cNvPr id="1" name=""/>
-        <p:cNvGrpSpPr/>
-        <p:nvPr/>
-      </p:nvGrpSpPr>
-      <p:grpSpPr>
-        <a:xfrm>
-          <a:off x="0" y="0"/>
-          <a:ext cx="0" cy="0"/>
-          <a:chOff x="0" y="0"/>
-          <a:chExt cx="0" cy="0"/>
-        </a:xfrm>
-      </p:grpSpPr>
-      <p:pic>
-        <p:nvPicPr>
-          <p:cNvPr id="14" name="Picture 13" descr="Back view of an aeroplane">
-            <a:extLst>
-              <a:ext uri="{FF2B5EF4-FFF2-40B4-BE49-F238E27FC236}">
-                <a16:creationId xmlns:a16="http://schemas.microsoft.com/office/drawing/2014/main" id="{92B6BF5C-97E5-5BC4-CA7B-C46E58ED34C0}"/>
-              </a:ext>
-            </a:extLst>
-          </p:cNvPr>
-          <p:cNvPicPr>
-            <a:picLocks noChangeAspect="1"/>
-          </p:cNvPicPr>
-          <p:nvPr/>
-        </p:nvPicPr>
-        <p:blipFill rotWithShape="1">
-          <a:blip r:embed="rId2"/>
-          <a:srcRect l="14407" r="26259" b="-1"/>
-          <a:stretch/>
-        </p:blipFill>
-        <p:spPr>
-          <a:xfrm>
-            <a:off x="642" y="10"/>
-            <a:ext cx="6096000" cy="6857990"/>
-          </a:xfrm>
-          <a:prstGeom prst="rect">
-            <a:avLst/>
-          </a:prstGeom>
-        </p:spPr>
-      </p:pic>
-      <p:sp>
-        <p:nvSpPr>
-          <p:cNvPr id="2" name="Title 1">
-            <a:extLst>
-              <a:ext uri="{FF2B5EF4-FFF2-40B4-BE49-F238E27FC236}">
-                <a16:creationId xmlns:a16="http://schemas.microsoft.com/office/drawing/2014/main" id="{A8D59745-FE8D-EBB9-D7E1-80D827D04868}"/>
-              </a:ext>
-            </a:extLst>
-          </p:cNvPr>
-          <p:cNvSpPr>
-            <a:spLocks noGrp="1"/>
-          </p:cNvSpPr>
-          <p:nvPr>
-            <p:ph type="title"/>
-          </p:nvPr>
-        </p:nvSpPr>
-        <p:spPr>
-          <a:xfrm>
-            <a:off x="804672" y="2841505"/>
-            <a:ext cx="4487298" cy="1174991"/>
-          </a:xfrm>
-          <a:solidFill>
-            <a:schemeClr val="tx1">
-              <a:alpha val="60000"/>
-            </a:schemeClr>
-          </a:solidFill>
-          <a:ln>
-            <a:solidFill>
-              <a:schemeClr val="bg1"/>
-            </a:solidFill>
-          </a:ln>
-        </p:spPr>
-        <p:txBody>
-          <a:bodyPr>
-            <a:normAutofit/>
-          </a:bodyPr>
-          <a:lstStyle/>
-          <a:p>
-            <a:r>
-              <a:rPr lang="en-US" sz="2400">
-                <a:solidFill>
-                  <a:schemeClr val="bg1"/>
-                </a:solidFill>
-              </a:rPr>
-              <a:t>Intro</a:t>
-            </a:r>
-          </a:p>
-        </p:txBody>
-      </p:sp>
-      <p:sp>
-        <p:nvSpPr>
-          <p:cNvPr id="3" name="Content Placeholder 2">
-            <a:extLst>
-              <a:ext uri="{FF2B5EF4-FFF2-40B4-BE49-F238E27FC236}">
-                <a16:creationId xmlns:a16="http://schemas.microsoft.com/office/drawing/2014/main" id="{9542F626-53DB-CBBF-C04C-DEA8B5141B4D}"/>
-              </a:ext>
-            </a:extLst>
-          </p:cNvPr>
-          <p:cNvSpPr>
-            <a:spLocks noGrp="1"/>
-          </p:cNvSpPr>
-          <p:nvPr>
-            <p:ph idx="1"/>
-          </p:nvPr>
-        </p:nvSpPr>
-        <p:spPr>
-          <a:xfrm>
-            <a:off x="6350001" y="341194"/>
-            <a:ext cx="5628640" cy="6196083"/>
-          </a:xfrm>
-        </p:spPr>
-        <p:txBody>
-          <a:bodyPr anchor="ctr">
-            <a:normAutofit/>
-          </a:bodyPr>
-          <a:lstStyle/>
-          <a:p>
-            <a:pPr>
-              <a:lnSpc>
-                <a:spcPct val="90000"/>
-              </a:lnSpc>
-            </a:pPr>
-            <a:r>
-              <a:rPr lang="en-US" sz="1600" dirty="0"/>
-              <a:t>Dataset: </a:t>
-            </a:r>
-          </a:p>
-          <a:p>
-            <a:pPr lvl="1">
-              <a:lnSpc>
-                <a:spcPct val="90000"/>
-              </a:lnSpc>
-            </a:pPr>
-            <a:r>
-              <a:rPr lang="en-US" dirty="0"/>
-              <a:t>Individual aircraft incidents and associated factors</a:t>
-            </a:r>
-          </a:p>
-          <a:p>
-            <a:pPr marL="0" indent="0">
-              <a:lnSpc>
-                <a:spcPct val="90000"/>
-              </a:lnSpc>
-              <a:buNone/>
-            </a:pPr>
-            <a:endParaRPr lang="en-US" sz="1600" dirty="0"/>
-          </a:p>
-          <a:p>
-            <a:pPr marL="0" indent="0">
-              <a:lnSpc>
-                <a:spcPct val="90000"/>
-              </a:lnSpc>
-              <a:buNone/>
-            </a:pPr>
-            <a:endParaRPr lang="en-US" sz="1600" dirty="0"/>
-          </a:p>
-          <a:p>
-            <a:pPr>
-              <a:lnSpc>
-                <a:spcPct val="90000"/>
-              </a:lnSpc>
-            </a:pPr>
-            <a:r>
-              <a:rPr lang="en-US" sz="1600" dirty="0"/>
-              <a:t>Data Types: </a:t>
-            </a:r>
-          </a:p>
-          <a:p>
-            <a:pPr lvl="1">
-              <a:lnSpc>
-                <a:spcPct val="90000"/>
-              </a:lnSpc>
-            </a:pPr>
-            <a:r>
-              <a:rPr lang="en-US" dirty="0"/>
-              <a:t>Categorical (required significant cleaning to be useable)</a:t>
-            </a:r>
-          </a:p>
-          <a:p>
-            <a:pPr lvl="1">
-              <a:lnSpc>
-                <a:spcPct val="90000"/>
-              </a:lnSpc>
-            </a:pPr>
-            <a:endParaRPr lang="en-US" dirty="0"/>
-          </a:p>
-          <a:p>
-            <a:pPr lvl="1">
-              <a:lnSpc>
-                <a:spcPct val="90000"/>
-              </a:lnSpc>
-            </a:pPr>
-            <a:endParaRPr lang="en-US" dirty="0"/>
-          </a:p>
-          <a:p>
-            <a:pPr>
-              <a:lnSpc>
-                <a:spcPct val="90000"/>
-              </a:lnSpc>
-            </a:pPr>
-            <a:r>
-              <a:rPr lang="en-US" sz="1600" dirty="0"/>
-              <a:t>Exclusions: </a:t>
-            </a:r>
-          </a:p>
-          <a:p>
-            <a:pPr lvl="1">
-              <a:lnSpc>
-                <a:spcPct val="90000"/>
-              </a:lnSpc>
-            </a:pPr>
-            <a:r>
-              <a:rPr lang="en-US" dirty="0"/>
-              <a:t>Ground casualty figures (most were purely coincidental)</a:t>
-            </a:r>
-          </a:p>
-          <a:p>
-            <a:pPr>
-              <a:lnSpc>
-                <a:spcPct val="90000"/>
-              </a:lnSpc>
-            </a:pPr>
-            <a:endParaRPr lang="en-US" sz="1600" dirty="0"/>
-          </a:p>
-          <a:p>
-            <a:pPr>
-              <a:lnSpc>
-                <a:spcPct val="90000"/>
-              </a:lnSpc>
-            </a:pPr>
-            <a:endParaRPr lang="en-US" sz="1600" dirty="0"/>
-          </a:p>
-          <a:p>
-            <a:pPr>
-              <a:lnSpc>
-                <a:spcPct val="90000"/>
-              </a:lnSpc>
-            </a:pPr>
-            <a:r>
-              <a:rPr lang="en-US" sz="1600" dirty="0"/>
-              <a:t>Flight Types: </a:t>
-            </a:r>
-          </a:p>
-          <a:p>
-            <a:pPr lvl="1">
-              <a:lnSpc>
-                <a:spcPct val="90000"/>
-              </a:lnSpc>
-            </a:pPr>
-            <a:r>
-              <a:rPr lang="en-US" dirty="0"/>
-              <a:t>Passenger, cargo, private, military</a:t>
-            </a:r>
-          </a:p>
-        </p:txBody>
-      </p:sp>
-    </p:spTree>
-    <p:extLst>
-      <p:ext uri="{BB962C8B-B14F-4D97-AF65-F5344CB8AC3E}">
-        <p14:creationId xmlns:p14="http://schemas.microsoft.com/office/powerpoint/2010/main" val="3078829698"/>
-      </p:ext>
-    </p:extLst>
-  </p:cSld>
-  <p:clrMapOvr>
-    <a:masterClrMapping/>
-  </p:clrMapOvr>
-</p:sld>
-</file>
-
-<file path=ppt/slides/slide3.xml><?xml version="1.0" encoding="utf-8"?>
-<p:sld xmlns:a="http://schemas.openxmlformats.org/drawingml/2006/main" xmlns:r="http://schemas.openxmlformats.org/officeDocument/2006/relationships" xmlns:p="http://schemas.openxmlformats.org/presentationml/2006/main" show="0">
-  <p:cSld>
-    <p:bg>
-      <p:bgPr>
-        <a:solidFill>
-          <a:schemeClr val="bg1"/>
-        </a:solidFill>
-        <a:effectLst/>
-      </p:bgPr>
-    </p:bg>
-    <p:spTree>
-      <p:nvGrpSpPr>
-        <p:cNvPr id="1" name=""/>
-        <p:cNvGrpSpPr/>
-        <p:nvPr/>
-      </p:nvGrpSpPr>
-      <p:grpSpPr>
-        <a:xfrm>
-          <a:off x="0" y="0"/>
-          <a:ext cx="0" cy="0"/>
-          <a:chOff x="0" y="0"/>
-          <a:chExt cx="0" cy="0"/>
-        </a:xfrm>
-      </p:grpSpPr>
-      <p:sp>
-        <p:nvSpPr>
-          <p:cNvPr id="8" name="Rectangle 7">
-            <a:extLst>
-              <a:ext uri="{FF2B5EF4-FFF2-40B4-BE49-F238E27FC236}">
-                <a16:creationId xmlns:a16="http://schemas.microsoft.com/office/drawing/2014/main" id="{C33976D1-3430-450C-A978-87A9A6E8E71F}"/>
-              </a:ext>
-              <a:ext uri="{C183D7F6-B498-43B3-948B-1728B52AA6E4}">
-                <adec:decorative xmlns:adec="http://schemas.microsoft.com/office/drawing/2017/decorative" val="1"/>
-              </a:ext>
-            </a:extLst>
-          </p:cNvPr>
-          <p:cNvSpPr>
-            <a:spLocks noGrp="1" noRot="1" noChangeAspect="1" noMove="1" noResize="1" noEditPoints="1" noAdjustHandles="1" noChangeArrowheads="1" noChangeShapeType="1" noTextEdit="1"/>
-          </p:cNvSpPr>
-          <p:nvPr>
-            <p:extLst>
-              <p:ext uri="{386F3935-93C4-4BCD-93E2-E3B085C9AB24}">
-                <p16:designElem xmlns:p16="http://schemas.microsoft.com/office/powerpoint/2015/main" val="1"/>
-              </p:ext>
-            </p:extLst>
-          </p:nvPr>
-        </p:nvSpPr>
-        <p:spPr>
-          <a:xfrm>
-            <a:off x="0" y="0"/>
-            <a:ext cx="12192000" cy="6858000"/>
-          </a:xfrm>
-          <a:prstGeom prst="rect">
-            <a:avLst/>
-          </a:prstGeom>
-          <a:solidFill>
-            <a:schemeClr val="accent2"/>
-          </a:solidFill>
-          <a:ln>
-            <a:noFill/>
-          </a:ln>
-        </p:spPr>
-        <p:style>
-          <a:lnRef idx="2">
-            <a:schemeClr val="accent1">
-              <a:shade val="50000"/>
-            </a:schemeClr>
-          </a:lnRef>
-          <a:fillRef idx="1">
-            <a:schemeClr val="accent1"/>
-          </a:fillRef>
-          <a:effectRef idx="0">
-            <a:schemeClr val="accent1"/>
-          </a:effectRef>
-          <a:fontRef idx="minor">
-            <a:schemeClr val="lt1"/>
-          </a:fontRef>
-        </p:style>
-        <p:txBody>
-          <a:bodyPr rtlCol="0" anchor="ctr"/>
-          <a:lstStyle/>
-          <a:p>
-            <a:pPr algn="ctr"/>
-            <a:endParaRPr lang="en-US"/>
-          </a:p>
-        </p:txBody>
-      </p:sp>
-      <p:sp>
-        <p:nvSpPr>
-          <p:cNvPr id="10" name="Rectangle 9">
-            <a:extLst>
-              <a:ext uri="{FF2B5EF4-FFF2-40B4-BE49-F238E27FC236}">
-                <a16:creationId xmlns:a16="http://schemas.microsoft.com/office/drawing/2014/main" id="{7D6AAC78-7D86-415A-ADC1-2B474807960C}"/>
-              </a:ext>
-              <a:ext uri="{C183D7F6-B498-43B3-948B-1728B52AA6E4}">
-                <adec:decorative xmlns:adec="http://schemas.microsoft.com/office/drawing/2017/decorative" val="1"/>
-              </a:ext>
-            </a:extLst>
-          </p:cNvPr>
-          <p:cNvSpPr>
-            <a:spLocks noGrp="1" noRot="1" noChangeAspect="1" noMove="1" noResize="1" noEditPoints="1" noAdjustHandles="1" noChangeArrowheads="1" noChangeShapeType="1" noTextEdit="1"/>
-          </p:cNvSpPr>
-          <p:nvPr>
-            <p:extLst>
-              <p:ext uri="{386F3935-93C4-4BCD-93E2-E3B085C9AB24}">
-                <p16:designElem xmlns:p16="http://schemas.microsoft.com/office/powerpoint/2015/main" val="1"/>
-              </p:ext>
-            </p:extLst>
-          </p:nvPr>
-        </p:nvSpPr>
-        <p:spPr>
-          <a:xfrm>
-            <a:off x="1249680" y="1248156"/>
-            <a:ext cx="9692640" cy="4361688"/>
-          </a:xfrm>
-          <a:prstGeom prst="rect">
-            <a:avLst/>
-          </a:prstGeom>
-          <a:solidFill>
-            <a:srgbClr val="FFFFFF"/>
-          </a:solidFill>
-          <a:ln>
-            <a:noFill/>
-          </a:ln>
-        </p:spPr>
-        <p:style>
-          <a:lnRef idx="2">
-            <a:schemeClr val="accent1">
-              <a:shade val="50000"/>
-            </a:schemeClr>
-          </a:lnRef>
-          <a:fillRef idx="1">
-            <a:schemeClr val="accent1"/>
-          </a:fillRef>
-          <a:effectRef idx="0">
-            <a:schemeClr val="accent1"/>
-          </a:effectRef>
-          <a:fontRef idx="minor">
-            <a:schemeClr val="lt1"/>
-          </a:fontRef>
-        </p:style>
-        <p:txBody>
-          <a:bodyPr rtlCol="0" anchor="ctr"/>
-          <a:lstStyle/>
-          <a:p>
-            <a:pPr algn="ctr"/>
-            <a:endParaRPr lang="en-US"/>
-          </a:p>
-        </p:txBody>
-      </p:sp>
-      <p:sp>
-        <p:nvSpPr>
-          <p:cNvPr id="12" name="Rectangle 11">
-            <a:extLst>
-              <a:ext uri="{FF2B5EF4-FFF2-40B4-BE49-F238E27FC236}">
-                <a16:creationId xmlns:a16="http://schemas.microsoft.com/office/drawing/2014/main" id="{F2A658D9-F185-44F1-BA33-D50320D1D078}"/>
-              </a:ext>
-              <a:ext uri="{C183D7F6-B498-43B3-948B-1728B52AA6E4}">
-                <adec:decorative xmlns:adec="http://schemas.microsoft.com/office/drawing/2017/decorative" val="1"/>
-              </a:ext>
-            </a:extLst>
-          </p:cNvPr>
-          <p:cNvSpPr>
-            <a:spLocks noGrp="1" noRot="1" noChangeAspect="1" noMove="1" noResize="1" noEditPoints="1" noAdjustHandles="1" noChangeArrowheads="1" noChangeShapeType="1" noTextEdit="1"/>
-          </p:cNvSpPr>
-          <p:nvPr>
-            <p:extLst>
-              <p:ext uri="{386F3935-93C4-4BCD-93E2-E3B085C9AB24}">
-                <p16:designElem xmlns:p16="http://schemas.microsoft.com/office/powerpoint/2015/main" val="1"/>
-              </p:ext>
-            </p:extLst>
-          </p:nvPr>
-        </p:nvSpPr>
-        <p:spPr>
-          <a:xfrm>
-            <a:off x="1062228" y="1060704"/>
-            <a:ext cx="10067544" cy="4736592"/>
-          </a:xfrm>
-          <a:prstGeom prst="rect">
-            <a:avLst/>
-          </a:prstGeom>
-          <a:noFill/>
-          <a:ln w="31750" cap="sq">
-            <a:solidFill>
-              <a:srgbClr val="FFFFFF"/>
-            </a:solidFill>
-            <a:miter lim="800000"/>
-          </a:ln>
-        </p:spPr>
-        <p:style>
-          <a:lnRef idx="2">
-            <a:schemeClr val="accent1">
-              <a:shade val="50000"/>
-            </a:schemeClr>
-          </a:lnRef>
-          <a:fillRef idx="1">
-            <a:schemeClr val="accent1"/>
-          </a:fillRef>
-          <a:effectRef idx="0">
-            <a:schemeClr val="accent1"/>
-          </a:effectRef>
-          <a:fontRef idx="minor">
-            <a:schemeClr val="lt1"/>
-          </a:fontRef>
-        </p:style>
-        <p:txBody>
-          <a:bodyPr rtlCol="0" anchor="ctr"/>
-          <a:lstStyle/>
-          <a:p>
-            <a:pPr algn="ctr"/>
-            <a:endParaRPr lang="en-US"/>
-          </a:p>
-        </p:txBody>
-      </p:sp>
-      <p:sp>
-        <p:nvSpPr>
-          <p:cNvPr id="2" name="Title 1">
-            <a:extLst>
-              <a:ext uri="{FF2B5EF4-FFF2-40B4-BE49-F238E27FC236}">
-                <a16:creationId xmlns:a16="http://schemas.microsoft.com/office/drawing/2014/main" id="{A8D59745-FE8D-EBB9-D7E1-80D827D04868}"/>
-              </a:ext>
-            </a:extLst>
-          </p:cNvPr>
-          <p:cNvSpPr>
-            <a:spLocks noGrp="1"/>
-          </p:cNvSpPr>
-          <p:nvPr>
-            <p:ph type="title"/>
-          </p:nvPr>
-        </p:nvSpPr>
-        <p:spPr>
-          <a:xfrm>
-            <a:off x="2231136" y="467418"/>
-            <a:ext cx="7729728" cy="1188720"/>
-          </a:xfrm>
-          <a:solidFill>
-            <a:srgbClr val="FFFFFF"/>
-          </a:solidFill>
-        </p:spPr>
-        <p:txBody>
-          <a:bodyPr>
-            <a:normAutofit/>
-          </a:bodyPr>
-          <a:lstStyle/>
-          <a:p>
-            <a:r>
-              <a:rPr lang="en-US" dirty="0"/>
-              <a:t>Intro</a:t>
-            </a:r>
-          </a:p>
-        </p:txBody>
-      </p:sp>
-      <p:sp>
-        <p:nvSpPr>
-          <p:cNvPr id="3" name="Content Placeholder 2">
-            <a:extLst>
-              <a:ext uri="{FF2B5EF4-FFF2-40B4-BE49-F238E27FC236}">
-                <a16:creationId xmlns:a16="http://schemas.microsoft.com/office/drawing/2014/main" id="{9542F626-53DB-CBBF-C04C-DEA8B5141B4D}"/>
-              </a:ext>
-            </a:extLst>
-          </p:cNvPr>
-          <p:cNvSpPr>
-            <a:spLocks noGrp="1"/>
-          </p:cNvSpPr>
-          <p:nvPr>
-            <p:ph idx="1"/>
-          </p:nvPr>
-        </p:nvSpPr>
-        <p:spPr>
-          <a:xfrm>
-            <a:off x="1706244" y="2004969"/>
-            <a:ext cx="4277996" cy="3322571"/>
-          </a:xfrm>
-        </p:spPr>
-        <p:txBody>
-          <a:bodyPr>
-            <a:normAutofit fontScale="47500" lnSpcReduction="20000"/>
-          </a:bodyPr>
-          <a:lstStyle/>
-          <a:p>
-            <a:r>
-              <a:rPr lang="en-US" dirty="0">
-                <a:solidFill>
-                  <a:srgbClr val="404040"/>
-                </a:solidFill>
-              </a:rPr>
-              <a:t>Dataset: </a:t>
-            </a:r>
-          </a:p>
-          <a:p>
-            <a:pPr lvl="1"/>
-            <a:r>
-              <a:rPr lang="en-US" dirty="0">
-                <a:solidFill>
-                  <a:srgbClr val="404040"/>
-                </a:solidFill>
-              </a:rPr>
-              <a:t>Individual aircraft incidents and associated factors</a:t>
-            </a:r>
-          </a:p>
-          <a:p>
-            <a:endParaRPr lang="en-US" dirty="0">
-              <a:solidFill>
-                <a:srgbClr val="404040"/>
-              </a:solidFill>
-            </a:endParaRPr>
-          </a:p>
-          <a:p>
-            <a:r>
-              <a:rPr lang="en-US" dirty="0">
-                <a:solidFill>
-                  <a:srgbClr val="404040"/>
-                </a:solidFill>
-              </a:rPr>
-              <a:t>Time Period: </a:t>
-            </a:r>
-          </a:p>
-          <a:p>
-            <a:pPr lvl="1"/>
-            <a:r>
-              <a:rPr lang="en-US" dirty="0">
-                <a:solidFill>
-                  <a:srgbClr val="404040"/>
-                </a:solidFill>
-              </a:rPr>
-              <a:t>2000 to 2022</a:t>
-            </a:r>
-          </a:p>
-          <a:p>
-            <a:endParaRPr lang="en-US" dirty="0">
-              <a:solidFill>
-                <a:srgbClr val="404040"/>
-              </a:solidFill>
-            </a:endParaRPr>
-          </a:p>
-          <a:p>
-            <a:r>
-              <a:rPr lang="en-US" dirty="0">
-                <a:solidFill>
-                  <a:srgbClr val="404040"/>
-                </a:solidFill>
-              </a:rPr>
-              <a:t>Data Types: </a:t>
-            </a:r>
-          </a:p>
-          <a:p>
-            <a:pPr lvl="1"/>
-            <a:r>
-              <a:rPr lang="en-US" dirty="0">
-                <a:solidFill>
-                  <a:srgbClr val="404040"/>
-                </a:solidFill>
-              </a:rPr>
-              <a:t>Categorical (required significant cleaning to be useable)</a:t>
-            </a:r>
-          </a:p>
-          <a:p>
-            <a:pPr lvl="1"/>
-            <a:endParaRPr lang="en-US" dirty="0">
-              <a:solidFill>
-                <a:srgbClr val="404040"/>
-              </a:solidFill>
-            </a:endParaRPr>
-          </a:p>
-          <a:p>
-            <a:r>
-              <a:rPr lang="en-US" dirty="0">
-                <a:solidFill>
-                  <a:srgbClr val="404040"/>
-                </a:solidFill>
-              </a:rPr>
-              <a:t>Exclusions: </a:t>
-            </a:r>
-          </a:p>
-          <a:p>
-            <a:pPr lvl="1"/>
-            <a:r>
-              <a:rPr lang="en-US" dirty="0">
-                <a:solidFill>
-                  <a:srgbClr val="404040"/>
-                </a:solidFill>
-              </a:rPr>
-              <a:t>Ground casualty figures (most were purely coincidental)</a:t>
-            </a:r>
-          </a:p>
-          <a:p>
-            <a:endParaRPr lang="en-US" dirty="0">
-              <a:solidFill>
-                <a:srgbClr val="404040"/>
-              </a:solidFill>
-            </a:endParaRPr>
-          </a:p>
-          <a:p>
-            <a:r>
-              <a:rPr lang="en-US" dirty="0">
-                <a:solidFill>
-                  <a:srgbClr val="404040"/>
-                </a:solidFill>
-              </a:rPr>
-              <a:t>Flight Types: </a:t>
-            </a:r>
-          </a:p>
-          <a:p>
-            <a:pPr lvl="1"/>
-            <a:r>
-              <a:rPr lang="en-US" dirty="0">
-                <a:solidFill>
-                  <a:srgbClr val="404040"/>
-                </a:solidFill>
-              </a:rPr>
-              <a:t>military, private, passenger, and cargo</a:t>
-            </a:r>
-          </a:p>
-          <a:p>
-            <a:endParaRPr lang="en-US" dirty="0">
-              <a:solidFill>
-                <a:srgbClr val="404040"/>
-              </a:solidFill>
-            </a:endParaRPr>
-          </a:p>
-        </p:txBody>
-      </p:sp>
-    </p:spTree>
-    <p:extLst>
-      <p:ext uri="{BB962C8B-B14F-4D97-AF65-F5344CB8AC3E}">
-        <p14:creationId xmlns:p14="http://schemas.microsoft.com/office/powerpoint/2010/main" val="3083229326"/>
-      </p:ext>
-    </p:extLst>
-  </p:cSld>
-  <p:clrMapOvr>
-    <a:masterClrMapping/>
-  </p:clrMapOvr>
-</p:sld>
-</file>
-
-<file path=ppt/slides/slide4.xml><?xml version="1.0" encoding="utf-8"?>
-<p:sld xmlns:a="http://schemas.openxmlformats.org/drawingml/2006/main" xmlns:r="http://schemas.openxmlformats.org/officeDocument/2006/relationships" xmlns:p="http://schemas.openxmlformats.org/presentationml/2006/main" show="0">
-  <p:cSld>
-    <p:spTree>
-      <p:nvGrpSpPr>
-        <p:cNvPr id="1" name=""/>
-        <p:cNvGrpSpPr/>
-        <p:nvPr/>
-      </p:nvGrpSpPr>
-      <p:grpSpPr>
-        <a:xfrm>
-          <a:off x="0" y="0"/>
-          <a:ext cx="0" cy="0"/>
-          <a:chOff x="0" y="0"/>
-          <a:chExt cx="0" cy="0"/>
-        </a:xfrm>
-      </p:grpSpPr>
-      <p:sp>
-        <p:nvSpPr>
-          <p:cNvPr id="2" name="Title 1">
-            <a:extLst>
-              <a:ext uri="{FF2B5EF4-FFF2-40B4-BE49-F238E27FC236}">
-                <a16:creationId xmlns:a16="http://schemas.microsoft.com/office/drawing/2014/main" id="{6FE0A8C9-EE27-20E6-7D1A-830B8B56E31E}"/>
-              </a:ext>
-            </a:extLst>
-          </p:cNvPr>
-          <p:cNvSpPr>
-            <a:spLocks noGrp="1"/>
-          </p:cNvSpPr>
-          <p:nvPr>
-            <p:ph type="title"/>
-          </p:nvPr>
-        </p:nvSpPr>
-        <p:spPr/>
-        <p:txBody>
-          <a:bodyPr/>
-          <a:lstStyle/>
-          <a:p>
-            <a:r>
-              <a:rPr lang="en-US" dirty="0"/>
-              <a:t>Air Traffic Incidents by the numbers</a:t>
-            </a:r>
-          </a:p>
-        </p:txBody>
-      </p:sp>
-      <p:sp>
-        <p:nvSpPr>
-          <p:cNvPr id="3" name="Content Placeholder 2">
-            <a:extLst>
-              <a:ext uri="{FF2B5EF4-FFF2-40B4-BE49-F238E27FC236}">
-                <a16:creationId xmlns:a16="http://schemas.microsoft.com/office/drawing/2014/main" id="{8341D14A-1FCF-1982-CA9E-47CD12CD23F0}"/>
-              </a:ext>
-            </a:extLst>
-          </p:cNvPr>
-          <p:cNvSpPr>
-            <a:spLocks noGrp="1"/>
-          </p:cNvSpPr>
-          <p:nvPr>
-            <p:ph idx="1"/>
-          </p:nvPr>
-        </p:nvSpPr>
-        <p:spPr/>
-        <p:txBody>
-          <a:bodyPr>
-            <a:normAutofit fontScale="92500" lnSpcReduction="20000"/>
-          </a:bodyPr>
-          <a:lstStyle/>
-          <a:p>
-            <a:r>
-              <a:rPr lang="en-US" dirty="0"/>
-              <a:t>Average flights per year (2000-2022):  28.3 million</a:t>
-            </a:r>
-          </a:p>
-          <a:p>
-            <a:endParaRPr lang="en-US" dirty="0"/>
-          </a:p>
-          <a:p>
-            <a:r>
-              <a:rPr lang="en-US" dirty="0"/>
-              <a:t>Average incidents per year:  215</a:t>
-            </a:r>
-          </a:p>
-          <a:p>
-            <a:endParaRPr lang="en-US" dirty="0"/>
-          </a:p>
-          <a:p>
-            <a:r>
-              <a:rPr lang="en-US" dirty="0"/>
-              <a:t>Non-fatal incidents: 73.6% </a:t>
-            </a:r>
-          </a:p>
-          <a:p>
-            <a:endParaRPr lang="en-US" dirty="0"/>
-          </a:p>
-          <a:p>
-            <a:r>
-              <a:rPr lang="en-US" dirty="0"/>
-              <a:t>Fatal incidents: 26.4%</a:t>
-            </a:r>
-          </a:p>
-          <a:p>
-            <a:pPr lvl="1"/>
-            <a:r>
-              <a:rPr lang="en-US" dirty="0"/>
-              <a:t>Total occupant loss: 67.3%</a:t>
-            </a:r>
-          </a:p>
-          <a:p>
-            <a:pPr lvl="1"/>
-            <a:r>
-              <a:rPr lang="en-US" dirty="0"/>
-              <a:t>Partial loss: 32.7% </a:t>
-            </a:r>
-          </a:p>
-          <a:p>
-            <a:endParaRPr lang="en-US" dirty="0"/>
-          </a:p>
-          <a:p>
-            <a:endParaRPr lang="en-US" dirty="0"/>
-          </a:p>
-        </p:txBody>
-      </p:sp>
-    </p:spTree>
-    <p:extLst>
-      <p:ext uri="{BB962C8B-B14F-4D97-AF65-F5344CB8AC3E}">
-        <p14:creationId xmlns:p14="http://schemas.microsoft.com/office/powerpoint/2010/main" val="853378055"/>
-      </p:ext>
-    </p:extLst>
-  </p:cSld>
-  <p:clrMapOvr>
-    <a:masterClrMapping/>
-  </p:clrMapOvr>
-</p:sld>
-</file>
-
-<file path=ppt/slides/slide5.xml><?xml version="1.0" encoding="utf-8"?>
-<p:sld xmlns:a="http://schemas.openxmlformats.org/drawingml/2006/main" xmlns:r="http://schemas.openxmlformats.org/officeDocument/2006/relationships" xmlns:p="http://schemas.openxmlformats.org/presentationml/2006/main">
-  <p:cSld>
-    <p:bg>
-      <p:bgPr>
-        <a:solidFill>
-          <a:schemeClr val="tx2">
-            <a:lumMod val="60000"/>
-            <a:lumOff val="40000"/>
-          </a:schemeClr>
-        </a:solidFill>
-        <a:effectLst/>
-      </p:bgPr>
-    </p:bg>
-    <p:spTree>
-      <p:nvGrpSpPr>
-        <p:cNvPr id="1" name=""/>
-        <p:cNvGrpSpPr/>
-        <p:nvPr/>
-      </p:nvGrpSpPr>
-      <p:grpSpPr>
-        <a:xfrm>
-          <a:off x="0" y="0"/>
-          <a:ext cx="0" cy="0"/>
-          <a:chOff x="0" y="0"/>
-          <a:chExt cx="0" cy="0"/>
-        </a:xfrm>
-      </p:grpSpPr>
-      <p:sp>
-        <p:nvSpPr>
-          <p:cNvPr id="5" name="Title 1">
-            <a:extLst>
-              <a:ext uri="{FF2B5EF4-FFF2-40B4-BE49-F238E27FC236}">
-                <a16:creationId xmlns:a16="http://schemas.microsoft.com/office/drawing/2014/main" id="{A411EA8E-E436-6EF4-F7AF-F1C2EDFE4F1C}"/>
-              </a:ext>
-            </a:extLst>
-          </p:cNvPr>
-          <p:cNvSpPr>
-            <a:spLocks noGrp="1"/>
-          </p:cNvSpPr>
-          <p:nvPr>
-            <p:ph type="title"/>
-          </p:nvPr>
-        </p:nvSpPr>
-        <p:spPr>
-          <a:xfrm>
-            <a:off x="2231136" y="219257"/>
-            <a:ext cx="7729728" cy="1188720"/>
-          </a:xfrm>
-        </p:spPr>
-        <p:txBody>
-          <a:bodyPr/>
-          <a:lstStyle/>
-          <a:p>
-            <a:r>
-              <a:rPr lang="en-US" dirty="0"/>
-              <a:t>Air Traffic Incidents by the numbers</a:t>
-            </a:r>
-          </a:p>
-        </p:txBody>
-      </p:sp>
-      <p:pic>
-        <p:nvPicPr>
-          <p:cNvPr id="7" name="Picture 6">
-            <a:extLst>
-              <a:ext uri="{FF2B5EF4-FFF2-40B4-BE49-F238E27FC236}">
-                <a16:creationId xmlns:a16="http://schemas.microsoft.com/office/drawing/2014/main" id="{C83B789C-A5BD-CD2F-5C35-3BFBD2E1CE53}"/>
-              </a:ext>
-            </a:extLst>
-          </p:cNvPr>
-          <p:cNvPicPr>
-            <a:picLocks noChangeAspect="1"/>
-          </p:cNvPicPr>
-          <p:nvPr/>
-        </p:nvPicPr>
-        <p:blipFill>
-          <a:blip r:embed="rId2"/>
-          <a:srcRect/>
-          <a:stretch/>
-        </p:blipFill>
-        <p:spPr>
-          <a:xfrm>
-            <a:off x="132489" y="2286483"/>
-            <a:ext cx="5880674" cy="3507555"/>
-          </a:xfrm>
-          <a:prstGeom prst="rect">
-            <a:avLst/>
-          </a:prstGeom>
-          <a:ln>
-            <a:solidFill>
-              <a:schemeClr val="tx1">
-                <a:lumMod val="75000"/>
-                <a:lumOff val="25000"/>
-              </a:schemeClr>
-            </a:solidFill>
-          </a:ln>
-        </p:spPr>
-      </p:pic>
-      <p:pic>
-        <p:nvPicPr>
-          <p:cNvPr id="9" name="Picture 8">
-            <a:extLst>
-              <a:ext uri="{FF2B5EF4-FFF2-40B4-BE49-F238E27FC236}">
-                <a16:creationId xmlns:a16="http://schemas.microsoft.com/office/drawing/2014/main" id="{F8512791-18EC-B0E3-9852-943B8BA15D31}"/>
-              </a:ext>
-            </a:extLst>
-          </p:cNvPr>
-          <p:cNvPicPr>
-            <a:picLocks noChangeAspect="1"/>
-          </p:cNvPicPr>
-          <p:nvPr/>
-        </p:nvPicPr>
-        <p:blipFill>
-          <a:blip r:embed="rId3"/>
-          <a:srcRect/>
-          <a:stretch/>
-        </p:blipFill>
-        <p:spPr>
-          <a:xfrm>
-            <a:off x="6197289" y="2286500"/>
-            <a:ext cx="5862222" cy="3507521"/>
-          </a:xfrm>
-          <a:prstGeom prst="rect">
-            <a:avLst/>
-          </a:prstGeom>
-          <a:ln>
-            <a:solidFill>
-              <a:schemeClr val="tx1">
-                <a:lumMod val="75000"/>
-                <a:lumOff val="25000"/>
-              </a:schemeClr>
-            </a:solidFill>
-          </a:ln>
-        </p:spPr>
-      </p:pic>
-      <p:sp>
-        <p:nvSpPr>
-          <p:cNvPr id="12" name="Rectangle 11">
-            <a:extLst>
-              <a:ext uri="{FF2B5EF4-FFF2-40B4-BE49-F238E27FC236}">
-                <a16:creationId xmlns:a16="http://schemas.microsoft.com/office/drawing/2014/main" id="{4297F6B0-5621-03E1-CAB1-E4603FBEF357}"/>
-              </a:ext>
-            </a:extLst>
-          </p:cNvPr>
-          <p:cNvSpPr/>
-          <p:nvPr/>
-        </p:nvSpPr>
-        <p:spPr>
-          <a:xfrm>
-            <a:off x="5034224" y="2449130"/>
-            <a:ext cx="492369" cy="3049760"/>
-          </a:xfrm>
-          <a:prstGeom prst="rect">
-            <a:avLst/>
-          </a:prstGeom>
-          <a:solidFill>
-            <a:schemeClr val="accent1">
-              <a:alpha val="48000"/>
-            </a:schemeClr>
-          </a:solidFill>
-          <a:ln>
-            <a:noFill/>
-          </a:ln>
-        </p:spPr>
-        <p:style>
-          <a:lnRef idx="2">
-            <a:schemeClr val="accent1">
-              <a:shade val="15000"/>
-            </a:schemeClr>
-          </a:lnRef>
-          <a:fillRef idx="1">
-            <a:schemeClr val="accent1"/>
-          </a:fillRef>
-          <a:effectRef idx="0">
-            <a:schemeClr val="accent1"/>
-          </a:effectRef>
-          <a:fontRef idx="minor">
-            <a:schemeClr val="lt1"/>
-          </a:fontRef>
-        </p:style>
-        <p:txBody>
-          <a:bodyPr rtlCol="0" anchor="ctr"/>
-          <a:lstStyle/>
-          <a:p>
-            <a:pPr algn="ctr"/>
-            <a:endParaRPr lang="en-US"/>
-          </a:p>
-        </p:txBody>
-      </p:sp>
-      <p:sp>
-        <p:nvSpPr>
-          <p:cNvPr id="11" name="TextBox 10">
-            <a:extLst>
-              <a:ext uri="{FF2B5EF4-FFF2-40B4-BE49-F238E27FC236}">
-                <a16:creationId xmlns:a16="http://schemas.microsoft.com/office/drawing/2014/main" id="{351E0770-15F7-86BF-F30A-217B07DD4D12}"/>
-              </a:ext>
-            </a:extLst>
-          </p:cNvPr>
-          <p:cNvSpPr txBox="1"/>
-          <p:nvPr/>
-        </p:nvSpPr>
-        <p:spPr>
-          <a:xfrm>
-            <a:off x="5034225" y="2471785"/>
-            <a:ext cx="492368" cy="184666"/>
-          </a:xfrm>
-          <a:prstGeom prst="rect">
-            <a:avLst/>
-          </a:prstGeom>
-          <a:noFill/>
-        </p:spPr>
-        <p:txBody>
-          <a:bodyPr wrap="square" rtlCol="0">
-            <a:spAutoFit/>
-          </a:bodyPr>
-          <a:lstStyle/>
-          <a:p>
-            <a:r>
-              <a:rPr lang="en-US" sz="600" dirty="0"/>
-              <a:t>Covid-19</a:t>
-            </a:r>
-          </a:p>
-        </p:txBody>
-      </p:sp>
-      <p:sp>
-        <p:nvSpPr>
-          <p:cNvPr id="13" name="Rectangle 12">
-            <a:extLst>
-              <a:ext uri="{FF2B5EF4-FFF2-40B4-BE49-F238E27FC236}">
-                <a16:creationId xmlns:a16="http://schemas.microsoft.com/office/drawing/2014/main" id="{5461F994-2E91-F639-4911-AD0A2140B9C5}"/>
-              </a:ext>
-            </a:extLst>
-          </p:cNvPr>
-          <p:cNvSpPr/>
-          <p:nvPr/>
-        </p:nvSpPr>
-        <p:spPr>
-          <a:xfrm>
-            <a:off x="11070589" y="2449130"/>
-            <a:ext cx="492369" cy="3049760"/>
-          </a:xfrm>
-          <a:prstGeom prst="rect">
-            <a:avLst/>
-          </a:prstGeom>
-          <a:solidFill>
-            <a:schemeClr val="accent1">
-              <a:alpha val="48000"/>
-            </a:schemeClr>
-          </a:solidFill>
-          <a:ln>
-            <a:noFill/>
-          </a:ln>
-        </p:spPr>
-        <p:style>
-          <a:lnRef idx="2">
-            <a:schemeClr val="accent1">
-              <a:shade val="15000"/>
-            </a:schemeClr>
-          </a:lnRef>
-          <a:fillRef idx="1">
-            <a:schemeClr val="accent1"/>
-          </a:fillRef>
-          <a:effectRef idx="0">
-            <a:schemeClr val="accent1"/>
-          </a:effectRef>
-          <a:fontRef idx="minor">
-            <a:schemeClr val="lt1"/>
-          </a:fontRef>
-        </p:style>
-        <p:txBody>
-          <a:bodyPr rtlCol="0" anchor="ctr"/>
-          <a:lstStyle/>
-          <a:p>
-            <a:pPr algn="ctr"/>
-            <a:endParaRPr lang="en-US"/>
-          </a:p>
-        </p:txBody>
-      </p:sp>
-      <p:sp>
-        <p:nvSpPr>
-          <p:cNvPr id="14" name="TextBox 13">
-            <a:extLst>
-              <a:ext uri="{FF2B5EF4-FFF2-40B4-BE49-F238E27FC236}">
-                <a16:creationId xmlns:a16="http://schemas.microsoft.com/office/drawing/2014/main" id="{350B6C01-B3F5-3D0A-D5DC-44A13EA649EC}"/>
-              </a:ext>
-            </a:extLst>
-          </p:cNvPr>
-          <p:cNvSpPr txBox="1"/>
-          <p:nvPr/>
-        </p:nvSpPr>
-        <p:spPr>
-          <a:xfrm>
-            <a:off x="11070588" y="2471784"/>
-            <a:ext cx="492370" cy="184665"/>
-          </a:xfrm>
-          <a:prstGeom prst="rect">
-            <a:avLst/>
-          </a:prstGeom>
-          <a:noFill/>
-        </p:spPr>
-        <p:txBody>
-          <a:bodyPr wrap="square" rtlCol="0">
-            <a:spAutoFit/>
-          </a:bodyPr>
-          <a:lstStyle/>
-          <a:p>
-            <a:r>
-              <a:rPr lang="en-US" sz="600" dirty="0"/>
-              <a:t>Covid-19</a:t>
-            </a:r>
-          </a:p>
-        </p:txBody>
-      </p:sp>
-      <p:sp>
-        <p:nvSpPr>
-          <p:cNvPr id="15" name="Rectangle 14">
-            <a:extLst>
-              <a:ext uri="{FF2B5EF4-FFF2-40B4-BE49-F238E27FC236}">
-                <a16:creationId xmlns:a16="http://schemas.microsoft.com/office/drawing/2014/main" id="{574E582A-FF98-2CAF-4310-0819CACD5BD0}"/>
-              </a:ext>
-            </a:extLst>
-          </p:cNvPr>
-          <p:cNvSpPr/>
-          <p:nvPr/>
-        </p:nvSpPr>
-        <p:spPr>
-          <a:xfrm>
-            <a:off x="494950" y="2348917"/>
-            <a:ext cx="142613" cy="102334"/>
-          </a:xfrm>
-          <a:prstGeom prst="rect">
-            <a:avLst/>
-          </a:prstGeom>
-          <a:solidFill>
-            <a:schemeClr val="bg1"/>
-          </a:solidFill>
-          <a:ln>
-            <a:noFill/>
-          </a:ln>
-        </p:spPr>
-        <p:style>
-          <a:lnRef idx="2">
-            <a:schemeClr val="accent1">
-              <a:shade val="15000"/>
-            </a:schemeClr>
-          </a:lnRef>
-          <a:fillRef idx="1">
-            <a:schemeClr val="accent1"/>
-          </a:fillRef>
-          <a:effectRef idx="0">
-            <a:schemeClr val="accent1"/>
-          </a:effectRef>
-          <a:fontRef idx="minor">
-            <a:schemeClr val="lt1"/>
-          </a:fontRef>
-        </p:style>
-        <p:txBody>
-          <a:bodyPr rtlCol="0" anchor="ctr"/>
-          <a:lstStyle/>
-          <a:p>
-            <a:pPr algn="ctr"/>
-            <a:endParaRPr lang="en-US"/>
-          </a:p>
-        </p:txBody>
-      </p:sp>
-    </p:spTree>
-    <p:extLst>
-      <p:ext uri="{BB962C8B-B14F-4D97-AF65-F5344CB8AC3E}">
-        <p14:creationId xmlns:p14="http://schemas.microsoft.com/office/powerpoint/2010/main" val="2171799538"/>
-      </p:ext>
-    </p:extLst>
-  </p:cSld>
-  <p:clrMapOvr>
-    <a:masterClrMapping/>
-  </p:clrMapOvr>
-</p:sld>
-</file>
-
-<file path=ppt/slides/slide6.xml><?xml version="1.0" encoding="utf-8"?>
-<p:sld xmlns:a="http://schemas.openxmlformats.org/drawingml/2006/main" xmlns:r="http://schemas.openxmlformats.org/officeDocument/2006/relationships" xmlns:p="http://schemas.openxmlformats.org/presentationml/2006/main">
-  <p:cSld>
-    <p:bg>
-      <p:bgPr>
-        <a:solidFill>
-          <a:schemeClr val="tx2">
-            <a:lumMod val="60000"/>
-            <a:lumOff val="40000"/>
-          </a:schemeClr>
-        </a:solidFill>
-        <a:effectLst/>
-      </p:bgPr>
-    </p:bg>
-    <p:spTree>
-      <p:nvGrpSpPr>
-        <p:cNvPr id="1" name=""/>
-        <p:cNvGrpSpPr/>
-        <p:nvPr/>
-      </p:nvGrpSpPr>
-      <p:grpSpPr>
-        <a:xfrm>
-          <a:off x="0" y="0"/>
-          <a:ext cx="0" cy="0"/>
-          <a:chOff x="0" y="0"/>
-          <a:chExt cx="0" cy="0"/>
-        </a:xfrm>
-      </p:grpSpPr>
-      <p:sp>
-        <p:nvSpPr>
-          <p:cNvPr id="5" name="Title 1">
-            <a:extLst>
-              <a:ext uri="{FF2B5EF4-FFF2-40B4-BE49-F238E27FC236}">
-                <a16:creationId xmlns:a16="http://schemas.microsoft.com/office/drawing/2014/main" id="{A411EA8E-E436-6EF4-F7AF-F1C2EDFE4F1C}"/>
-              </a:ext>
-            </a:extLst>
-          </p:cNvPr>
-          <p:cNvSpPr>
-            <a:spLocks noGrp="1"/>
-          </p:cNvSpPr>
-          <p:nvPr>
-            <p:ph type="title"/>
-          </p:nvPr>
-        </p:nvSpPr>
-        <p:spPr>
-          <a:xfrm>
-            <a:off x="2231136" y="219257"/>
-            <a:ext cx="7729728" cy="1188720"/>
-          </a:xfrm>
-        </p:spPr>
-        <p:txBody>
-          <a:bodyPr/>
-          <a:lstStyle/>
-          <a:p>
-            <a:r>
-              <a:rPr lang="en-US" dirty="0"/>
-              <a:t>Air Traffic Incidents by the numbers</a:t>
-            </a:r>
-          </a:p>
-        </p:txBody>
-      </p:sp>
-      <p:pic>
-        <p:nvPicPr>
-          <p:cNvPr id="3" name="Picture 2">
-            <a:extLst>
-              <a:ext uri="{FF2B5EF4-FFF2-40B4-BE49-F238E27FC236}">
-                <a16:creationId xmlns:a16="http://schemas.microsoft.com/office/drawing/2014/main" id="{8BBE4423-648D-71B9-D5A9-7A545378E3E2}"/>
-              </a:ext>
-            </a:extLst>
-          </p:cNvPr>
-          <p:cNvPicPr>
-            <a:picLocks noChangeAspect="1"/>
-          </p:cNvPicPr>
-          <p:nvPr/>
-        </p:nvPicPr>
-        <p:blipFill>
-          <a:blip r:embed="rId2"/>
-          <a:srcRect/>
-          <a:stretch/>
-        </p:blipFill>
-        <p:spPr>
-          <a:xfrm>
-            <a:off x="284854" y="2643296"/>
-            <a:ext cx="5423588" cy="3908797"/>
-          </a:xfrm>
-          <a:prstGeom prst="rect">
-            <a:avLst/>
-          </a:prstGeom>
-          <a:ln>
-            <a:solidFill>
-              <a:schemeClr val="tx1">
-                <a:lumMod val="75000"/>
-                <a:lumOff val="25000"/>
-              </a:schemeClr>
-            </a:solidFill>
-          </a:ln>
-        </p:spPr>
-      </p:pic>
-      <p:sp>
-        <p:nvSpPr>
-          <p:cNvPr id="8" name="TextBox 7">
-            <a:extLst>
-              <a:ext uri="{FF2B5EF4-FFF2-40B4-BE49-F238E27FC236}">
-                <a16:creationId xmlns:a16="http://schemas.microsoft.com/office/drawing/2014/main" id="{D9226DFB-545D-5205-C75D-69336778DF29}"/>
-              </a:ext>
-            </a:extLst>
-          </p:cNvPr>
-          <p:cNvSpPr txBox="1"/>
-          <p:nvPr/>
-        </p:nvSpPr>
-        <p:spPr>
-          <a:xfrm>
-            <a:off x="311499" y="1559617"/>
-            <a:ext cx="3196516" cy="830997"/>
-          </a:xfrm>
-          <a:prstGeom prst="rect">
-            <a:avLst/>
-          </a:prstGeom>
-          <a:noFill/>
-        </p:spPr>
-        <p:txBody>
-          <a:bodyPr wrap="none" rtlCol="0">
-            <a:spAutoFit/>
-          </a:bodyPr>
-          <a:lstStyle/>
-          <a:p>
-            <a:pPr marL="285750" indent="-285750">
-              <a:buFont typeface="Arial" panose="020B0604020202020204" pitchFamily="34" charset="0"/>
-              <a:buChar char="•"/>
-            </a:pPr>
-            <a:r>
-              <a:rPr lang="en-US" sz="1600" dirty="0"/>
-              <a:t>73.6% of incidents were not fatal</a:t>
-            </a:r>
-          </a:p>
-          <a:p>
-            <a:pPr marL="285750" indent="-285750">
-              <a:buFont typeface="Arial" panose="020B0604020202020204" pitchFamily="34" charset="0"/>
-              <a:buChar char="•"/>
-            </a:pPr>
-            <a:endParaRPr lang="en-US" sz="1600" dirty="0"/>
-          </a:p>
-          <a:p>
-            <a:pPr marL="285750" indent="-285750">
-              <a:buFont typeface="Arial" panose="020B0604020202020204" pitchFamily="34" charset="0"/>
-              <a:buChar char="•"/>
-            </a:pPr>
-            <a:r>
-              <a:rPr lang="en-US" sz="1600" dirty="0"/>
-              <a:t>26.4% were fatal</a:t>
-            </a:r>
-          </a:p>
-        </p:txBody>
-      </p:sp>
-      <p:pic>
-        <p:nvPicPr>
-          <p:cNvPr id="16" name="Content Placeholder 4" descr="A graph showing the number of reports&#10;&#10;Description automatically generated with medium confidence">
-            <a:extLst>
-              <a:ext uri="{FF2B5EF4-FFF2-40B4-BE49-F238E27FC236}">
-                <a16:creationId xmlns:a16="http://schemas.microsoft.com/office/drawing/2014/main" id="{42ACAF6E-E06A-1732-13C5-849CC9C090B0}"/>
-              </a:ext>
-            </a:extLst>
-          </p:cNvPr>
-          <p:cNvPicPr>
-            <a:picLocks noGrp="1" noChangeAspect="1"/>
-          </p:cNvPicPr>
-          <p:nvPr>
-            <p:ph idx="1"/>
-          </p:nvPr>
-        </p:nvPicPr>
-        <p:blipFill>
-          <a:blip r:embed="rId3"/>
-          <a:stretch>
-            <a:fillRect/>
-          </a:stretch>
-        </p:blipFill>
-        <p:spPr>
-          <a:xfrm>
-            <a:off x="5849134" y="2643296"/>
-            <a:ext cx="6111638" cy="3908796"/>
-          </a:xfrm>
-          <a:ln>
-            <a:solidFill>
-              <a:schemeClr val="tx1">
-                <a:lumMod val="75000"/>
-                <a:lumOff val="25000"/>
-              </a:schemeClr>
-            </a:solidFill>
-          </a:ln>
-        </p:spPr>
-      </p:pic>
-      <p:sp>
-        <p:nvSpPr>
-          <p:cNvPr id="17" name="TextBox 16">
-            <a:extLst>
-              <a:ext uri="{FF2B5EF4-FFF2-40B4-BE49-F238E27FC236}">
-                <a16:creationId xmlns:a16="http://schemas.microsoft.com/office/drawing/2014/main" id="{502D896D-3B85-7727-CF60-FD35BF063F01}"/>
-              </a:ext>
-            </a:extLst>
-          </p:cNvPr>
-          <p:cNvSpPr txBox="1"/>
-          <p:nvPr/>
-        </p:nvSpPr>
-        <p:spPr>
-          <a:xfrm>
-            <a:off x="6035380" y="1610138"/>
-            <a:ext cx="4854214" cy="830997"/>
-          </a:xfrm>
-          <a:prstGeom prst="rect">
-            <a:avLst/>
-          </a:prstGeom>
-          <a:noFill/>
-        </p:spPr>
-        <p:txBody>
-          <a:bodyPr wrap="none" rtlCol="0">
-            <a:spAutoFit/>
-          </a:bodyPr>
-          <a:lstStyle/>
-          <a:p>
-            <a:pPr marL="285750" indent="-285750">
-              <a:buFont typeface="Arial" panose="020B0604020202020204" pitchFamily="34" charset="0"/>
-              <a:buChar char="•"/>
-            </a:pPr>
-            <a:r>
-              <a:rPr lang="en-US" sz="1600" dirty="0"/>
-              <a:t>Most incidents occur during flight and landing phases</a:t>
-            </a:r>
-          </a:p>
-          <a:p>
-            <a:pPr marL="285750" indent="-285750">
-              <a:buFont typeface="Arial" panose="020B0604020202020204" pitchFamily="34" charset="0"/>
-              <a:buChar char="•"/>
-            </a:pPr>
-            <a:endParaRPr lang="en-US" sz="1600" dirty="0"/>
-          </a:p>
-          <a:p>
-            <a:endParaRPr lang="en-US" sz="1600" dirty="0"/>
-          </a:p>
-        </p:txBody>
-      </p:sp>
-    </p:spTree>
-    <p:extLst>
-      <p:ext uri="{BB962C8B-B14F-4D97-AF65-F5344CB8AC3E}">
-        <p14:creationId xmlns:p14="http://schemas.microsoft.com/office/powerpoint/2010/main" val="3360794888"/>
-      </p:ext>
-    </p:extLst>
-  </p:cSld>
-  <p:clrMapOvr>
-    <a:masterClrMapping/>
-  </p:clrMapOvr>
-</p:sld>
-</file>
-
-<file path=ppt/slides/slide7.xml><?xml version="1.0" encoding="utf-8"?>
-<p:sld xmlns:a="http://schemas.openxmlformats.org/drawingml/2006/main" xmlns:r="http://schemas.openxmlformats.org/officeDocument/2006/relationships" xmlns:p="http://schemas.openxmlformats.org/presentationml/2006/main">
-  <p:cSld>
-    <p:bg>
-      <p:bgPr>
-        <a:solidFill>
-          <a:schemeClr val="tx2">
-            <a:lumMod val="60000"/>
-            <a:lumOff val="40000"/>
-          </a:schemeClr>
-        </a:solidFill>
-        <a:effectLst/>
-      </p:bgPr>
-    </p:bg>
-    <p:spTree>
-      <p:nvGrpSpPr>
-        <p:cNvPr id="1" name=""/>
-        <p:cNvGrpSpPr/>
-        <p:nvPr/>
-      </p:nvGrpSpPr>
-      <p:grpSpPr>
-        <a:xfrm>
-          <a:off x="0" y="0"/>
-          <a:ext cx="0" cy="0"/>
-          <a:chOff x="0" y="0"/>
-          <a:chExt cx="0" cy="0"/>
-        </a:xfrm>
-      </p:grpSpPr>
-      <p:sp>
-        <p:nvSpPr>
-          <p:cNvPr id="5" name="Title 1">
-            <a:extLst>
-              <a:ext uri="{FF2B5EF4-FFF2-40B4-BE49-F238E27FC236}">
-                <a16:creationId xmlns:a16="http://schemas.microsoft.com/office/drawing/2014/main" id="{A411EA8E-E436-6EF4-F7AF-F1C2EDFE4F1C}"/>
-              </a:ext>
-            </a:extLst>
-          </p:cNvPr>
-          <p:cNvSpPr>
-            <a:spLocks noGrp="1"/>
-          </p:cNvSpPr>
-          <p:nvPr>
-            <p:ph type="title"/>
-          </p:nvPr>
-        </p:nvSpPr>
-        <p:spPr>
-          <a:xfrm>
-            <a:off x="2231136" y="219257"/>
-            <a:ext cx="7729728" cy="1188720"/>
-          </a:xfrm>
-        </p:spPr>
-        <p:txBody>
-          <a:bodyPr/>
-          <a:lstStyle/>
-          <a:p>
-            <a:r>
-              <a:rPr lang="en-US" dirty="0"/>
-              <a:t>Air Traffic Incidents by the numbers</a:t>
-            </a:r>
-          </a:p>
-        </p:txBody>
-      </p:sp>
-      <p:pic>
-        <p:nvPicPr>
-          <p:cNvPr id="6" name="Picture 5">
-            <a:extLst>
-              <a:ext uri="{FF2B5EF4-FFF2-40B4-BE49-F238E27FC236}">
-                <a16:creationId xmlns:a16="http://schemas.microsoft.com/office/drawing/2014/main" id="{F2D4F53A-0B0C-5C18-8B49-AF082EF04811}"/>
-              </a:ext>
-            </a:extLst>
-          </p:cNvPr>
-          <p:cNvPicPr>
-            <a:picLocks noChangeAspect="1"/>
-          </p:cNvPicPr>
-          <p:nvPr/>
-        </p:nvPicPr>
-        <p:blipFill>
-          <a:blip r:embed="rId2"/>
-          <a:srcRect/>
-          <a:stretch/>
-        </p:blipFill>
-        <p:spPr>
-          <a:xfrm>
-            <a:off x="160428" y="2643296"/>
-            <a:ext cx="5360029" cy="3908796"/>
-          </a:xfrm>
-          <a:prstGeom prst="rect">
-            <a:avLst/>
-          </a:prstGeom>
-          <a:ln>
-            <a:solidFill>
-              <a:schemeClr val="tx1">
-                <a:lumMod val="75000"/>
-                <a:lumOff val="25000"/>
-              </a:schemeClr>
-            </a:solidFill>
-          </a:ln>
-        </p:spPr>
-      </p:pic>
-      <p:sp>
-        <p:nvSpPr>
-          <p:cNvPr id="10" name="TextBox 9">
-            <a:extLst>
-              <a:ext uri="{FF2B5EF4-FFF2-40B4-BE49-F238E27FC236}">
-                <a16:creationId xmlns:a16="http://schemas.microsoft.com/office/drawing/2014/main" id="{778D88D2-E9C9-6831-4504-66AD8635A2D1}"/>
-              </a:ext>
-            </a:extLst>
-          </p:cNvPr>
-          <p:cNvSpPr txBox="1"/>
-          <p:nvPr/>
-        </p:nvSpPr>
-        <p:spPr>
-          <a:xfrm>
-            <a:off x="440146" y="1610138"/>
-            <a:ext cx="3679597" cy="830997"/>
-          </a:xfrm>
-          <a:prstGeom prst="rect">
-            <a:avLst/>
-          </a:prstGeom>
-          <a:noFill/>
-        </p:spPr>
-        <p:txBody>
-          <a:bodyPr wrap="none" rtlCol="0">
-            <a:spAutoFit/>
-          </a:bodyPr>
-          <a:lstStyle/>
-          <a:p>
-            <a:pPr marL="285750" indent="-285750">
-              <a:buFont typeface="Arial" panose="020B0604020202020204" pitchFamily="34" charset="0"/>
-              <a:buChar char="•"/>
-            </a:pPr>
-            <a:r>
-              <a:rPr lang="en-US" sz="1600" dirty="0"/>
-              <a:t>67% of fatal incidents had no survivors</a:t>
-            </a:r>
-          </a:p>
-          <a:p>
-            <a:pPr marL="285750" indent="-285750">
-              <a:buFont typeface="Arial" panose="020B0604020202020204" pitchFamily="34" charset="0"/>
-              <a:buChar char="•"/>
-            </a:pPr>
-            <a:endParaRPr lang="en-US" sz="1600" dirty="0"/>
-          </a:p>
-          <a:p>
-            <a:pPr marL="285750" indent="-285750">
-              <a:buFont typeface="Arial" panose="020B0604020202020204" pitchFamily="34" charset="0"/>
-              <a:buChar char="•"/>
-            </a:pPr>
-            <a:r>
-              <a:rPr lang="en-US" sz="1600" dirty="0"/>
-              <a:t>33% had some</a:t>
-            </a:r>
-          </a:p>
-        </p:txBody>
-      </p:sp>
-      <p:pic>
-        <p:nvPicPr>
-          <p:cNvPr id="2" name="Picture 1">
-            <a:extLst>
-              <a:ext uri="{FF2B5EF4-FFF2-40B4-BE49-F238E27FC236}">
-                <a16:creationId xmlns:a16="http://schemas.microsoft.com/office/drawing/2014/main" id="{68CFAA59-1B6C-AA85-FE6C-7074B09F52B0}"/>
-              </a:ext>
-            </a:extLst>
-          </p:cNvPr>
-          <p:cNvPicPr>
-            <a:picLocks noChangeAspect="1"/>
-          </p:cNvPicPr>
-          <p:nvPr/>
-        </p:nvPicPr>
-        <p:blipFill>
-          <a:blip r:embed="rId3"/>
-          <a:srcRect/>
-          <a:stretch/>
-        </p:blipFill>
-        <p:spPr>
-          <a:xfrm>
-            <a:off x="5715550" y="2643296"/>
-            <a:ext cx="6316022" cy="3908796"/>
-          </a:xfrm>
-          <a:prstGeom prst="rect">
-            <a:avLst/>
-          </a:prstGeom>
-          <a:ln>
-            <a:solidFill>
-              <a:schemeClr val="tx1">
-                <a:lumMod val="75000"/>
-                <a:lumOff val="25000"/>
-              </a:schemeClr>
-            </a:solidFill>
-          </a:ln>
-        </p:spPr>
-      </p:pic>
-      <p:sp>
-        <p:nvSpPr>
-          <p:cNvPr id="3" name="TextBox 2">
-            <a:extLst>
-              <a:ext uri="{FF2B5EF4-FFF2-40B4-BE49-F238E27FC236}">
-                <a16:creationId xmlns:a16="http://schemas.microsoft.com/office/drawing/2014/main" id="{08CD4B23-639D-C83B-91CA-19DEF8B93072}"/>
-              </a:ext>
-            </a:extLst>
-          </p:cNvPr>
-          <p:cNvSpPr txBox="1"/>
-          <p:nvPr/>
-        </p:nvSpPr>
-        <p:spPr>
-          <a:xfrm>
-            <a:off x="6035380" y="1610138"/>
-            <a:ext cx="4279761" cy="830997"/>
-          </a:xfrm>
-          <a:prstGeom prst="rect">
-            <a:avLst/>
-          </a:prstGeom>
-          <a:noFill/>
-        </p:spPr>
-        <p:txBody>
-          <a:bodyPr wrap="none" rtlCol="0">
-            <a:spAutoFit/>
-          </a:bodyPr>
-          <a:lstStyle/>
-          <a:p>
-            <a:pPr marL="285750" indent="-285750">
-              <a:buFont typeface="Arial" panose="020B0604020202020204" pitchFamily="34" charset="0"/>
-              <a:buChar char="•"/>
-            </a:pPr>
-            <a:r>
-              <a:rPr lang="en-US" sz="1600" dirty="0"/>
-              <a:t>Most incidents were categorized as accidental</a:t>
-            </a:r>
-          </a:p>
-          <a:p>
-            <a:pPr marL="285750" indent="-285750">
-              <a:buFont typeface="Arial" panose="020B0604020202020204" pitchFamily="34" charset="0"/>
-              <a:buChar char="•"/>
-            </a:pPr>
-            <a:endParaRPr lang="en-US" sz="1600" dirty="0"/>
-          </a:p>
-          <a:p>
-            <a:endParaRPr lang="en-US" sz="1600" dirty="0"/>
-          </a:p>
-        </p:txBody>
-      </p:sp>
-    </p:spTree>
-    <p:extLst>
-      <p:ext uri="{BB962C8B-B14F-4D97-AF65-F5344CB8AC3E}">
-        <p14:creationId xmlns:p14="http://schemas.microsoft.com/office/powerpoint/2010/main" val="4221530064"/>
-      </p:ext>
-    </p:extLst>
-  </p:cSld>
-  <p:clrMapOvr>
-    <a:masterClrMapping/>
-  </p:clrMapOvr>
-</p:sld>
-</file>
-
-<file path=ppt/slides/slide8.xml><?xml version="1.0" encoding="utf-8"?>
-<p:sld xmlns:a="http://schemas.openxmlformats.org/drawingml/2006/main" xmlns:r="http://schemas.openxmlformats.org/officeDocument/2006/relationships" xmlns:p="http://schemas.openxmlformats.org/presentationml/2006/main" show="0">
-  <p:cSld>
-    <p:bg>
-      <p:bgPr>
-        <a:solidFill>
-          <a:schemeClr val="tx2">
-            <a:lumMod val="60000"/>
-            <a:lumOff val="40000"/>
-          </a:schemeClr>
-        </a:solidFill>
-        <a:effectLst/>
-      </p:bgPr>
-    </p:bg>
-    <p:spTree>
-      <p:nvGrpSpPr>
-        <p:cNvPr id="1" name=""/>
-        <p:cNvGrpSpPr/>
-        <p:nvPr/>
-      </p:nvGrpSpPr>
-      <p:grpSpPr>
-        <a:xfrm>
-          <a:off x="0" y="0"/>
-          <a:ext cx="0" cy="0"/>
-          <a:chOff x="0" y="0"/>
-          <a:chExt cx="0" cy="0"/>
-        </a:xfrm>
-      </p:grpSpPr>
-      <p:pic>
-        <p:nvPicPr>
-          <p:cNvPr id="5" name="Content Placeholder 4" descr="A graph showing the number of reports&#10;&#10;Description automatically generated with medium confidence">
-            <a:extLst>
-              <a:ext uri="{FF2B5EF4-FFF2-40B4-BE49-F238E27FC236}">
-                <a16:creationId xmlns:a16="http://schemas.microsoft.com/office/drawing/2014/main" id="{A2B4B2C2-9726-3E94-D670-7647C14E070E}"/>
-              </a:ext>
-            </a:extLst>
-          </p:cNvPr>
-          <p:cNvPicPr>
-            <a:picLocks noGrp="1" noChangeAspect="1"/>
-          </p:cNvPicPr>
-          <p:nvPr>
-            <p:ph idx="1"/>
-          </p:nvPr>
-        </p:nvPicPr>
-        <p:blipFill>
-          <a:blip r:embed="rId2"/>
-          <a:stretch>
-            <a:fillRect/>
-          </a:stretch>
-        </p:blipFill>
-        <p:spPr>
-          <a:xfrm>
-            <a:off x="5764696" y="39756"/>
-            <a:ext cx="6342866" cy="3677198"/>
-          </a:xfrm>
-        </p:spPr>
-      </p:pic>
-      <p:sp>
-        <p:nvSpPr>
-          <p:cNvPr id="6" name="Title 1">
-            <a:extLst>
-              <a:ext uri="{FF2B5EF4-FFF2-40B4-BE49-F238E27FC236}">
-                <a16:creationId xmlns:a16="http://schemas.microsoft.com/office/drawing/2014/main" id="{A792DCEA-4B83-1D55-6F53-8D57C2A4F09E}"/>
-              </a:ext>
-            </a:extLst>
-          </p:cNvPr>
-          <p:cNvSpPr>
-            <a:spLocks noGrp="1"/>
-          </p:cNvSpPr>
-          <p:nvPr>
-            <p:ph type="title"/>
-          </p:nvPr>
-        </p:nvSpPr>
-        <p:spPr>
-          <a:xfrm>
-            <a:off x="412429" y="2859057"/>
-            <a:ext cx="4852494" cy="1139885"/>
-          </a:xfrm>
-        </p:spPr>
-        <p:txBody>
-          <a:bodyPr/>
-          <a:lstStyle/>
-          <a:p>
-            <a:r>
-              <a:rPr lang="en-US" dirty="0"/>
-              <a:t>Air Traffic Incidents by the numbers</a:t>
-            </a:r>
-          </a:p>
-        </p:txBody>
-      </p:sp>
-      <p:pic>
-        <p:nvPicPr>
-          <p:cNvPr id="8" name="Picture 7">
-            <a:extLst>
-              <a:ext uri="{FF2B5EF4-FFF2-40B4-BE49-F238E27FC236}">
-                <a16:creationId xmlns:a16="http://schemas.microsoft.com/office/drawing/2014/main" id="{2DDA3601-B6B6-5B7A-84CB-E3D619159159}"/>
-              </a:ext>
-            </a:extLst>
-          </p:cNvPr>
-          <p:cNvPicPr>
-            <a:picLocks noChangeAspect="1"/>
-          </p:cNvPicPr>
-          <p:nvPr/>
-        </p:nvPicPr>
-        <p:blipFill>
-          <a:blip r:embed="rId3"/>
-          <a:srcRect/>
-          <a:stretch/>
-        </p:blipFill>
-        <p:spPr>
-          <a:xfrm>
-            <a:off x="5764696" y="3787866"/>
-            <a:ext cx="6342866" cy="3007175"/>
-          </a:xfrm>
-          <a:prstGeom prst="rect">
-            <a:avLst/>
-          </a:prstGeom>
-        </p:spPr>
-      </p:pic>
-    </p:spTree>
-    <p:extLst>
-      <p:ext uri="{BB962C8B-B14F-4D97-AF65-F5344CB8AC3E}">
-        <p14:creationId xmlns:p14="http://schemas.microsoft.com/office/powerpoint/2010/main" val="1986226628"/>
-      </p:ext>
-    </p:extLst>
-  </p:cSld>
-  <p:clrMapOvr>
-    <a:masterClrMapping/>
-  </p:clrMapOvr>
-</p:sld>
-</file>
-
-<file path=ppt/slides/slide9.xml><?xml version="1.0" encoding="utf-8"?>
-<p:sld xmlns:a="http://schemas.openxmlformats.org/drawingml/2006/main" xmlns:r="http://schemas.openxmlformats.org/officeDocument/2006/relationships" xmlns:p="http://schemas.openxmlformats.org/presentationml/2006/main">
-  <p:cSld>
-    <p:bg>
-      <p:bgPr>
-        <a:solidFill>
-          <a:schemeClr val="tx2">
-            <a:lumMod val="60000"/>
-            <a:lumOff val="40000"/>
-          </a:schemeClr>
-        </a:solidFill>
-        <a:effectLst/>
-      </p:bgPr>
-    </p:bg>
-    <p:spTree>
-      <p:nvGrpSpPr>
-        <p:cNvPr id="1" name=""/>
-        <p:cNvGrpSpPr/>
-        <p:nvPr/>
-      </p:nvGrpSpPr>
-      <p:grpSpPr>
-        <a:xfrm>
-          <a:off x="0" y="0"/>
-          <a:ext cx="0" cy="0"/>
-          <a:chOff x="0" y="0"/>
-          <a:chExt cx="0" cy="0"/>
-        </a:xfrm>
-      </p:grpSpPr>
-      <p:sp useBgFill="1">
-        <p:nvSpPr>
-          <p:cNvPr id="9" name="Rectangle 8">
-            <a:extLst>
-              <a:ext uri="{FF2B5EF4-FFF2-40B4-BE49-F238E27FC236}">
-                <a16:creationId xmlns:a16="http://schemas.microsoft.com/office/drawing/2014/main" id="{93F0ADB5-A0B4-4B01-A8C4-FDC34CE22BD4}"/>
-              </a:ext>
-              <a:ext uri="{C183D7F6-B498-43B3-948B-1728B52AA6E4}">
-                <adec:decorative xmlns:adec="http://schemas.microsoft.com/office/drawing/2017/decorative" val="1"/>
-              </a:ext>
-            </a:extLst>
-          </p:cNvPr>
-          <p:cNvSpPr>
-            <a:spLocks noGrp="1" noRot="1" noChangeAspect="1" noMove="1" noResize="1" noEditPoints="1" noAdjustHandles="1" noChangeArrowheads="1" noChangeShapeType="1" noTextEdit="1"/>
-          </p:cNvSpPr>
-          <p:nvPr>
-            <p:extLst>
-              <p:ext uri="{386F3935-93C4-4BCD-93E2-E3B085C9AB24}">
-                <p16:designElem xmlns:p16="http://schemas.microsoft.com/office/powerpoint/2015/main" val="1"/>
-              </p:ext>
-            </p:extLst>
-          </p:nvPr>
-        </p:nvSpPr>
-        <p:spPr>
-          <a:xfrm>
-            <a:off x="0" y="0"/>
-            <a:ext cx="12191999" cy="6858000"/>
-          </a:xfrm>
-          <a:prstGeom prst="rect">
-            <a:avLst/>
-          </a:prstGeom>
-          <a:ln>
-            <a:noFill/>
-          </a:ln>
-        </p:spPr>
-        <p:style>
-          <a:lnRef idx="2">
-            <a:schemeClr val="accent1">
-              <a:shade val="50000"/>
-            </a:schemeClr>
-          </a:lnRef>
-          <a:fillRef idx="1">
-            <a:schemeClr val="accent1"/>
-          </a:fillRef>
-          <a:effectRef idx="0">
-            <a:schemeClr val="accent1"/>
-          </a:effectRef>
-          <a:fontRef idx="minor">
-            <a:schemeClr val="lt1"/>
-          </a:fontRef>
-        </p:style>
-        <p:txBody>
-          <a:bodyPr rtlCol="0" anchor="ctr"/>
-          <a:lstStyle/>
-          <a:p>
-            <a:pPr algn="ctr"/>
-            <a:endParaRPr lang="en-US"/>
-          </a:p>
-        </p:txBody>
-      </p:sp>
-      <p:sp>
-        <p:nvSpPr>
-          <p:cNvPr id="11" name="Rectangle 10">
-            <a:extLst>
-              <a:ext uri="{FF2B5EF4-FFF2-40B4-BE49-F238E27FC236}">
-                <a16:creationId xmlns:a16="http://schemas.microsoft.com/office/drawing/2014/main" id="{AA6D0FDE-0241-4C21-A720-A69475358235}"/>
-              </a:ext>
-              <a:ext uri="{C183D7F6-B498-43B3-948B-1728B52AA6E4}">
-                <adec:decorative xmlns:adec="http://schemas.microsoft.com/office/drawing/2017/decorative" val="1"/>
-              </a:ext>
-            </a:extLst>
-          </p:cNvPr>
-          <p:cNvSpPr>
-            <a:spLocks noGrp="1" noRot="1" noChangeAspect="1" noMove="1" noResize="1" noEditPoints="1" noAdjustHandles="1" noChangeArrowheads="1" noChangeShapeType="1" noTextEdit="1"/>
-          </p:cNvSpPr>
-          <p:nvPr>
-            <p:extLst>
-              <p:ext uri="{386F3935-93C4-4BCD-93E2-E3B085C9AB24}">
-                <p16:designElem xmlns:p16="http://schemas.microsoft.com/office/powerpoint/2015/main" val="1"/>
-              </p:ext>
-            </p:extLst>
-          </p:nvPr>
-        </p:nvSpPr>
-        <p:spPr>
-          <a:xfrm>
-            <a:off x="0" y="0"/>
-            <a:ext cx="4654296" cy="6858000"/>
-          </a:xfrm>
-          <a:prstGeom prst="rect">
-            <a:avLst/>
-          </a:prstGeom>
-          <a:solidFill>
-            <a:schemeClr val="tx2"/>
-          </a:solidFill>
-          <a:ln>
-            <a:noFill/>
-          </a:ln>
-        </p:spPr>
-        <p:style>
-          <a:lnRef idx="0">
-            <a:scrgbClr r="0" g="0" b="0"/>
-          </a:lnRef>
-          <a:fillRef idx="0">
-            <a:scrgbClr r="0" g="0" b="0"/>
-          </a:fillRef>
-          <a:effectRef idx="0">
-            <a:scrgbClr r="0" g="0" b="0"/>
-          </a:effectRef>
-          <a:fontRef idx="minor">
-            <a:schemeClr val="lt1"/>
-          </a:fontRef>
-        </p:style>
-        <p:txBody>
-          <a:bodyPr rtlCol="0" anchor="ctr"/>
-          <a:lstStyle/>
-          <a:p>
-            <a:pPr algn="ctr"/>
-            <a:endParaRPr lang="en-US"/>
-          </a:p>
-        </p:txBody>
-      </p:sp>
-      <p:sp>
-        <p:nvSpPr>
-          <p:cNvPr id="2" name="Title 1">
-            <a:extLst>
-              <a:ext uri="{FF2B5EF4-FFF2-40B4-BE49-F238E27FC236}">
-                <a16:creationId xmlns:a16="http://schemas.microsoft.com/office/drawing/2014/main" id="{5E88D82B-178D-8C90-1617-7330CD784C1C}"/>
-              </a:ext>
-            </a:extLst>
-          </p:cNvPr>
-          <p:cNvSpPr>
-            <a:spLocks noGrp="1"/>
-          </p:cNvSpPr>
-          <p:nvPr>
-            <p:ph type="title"/>
-          </p:nvPr>
-        </p:nvSpPr>
-        <p:spPr>
-          <a:xfrm>
-            <a:off x="643467" y="2681103"/>
-            <a:ext cx="3363974" cy="1495794"/>
-          </a:xfrm>
-          <a:noFill/>
-          <a:ln>
-            <a:solidFill>
-              <a:schemeClr val="bg1"/>
-            </a:solidFill>
-          </a:ln>
-        </p:spPr>
-        <p:txBody>
-          <a:bodyPr wrap="square">
-            <a:normAutofit/>
-          </a:bodyPr>
-          <a:lstStyle/>
-          <a:p>
-            <a:r>
-              <a:rPr lang="en-US" dirty="0">
-                <a:solidFill>
-                  <a:schemeClr val="bg1"/>
-                </a:solidFill>
-              </a:rPr>
-              <a:t>Hypotheses</a:t>
-            </a:r>
-          </a:p>
-        </p:txBody>
-      </p:sp>
-      <p:graphicFrame>
-        <p:nvGraphicFramePr>
-          <p:cNvPr id="5" name="Content Placeholder 2">
-            <a:extLst>
-              <a:ext uri="{FF2B5EF4-FFF2-40B4-BE49-F238E27FC236}">
-                <a16:creationId xmlns:a16="http://schemas.microsoft.com/office/drawing/2014/main" id="{0C2BC0B7-E9C7-201C-DD9B-BB16049EBF35}"/>
-              </a:ext>
-            </a:extLst>
-          </p:cNvPr>
-          <p:cNvGraphicFramePr>
-            <a:graphicFrameLocks noGrp="1"/>
-          </p:cNvGraphicFramePr>
-          <p:nvPr>
-            <p:ph idx="1"/>
-            <p:extLst>
-              <p:ext uri="{D42A27DB-BD31-4B8C-83A1-F6EECF244321}">
-                <p14:modId xmlns:p14="http://schemas.microsoft.com/office/powerpoint/2010/main" val="3319957364"/>
-              </p:ext>
-            </p:extLst>
-          </p:nvPr>
-        </p:nvGraphicFramePr>
-        <p:xfrm>
-          <a:off x="5619750" y="965200"/>
-          <a:ext cx="5607050" cy="4927600"/>
-        </p:xfrm>
-        <a:graphic>
-          <a:graphicData uri="http://schemas.openxmlformats.org/drawingml/2006/diagram">
-            <dgm:relIds xmlns:dgm="http://schemas.openxmlformats.org/drawingml/2006/diagram" xmlns:r="http://schemas.openxmlformats.org/officeDocument/2006/relationships" r:dm="rId2" r:lo="rId3" r:qs="rId4" r:cs="rId5"/>
-          </a:graphicData>
-        </a:graphic>
-      </p:graphicFrame>
-    </p:spTree>
-    <p:extLst>
-      <p:ext uri="{BB962C8B-B14F-4D97-AF65-F5344CB8AC3E}">
-        <p14:creationId xmlns:p14="http://schemas.microsoft.com/office/powerpoint/2010/main" val="1116583737"/>
-      </p:ext>
-    </p:extLst>
-  </p:cSld>
-  <p:clrMapOvr>
-    <a:masterClrMapping/>
   </p:clrMapOvr>
 </p:sld>
 </file>
@@ -15831,4 +12831,299 @@
     </a:ext>
   </a:extLst>
 </a:theme>
+</file>
+
+<file path=ppt/theme/theme2.xml><?xml version="1.0" encoding="utf-8"?>
+<a:theme xmlns:a="http://schemas.openxmlformats.org/drawingml/2006/main" name="Office Theme">
+  <a:themeElements>
+    <a:clrScheme name="Office">
+      <a:dk1>
+        <a:sysClr val="windowText" lastClr="000000"/>
+      </a:dk1>
+      <a:lt1>
+        <a:sysClr val="window" lastClr="FFFFFF"/>
+      </a:lt1>
+      <a:dk2>
+        <a:srgbClr val="44546A"/>
+      </a:dk2>
+      <a:lt2>
+        <a:srgbClr val="E7E6E6"/>
+      </a:lt2>
+      <a:accent1>
+        <a:srgbClr val="4472C4"/>
+      </a:accent1>
+      <a:accent2>
+        <a:srgbClr val="ED7D31"/>
+      </a:accent2>
+      <a:accent3>
+        <a:srgbClr val="A5A5A5"/>
+      </a:accent3>
+      <a:accent4>
+        <a:srgbClr val="FFC000"/>
+      </a:accent4>
+      <a:accent5>
+        <a:srgbClr val="5B9BD5"/>
+      </a:accent5>
+      <a:accent6>
+        <a:srgbClr val="70AD47"/>
+      </a:accent6>
+      <a:hlink>
+        <a:srgbClr val="0563C1"/>
+      </a:hlink>
+      <a:folHlink>
+        <a:srgbClr val="954F72"/>
+      </a:folHlink>
+    </a:clrScheme>
+    <a:fontScheme name="Office">
+      <a:majorFont>
+        <a:latin typeface="Calibri Light" panose="020F0302020204030204"/>
+        <a:ea typeface=""/>
+        <a:cs typeface=""/>
+        <a:font script="Jpan" typeface="游ゴシック Light"/>
+        <a:font script="Hang" typeface="맑은 고딕"/>
+        <a:font script="Hans" typeface="等线 Light"/>
+        <a:font script="Hant" typeface="新細明體"/>
+        <a:font script="Arab" typeface="Times New Roman"/>
+        <a:font script="Hebr" typeface="Times New Roman"/>
+        <a:font script="Thai" typeface="Angsana New"/>
+        <a:font script="Ethi" typeface="Nyala"/>
+        <a:font script="Beng" typeface="Vrinda"/>
+        <a:font script="Gujr" typeface="Shruti"/>
+        <a:font script="Khmr" typeface="MoolBoran"/>
+        <a:font script="Knda" typeface="Tunga"/>
+        <a:font script="Guru" typeface="Raavi"/>
+        <a:font script="Cans" typeface="Euphemia"/>
+        <a:font script="Cher" typeface="Plantagenet Cherokee"/>
+        <a:font script="Yiii" typeface="Microsoft Yi Baiti"/>
+        <a:font script="Tibt" typeface="Microsoft Himalaya"/>
+        <a:font script="Thaa" typeface="MV Boli"/>
+        <a:font script="Deva" typeface="Mangal"/>
+        <a:font script="Telu" typeface="Gautami"/>
+        <a:font script="Taml" typeface="Latha"/>
+        <a:font script="Syrc" typeface="Estrangelo Edessa"/>
+        <a:font script="Orya" typeface="Kalinga"/>
+        <a:font script="Mlym" typeface="Kartika"/>
+        <a:font script="Laoo" typeface="DokChampa"/>
+        <a:font script="Sinh" typeface="Iskoola Pota"/>
+        <a:font script="Mong" typeface="Mongolian Baiti"/>
+        <a:font script="Viet" typeface="Times New Roman"/>
+        <a:font script="Uigh" typeface="Microsoft Uighur"/>
+        <a:font script="Geor" typeface="Sylfaen"/>
+        <a:font script="Armn" typeface="Arial"/>
+        <a:font script="Bugi" typeface="Leelawadee UI"/>
+        <a:font script="Bopo" typeface="Microsoft JhengHei"/>
+        <a:font script="Java" typeface="Javanese Text"/>
+        <a:font script="Lisu" typeface="Segoe UI"/>
+        <a:font script="Mymr" typeface="Myanmar Text"/>
+        <a:font script="Nkoo" typeface="Ebrima"/>
+        <a:font script="Olck" typeface="Nirmala UI"/>
+        <a:font script="Osma" typeface="Ebrima"/>
+        <a:font script="Phag" typeface="Phagspa"/>
+        <a:font script="Syrn" typeface="Estrangelo Edessa"/>
+        <a:font script="Syrj" typeface="Estrangelo Edessa"/>
+        <a:font script="Syre" typeface="Estrangelo Edessa"/>
+        <a:font script="Sora" typeface="Nirmala UI"/>
+        <a:font script="Tale" typeface="Microsoft Tai Le"/>
+        <a:font script="Talu" typeface="Microsoft New Tai Lue"/>
+        <a:font script="Tfng" typeface="Ebrima"/>
+      </a:majorFont>
+      <a:minorFont>
+        <a:latin typeface="Calibri" panose="020F0502020204030204"/>
+        <a:ea typeface=""/>
+        <a:cs typeface=""/>
+        <a:font script="Jpan" typeface="游ゴシック"/>
+        <a:font script="Hang" typeface="맑은 고딕"/>
+        <a:font script="Hans" typeface="等线"/>
+        <a:font script="Hant" typeface="新細明體"/>
+        <a:font script="Arab" typeface="Arial"/>
+        <a:font script="Hebr" typeface="Arial"/>
+        <a:font script="Thai" typeface="Cordia New"/>
+        <a:font script="Ethi" typeface="Nyala"/>
+        <a:font script="Beng" typeface="Vrinda"/>
+        <a:font script="Gujr" typeface="Shruti"/>
+        <a:font script="Khmr" typeface="DaunPenh"/>
+        <a:font script="Knda" typeface="Tunga"/>
+        <a:font script="Guru" typeface="Raavi"/>
+        <a:font script="Cans" typeface="Euphemia"/>
+        <a:font script="Cher" typeface="Plantagenet Cherokee"/>
+        <a:font script="Yiii" typeface="Microsoft Yi Baiti"/>
+        <a:font script="Tibt" typeface="Microsoft Himalaya"/>
+        <a:font script="Thaa" typeface="MV Boli"/>
+        <a:font script="Deva" typeface="Mangal"/>
+        <a:font script="Telu" typeface="Gautami"/>
+        <a:font script="Taml" typeface="Latha"/>
+        <a:font script="Syrc" typeface="Estrangelo Edessa"/>
+        <a:font script="Orya" typeface="Kalinga"/>
+        <a:font script="Mlym" typeface="Kartika"/>
+        <a:font script="Laoo" typeface="DokChampa"/>
+        <a:font script="Sinh" typeface="Iskoola Pota"/>
+        <a:font script="Mong" typeface="Mongolian Baiti"/>
+        <a:font script="Viet" typeface="Arial"/>
+        <a:font script="Uigh" typeface="Microsoft Uighur"/>
+        <a:font script="Geor" typeface="Sylfaen"/>
+        <a:font script="Armn" typeface="Arial"/>
+        <a:font script="Bugi" typeface="Leelawadee UI"/>
+        <a:font script="Bopo" typeface="Microsoft JhengHei"/>
+        <a:font script="Java" typeface="Javanese Text"/>
+        <a:font script="Lisu" typeface="Segoe UI"/>
+        <a:font script="Mymr" typeface="Myanmar Text"/>
+        <a:font script="Nkoo" typeface="Ebrima"/>
+        <a:font script="Olck" typeface="Nirmala UI"/>
+        <a:font script="Osma" typeface="Ebrima"/>
+        <a:font script="Phag" typeface="Phagspa"/>
+        <a:font script="Syrn" typeface="Estrangelo Edessa"/>
+        <a:font script="Syrj" typeface="Estrangelo Edessa"/>
+        <a:font script="Syre" typeface="Estrangelo Edessa"/>
+        <a:font script="Sora" typeface="Nirmala UI"/>
+        <a:font script="Tale" typeface="Microsoft Tai Le"/>
+        <a:font script="Talu" typeface="Microsoft New Tai Lue"/>
+        <a:font script="Tfng" typeface="Ebrima"/>
+      </a:minorFont>
+    </a:fontScheme>
+    <a:fmtScheme name="Office">
+      <a:fillStyleLst>
+        <a:solidFill>
+          <a:schemeClr val="phClr"/>
+        </a:solidFill>
+        <a:gradFill rotWithShape="1">
+          <a:gsLst>
+            <a:gs pos="0">
+              <a:schemeClr val="phClr">
+                <a:lumMod val="110000"/>
+                <a:satMod val="105000"/>
+                <a:tint val="67000"/>
+              </a:schemeClr>
+            </a:gs>
+            <a:gs pos="50000">
+              <a:schemeClr val="phClr">
+                <a:lumMod val="105000"/>
+                <a:satMod val="103000"/>
+                <a:tint val="73000"/>
+              </a:schemeClr>
+            </a:gs>
+            <a:gs pos="100000">
+              <a:schemeClr val="phClr">
+                <a:lumMod val="105000"/>
+                <a:satMod val="109000"/>
+                <a:tint val="81000"/>
+              </a:schemeClr>
+            </a:gs>
+          </a:gsLst>
+          <a:lin ang="5400000" scaled="0"/>
+        </a:gradFill>
+        <a:gradFill rotWithShape="1">
+          <a:gsLst>
+            <a:gs pos="0">
+              <a:schemeClr val="phClr">
+                <a:satMod val="103000"/>
+                <a:lumMod val="102000"/>
+                <a:tint val="94000"/>
+              </a:schemeClr>
+            </a:gs>
+            <a:gs pos="50000">
+              <a:schemeClr val="phClr">
+                <a:satMod val="110000"/>
+                <a:lumMod val="100000"/>
+                <a:shade val="100000"/>
+              </a:schemeClr>
+            </a:gs>
+            <a:gs pos="100000">
+              <a:schemeClr val="phClr">
+                <a:lumMod val="99000"/>
+                <a:satMod val="120000"/>
+                <a:shade val="78000"/>
+              </a:schemeClr>
+            </a:gs>
+          </a:gsLst>
+          <a:lin ang="5400000" scaled="0"/>
+        </a:gradFill>
+      </a:fillStyleLst>
+      <a:lnStyleLst>
+        <a:ln w="6350" cap="flat" cmpd="sng" algn="ctr">
+          <a:solidFill>
+            <a:schemeClr val="phClr"/>
+          </a:solidFill>
+          <a:prstDash val="solid"/>
+          <a:miter lim="800000"/>
+        </a:ln>
+        <a:ln w="12700" cap="flat" cmpd="sng" algn="ctr">
+          <a:solidFill>
+            <a:schemeClr val="phClr"/>
+          </a:solidFill>
+          <a:prstDash val="solid"/>
+          <a:miter lim="800000"/>
+        </a:ln>
+        <a:ln w="19050" cap="flat" cmpd="sng" algn="ctr">
+          <a:solidFill>
+            <a:schemeClr val="phClr"/>
+          </a:solidFill>
+          <a:prstDash val="solid"/>
+          <a:miter lim="800000"/>
+        </a:ln>
+      </a:lnStyleLst>
+      <a:effectStyleLst>
+        <a:effectStyle>
+          <a:effectLst/>
+        </a:effectStyle>
+        <a:effectStyle>
+          <a:effectLst/>
+        </a:effectStyle>
+        <a:effectStyle>
+          <a:effectLst>
+            <a:outerShdw blurRad="57150" dist="19050" dir="5400000" algn="ctr" rotWithShape="0">
+              <a:srgbClr val="000000">
+                <a:alpha val="63000"/>
+              </a:srgbClr>
+            </a:outerShdw>
+          </a:effectLst>
+        </a:effectStyle>
+      </a:effectStyleLst>
+      <a:bgFillStyleLst>
+        <a:solidFill>
+          <a:schemeClr val="phClr"/>
+        </a:solidFill>
+        <a:solidFill>
+          <a:schemeClr val="phClr">
+            <a:tint val="95000"/>
+            <a:satMod val="170000"/>
+          </a:schemeClr>
+        </a:solidFill>
+        <a:gradFill rotWithShape="1">
+          <a:gsLst>
+            <a:gs pos="0">
+              <a:schemeClr val="phClr">
+                <a:tint val="93000"/>
+                <a:satMod val="150000"/>
+                <a:shade val="98000"/>
+                <a:lumMod val="102000"/>
+              </a:schemeClr>
+            </a:gs>
+            <a:gs pos="50000">
+              <a:schemeClr val="phClr">
+                <a:tint val="98000"/>
+                <a:satMod val="130000"/>
+                <a:shade val="90000"/>
+                <a:lumMod val="103000"/>
+              </a:schemeClr>
+            </a:gs>
+            <a:gs pos="100000">
+              <a:schemeClr val="phClr">
+                <a:shade val="63000"/>
+                <a:satMod val="120000"/>
+              </a:schemeClr>
+            </a:gs>
+          </a:gsLst>
+          <a:lin ang="5400000" scaled="0"/>
+        </a:gradFill>
+      </a:bgFillStyleLst>
+    </a:fmtScheme>
+  </a:themeElements>
+  <a:objectDefaults/>
+  <a:extraClrSchemeLst/>
+  <a:extLst>
+    <a:ext uri="{05A4C25C-085E-4340-85A3-A5531E510DB2}">
+      <thm15:themeFamily xmlns:thm15="http://schemas.microsoft.com/office/thememl/2012/main" name="Office Theme" id="{62F939B6-93AF-4DB8-9C6B-D6C7DFDC589F}" vid="{4A3C46E8-61CC-4603-A589-7422A47A8E4A}"/>
+    </a:ext>
+  </a:extLst>
+</a:theme>
 </file>
--- a/Presentation/Air Traffic Incidents2000-2022.pptx
+++ b/Presentation/Air Traffic Incidents2000-2022.pptx
@@ -6131,7 +6131,7 @@
             </a:pPr>
             <a:r>
               <a:rPr lang="en-US" dirty="0"/>
-              <a:t>I used the Chi squared test to test my hypothesis and found that the p-value was significantly smaller than my 5% threshold. This led me to reject the null hypothesis and accept my alternate hypothesis.  I then trained a logistic regression model using my feature and target variables and found a strong predictive relationship between individual incident causes and fatal or non-fatal incidents.  On the graph to the right you can see the strongest coefficients from my model. On the top are the causes that had a positive coefficient and show a strong relationship with fatal incidents. And on the bottom of the graph you can see causes with the lowest coefficients which indicate a strong relationship with non-fatal incidents. </a:t>
+              <a:t>I used the Chi squared test to test my hypothesis and found that the p-value was significantly smaller than my 5% threshold. This led me to reject the null hypothesis and accept my alternate hypothesis.  I then trained a logistic regression model using my feature and target variables and found a strong predictive relationship between individual incident causes and fatal or non-fatal incidents.  On the graph to the right you can see the causes with the strongest positive and negative coefficients from my model. On the top are the causes that had a positive coefficient and show a strong relationship with fatal incidents. And on the bottom of the graph you can see causes with the lowest coefficients which indicate a strong relationship with non-fatal incidents. </a:t>
             </a:r>
           </a:p>
           <a:p>
@@ -9435,12 +9435,12 @@
           <a:lstStyle/>
           <a:p>
             <a:r>
-              <a:rPr lang="en-US">
+              <a:rPr lang="en-US" dirty="0">
                 <a:solidFill>
                   <a:schemeClr val="tx1"/>
                 </a:solidFill>
               </a:rPr>
-              <a:t>Ben MacDonald, CW2</a:t>
+              <a:t>Ben MacDonald</a:t>
             </a:r>
           </a:p>
         </p:txBody>
@@ -10509,6 +10509,110 @@
           </a:p>
         </p:txBody>
       </p:sp>
+      <p:sp>
+        <p:nvSpPr>
+          <p:cNvPr id="3" name="Rectangle 2">
+            <a:extLst>
+              <a:ext uri="{FF2B5EF4-FFF2-40B4-BE49-F238E27FC236}">
+                <a16:creationId xmlns:a16="http://schemas.microsoft.com/office/drawing/2014/main" id="{24A7120D-AAC2-85A9-AF11-36E7A0C9C302}"/>
+              </a:ext>
+            </a:extLst>
+          </p:cNvPr>
+          <p:cNvSpPr/>
+          <p:nvPr/>
+        </p:nvSpPr>
+        <p:spPr>
+          <a:xfrm>
+            <a:off x="5442918" y="2449130"/>
+            <a:ext cx="492369" cy="3049760"/>
+          </a:xfrm>
+          <a:prstGeom prst="rect">
+            <a:avLst/>
+          </a:prstGeom>
+          <a:noFill/>
+          <a:ln>
+            <a:solidFill>
+              <a:srgbClr val="FF0000"/>
+            </a:solidFill>
+          </a:ln>
+        </p:spPr>
+        <p:style>
+          <a:lnRef idx="2">
+            <a:schemeClr val="accent1">
+              <a:shade val="15000"/>
+            </a:schemeClr>
+          </a:lnRef>
+          <a:fillRef idx="1">
+            <a:schemeClr val="accent1"/>
+          </a:fillRef>
+          <a:effectRef idx="0">
+            <a:schemeClr val="accent1"/>
+          </a:effectRef>
+          <a:fontRef idx="minor">
+            <a:schemeClr val="lt1"/>
+          </a:fontRef>
+        </p:style>
+        <p:txBody>
+          <a:bodyPr rtlCol="0" anchor="ctr"/>
+          <a:lstStyle/>
+          <a:p>
+            <a:pPr algn="ctr"/>
+            <a:endParaRPr lang="en-US"/>
+          </a:p>
+        </p:txBody>
+      </p:sp>
+      <p:sp>
+        <p:nvSpPr>
+          <p:cNvPr id="4" name="Rectangle 3">
+            <a:extLst>
+              <a:ext uri="{FF2B5EF4-FFF2-40B4-BE49-F238E27FC236}">
+                <a16:creationId xmlns:a16="http://schemas.microsoft.com/office/drawing/2014/main" id="{0C34D69E-6A9E-CF76-E19E-8EC50A485DD6}"/>
+              </a:ext>
+            </a:extLst>
+          </p:cNvPr>
+          <p:cNvSpPr/>
+          <p:nvPr/>
+        </p:nvSpPr>
+        <p:spPr>
+          <a:xfrm>
+            <a:off x="11500899" y="2449130"/>
+            <a:ext cx="492369" cy="3049760"/>
+          </a:xfrm>
+          <a:prstGeom prst="rect">
+            <a:avLst/>
+          </a:prstGeom>
+          <a:noFill/>
+          <a:ln>
+            <a:solidFill>
+              <a:srgbClr val="FF0000"/>
+            </a:solidFill>
+          </a:ln>
+        </p:spPr>
+        <p:style>
+          <a:lnRef idx="2">
+            <a:schemeClr val="accent1">
+              <a:shade val="15000"/>
+            </a:schemeClr>
+          </a:lnRef>
+          <a:fillRef idx="1">
+            <a:schemeClr val="accent1"/>
+          </a:fillRef>
+          <a:effectRef idx="0">
+            <a:schemeClr val="accent1"/>
+          </a:effectRef>
+          <a:fontRef idx="minor">
+            <a:schemeClr val="lt1"/>
+          </a:fontRef>
+        </p:style>
+        <p:txBody>
+          <a:bodyPr rtlCol="0" anchor="ctr"/>
+          <a:lstStyle/>
+          <a:p>
+            <a:pPr algn="ctr"/>
+            <a:endParaRPr lang="en-US"/>
+          </a:p>
+        </p:txBody>
+      </p:sp>
     </p:spTree>
     <p:extLst>
       <p:ext uri="{BB962C8B-B14F-4D97-AF65-F5344CB8AC3E}">
@@ -10519,6 +10623,112 @@
   <p:clrMapOvr>
     <a:masterClrMapping/>
   </p:clrMapOvr>
+  <p:timing>
+    <p:tnLst>
+      <p:par>
+        <p:cTn id="1" dur="indefinite" restart="never" nodeType="tmRoot">
+          <p:childTnLst>
+            <p:seq concurrent="1" nextAc="seek">
+              <p:cTn id="2" dur="indefinite" nodeType="mainSeq">
+                <p:childTnLst>
+                  <p:par>
+                    <p:cTn id="3" fill="hold">
+                      <p:stCondLst>
+                        <p:cond delay="indefinite"/>
+                      </p:stCondLst>
+                      <p:childTnLst>
+                        <p:par>
+                          <p:cTn id="4" fill="hold">
+                            <p:stCondLst>
+                              <p:cond delay="0"/>
+                            </p:stCondLst>
+                            <p:childTnLst>
+                              <p:par>
+                                <p:cTn id="5" presetID="1" presetClass="entr" presetSubtype="0" fill="hold" grpId="0" nodeType="clickEffect">
+                                  <p:stCondLst>
+                                    <p:cond delay="0"/>
+                                  </p:stCondLst>
+                                  <p:childTnLst>
+                                    <p:set>
+                                      <p:cBhvr>
+                                        <p:cTn id="6" dur="1" fill="hold">
+                                          <p:stCondLst>
+                                            <p:cond delay="0"/>
+                                          </p:stCondLst>
+                                        </p:cTn>
+                                        <p:tgtEl>
+                                          <p:spTgt spid="3"/>
+                                        </p:tgtEl>
+                                        <p:attrNameLst>
+                                          <p:attrName>style.visibility</p:attrName>
+                                        </p:attrNameLst>
+                                      </p:cBhvr>
+                                      <p:to>
+                                        <p:strVal val="visible"/>
+                                      </p:to>
+                                    </p:set>
+                                  </p:childTnLst>
+                                </p:cTn>
+                              </p:par>
+                              <p:par>
+                                <p:cTn id="7" presetID="1" presetClass="entr" presetSubtype="0" fill="hold" grpId="0" nodeType="withEffect">
+                                  <p:stCondLst>
+                                    <p:cond delay="0"/>
+                                  </p:stCondLst>
+                                  <p:childTnLst>
+                                    <p:set>
+                                      <p:cBhvr>
+                                        <p:cTn id="8" dur="1" fill="hold">
+                                          <p:stCondLst>
+                                            <p:cond delay="0"/>
+                                          </p:stCondLst>
+                                        </p:cTn>
+                                        <p:tgtEl>
+                                          <p:spTgt spid="4"/>
+                                        </p:tgtEl>
+                                        <p:attrNameLst>
+                                          <p:attrName>style.visibility</p:attrName>
+                                        </p:attrNameLst>
+                                      </p:cBhvr>
+                                      <p:to>
+                                        <p:strVal val="visible"/>
+                                      </p:to>
+                                    </p:set>
+                                  </p:childTnLst>
+                                </p:cTn>
+                              </p:par>
+                            </p:childTnLst>
+                          </p:cTn>
+                        </p:par>
+                      </p:childTnLst>
+                    </p:cTn>
+                  </p:par>
+                </p:childTnLst>
+              </p:cTn>
+              <p:prevCondLst>
+                <p:cond evt="onPrev" delay="0">
+                  <p:tgtEl>
+                    <p:sldTgt/>
+                  </p:tgtEl>
+                </p:cond>
+              </p:prevCondLst>
+              <p:nextCondLst>
+                <p:cond evt="onNext" delay="0">
+                  <p:tgtEl>
+                    <p:sldTgt/>
+                  </p:tgtEl>
+                </p:cond>
+              </p:nextCondLst>
+            </p:seq>
+          </p:childTnLst>
+        </p:cTn>
+      </p:par>
+    </p:tnLst>
+    <p:bldLst>
+      <p:bldP spid="3" grpId="0" animBg="1"/>
+      <p:bldP spid="4" grpId="0" animBg="1"/>
+    </p:bldLst>
+  </p:timing>
 </p:sld>
 </file>
 
@@ -11505,8 +11715,8 @@
         </p:nvSpPr>
         <p:spPr>
           <a:xfrm>
-            <a:off x="3886200" y="3280472"/>
-            <a:ext cx="178904" cy="369332"/>
+            <a:off x="3903349" y="3271133"/>
+            <a:ext cx="234912" cy="369332"/>
           </a:xfrm>
           <a:prstGeom prst="rect">
             <a:avLst/>
@@ -11519,6 +11729,7 @@
           </a:bodyPr>
           <a:lstStyle/>
           <a:p>
+            <a:pPr algn="ctr"/>
             <a:r>
               <a:rPr lang="en-US" dirty="0">
                 <a:solidFill>

--- a/Presentation/Air Traffic Incidents2000-2022.pptx
+++ b/Presentation/Air Traffic Incidents2000-2022.pptx
@@ -6338,7 +6338,7 @@
           <a:p>
             <a:fld id="{1160EA64-D806-43AC-9DF2-F8C432F32B4C}" type="datetimeFigureOut">
               <a:rPr lang="en-US" dirty="0"/>
-              <a:t>8/10/23</a:t>
+              <a:t>8/11/23</a:t>
             </a:fld>
             <a:endParaRPr lang="en-US" dirty="0"/>
           </a:p>
@@ -6504,7 +6504,7 @@
           <a:p>
             <a:fld id="{E9F9C37B-1D36-470B-8223-D6C91242EC14}" type="datetimeFigureOut">
               <a:rPr lang="en-US" dirty="0"/>
-              <a:t>8/10/23</a:t>
+              <a:t>8/11/23</a:t>
             </a:fld>
             <a:endParaRPr lang="en-US" dirty="0"/>
           </a:p>
@@ -6679,7 +6679,7 @@
           <a:p>
             <a:fld id="{67C6F52A-A82B-47A2-A83A-8C4C91F2D59F}" type="datetimeFigureOut">
               <a:rPr lang="en-US" dirty="0"/>
-              <a:t>8/10/23</a:t>
+              <a:t>8/11/23</a:t>
             </a:fld>
             <a:endParaRPr lang="en-US" dirty="0"/>
           </a:p>
@@ -6844,7 +6844,7 @@
           <a:p>
             <a:fld id="{F070A7B3-6521-4DCA-87E5-044747A908C1}" type="datetimeFigureOut">
               <a:rPr lang="en-US" dirty="0"/>
-              <a:t>8/10/23</a:t>
+              <a:t>8/11/23</a:t>
             </a:fld>
             <a:endParaRPr lang="en-US" dirty="0"/>
           </a:p>
@@ -7108,7 +7108,7 @@
           <a:p>
             <a:fld id="{1160EA64-D806-43AC-9DF2-F8C432F32B4C}" type="datetimeFigureOut">
               <a:rPr lang="en-US" dirty="0"/>
-              <a:t>8/10/23</a:t>
+              <a:t>8/11/23</a:t>
             </a:fld>
             <a:endParaRPr lang="en-US" dirty="0"/>
           </a:p>
@@ -7336,7 +7336,7 @@
           <a:p>
             <a:fld id="{AB134690-1557-4C89-A502-4959FE7FAD70}" type="datetimeFigureOut">
               <a:rPr lang="en-US" dirty="0"/>
-              <a:t>8/10/23</a:t>
+              <a:t>8/11/23</a:t>
             </a:fld>
             <a:endParaRPr lang="en-US" dirty="0"/>
           </a:p>
@@ -7690,7 +7690,7 @@
           <a:p>
             <a:fld id="{4F7D4976-E339-4826-83B7-FBD03F55ECF8}" type="datetimeFigureOut">
               <a:rPr lang="en-US" dirty="0"/>
-              <a:t>8/10/23</a:t>
+              <a:t>8/11/23</a:t>
             </a:fld>
             <a:endParaRPr lang="en-US" dirty="0"/>
           </a:p>
@@ -7826,7 +7826,7 @@
           <a:p>
             <a:fld id="{E1037C31-9E7A-4F99-8774-A0E530DE1A42}" type="datetimeFigureOut">
               <a:rPr lang="en-US" dirty="0"/>
-              <a:t>8/10/23</a:t>
+              <a:t>8/11/23</a:t>
             </a:fld>
             <a:endParaRPr lang="en-US" dirty="0"/>
           </a:p>
@@ -7916,7 +7916,7 @@
           <a:p>
             <a:fld id="{C278504F-A551-4DE0-9316-4DCD1D8CC752}" type="datetimeFigureOut">
               <a:rPr lang="en-US" dirty="0"/>
-              <a:t>8/10/23</a:t>
+              <a:t>8/11/23</a:t>
             </a:fld>
             <a:endParaRPr lang="en-US" dirty="0"/>
           </a:p>
@@ -8268,7 +8268,7 @@
           <a:p>
             <a:fld id="{D1BE4249-C0D0-4B06-8692-E8BB871AF643}" type="datetimeFigureOut">
               <a:rPr lang="en-US" dirty="0"/>
-              <a:t>8/10/23</a:t>
+              <a:t>8/11/23</a:t>
             </a:fld>
             <a:endParaRPr lang="en-US" dirty="0"/>
           </a:p>
@@ -8620,7 +8620,7 @@
           <a:p>
             <a:fld id="{042B0DB6-F5C7-45FB-8CF3-31B45F9C2DAC}" type="datetimeFigureOut">
               <a:rPr lang="en-US" dirty="0"/>
-              <a:t>8/10/23</a:t>
+              <a:t>8/11/23</a:t>
             </a:fld>
             <a:endParaRPr lang="en-US" dirty="0"/>
           </a:p>
@@ -8857,7 +8857,7 @@
           <a:p>
             <a:fld id="{1160EA64-D806-43AC-9DF2-F8C432F32B4C}" type="datetimeFigureOut">
               <a:rPr lang="en-US" dirty="0"/>
-              <a:t>8/10/23</a:t>
+              <a:t>8/11/23</a:t>
             </a:fld>
             <a:endParaRPr lang="en-US" dirty="0"/>
           </a:p>
@@ -10845,7 +10845,7 @@
         <p:spPr>
           <a:xfrm>
             <a:off x="311499" y="1559617"/>
-            <a:ext cx="3196516" cy="830997"/>
+            <a:ext cx="3049040" cy="830997"/>
           </a:xfrm>
           <a:prstGeom prst="rect">
             <a:avLst/>
@@ -10864,7 +10864,7 @@
             </a:pPr>
             <a:r>
               <a:rPr lang="en-US" sz="1600" dirty="0"/>
-              <a:t>73.6% of incidents were not fatal</a:t>
+              <a:t>74% of incidents were not fatal</a:t>
             </a:r>
           </a:p>
           <a:p>
@@ -10881,7 +10881,7 @@
             </a:pPr>
             <a:r>
               <a:rPr lang="en-US" sz="1600" dirty="0"/>
-              <a:t>26.4% were fatal</a:t>
+              <a:t>26% were fatal</a:t>
             </a:r>
           </a:p>
         </p:txBody>
